--- a/企业微信开发自建内部应用篇.pptx
+++ b/企业微信开发自建内部应用篇.pptx
@@ -28,6 +28,24 @@
     <p:sldId id="286" r:id="rId23"/>
     <p:sldId id="280" r:id="rId24"/>
     <p:sldId id="288" r:id="rId25"/>
+    <p:sldId id="294" r:id="rId26"/>
+    <p:sldId id="289" r:id="rId27"/>
+    <p:sldId id="290" r:id="rId28"/>
+    <p:sldId id="292" r:id="rId29"/>
+    <p:sldId id="291" r:id="rId30"/>
+    <p:sldId id="300" r:id="rId31"/>
+    <p:sldId id="301" r:id="rId32"/>
+    <p:sldId id="303" r:id="rId33"/>
+    <p:sldId id="302" r:id="rId34"/>
+    <p:sldId id="304" r:id="rId35"/>
+    <p:sldId id="305" r:id="rId36"/>
+    <p:sldId id="306" r:id="rId37"/>
+    <p:sldId id="307" r:id="rId38"/>
+    <p:sldId id="309" r:id="rId39"/>
+    <p:sldId id="310" r:id="rId40"/>
+    <p:sldId id="311" r:id="rId41"/>
+    <p:sldId id="312" r:id="rId42"/>
+    <p:sldId id="313" r:id="rId43"/>
   </p:sldIdLst>
   <p:sldSz cx="12192000" cy="6858000"/>
   <p:notesSz cx="7103745" cy="10234295"/>
@@ -5698,6 +5716,2890 @@
 </p:sld>
 </file>
 
+<file path=ppt/slides/slide24.xml><?xml version="1.0" encoding="utf-8"?>
+<p:sld xmlns:a="http://schemas.openxmlformats.org/drawingml/2006/main" xmlns:r="http://schemas.openxmlformats.org/officeDocument/2006/relationships" xmlns:p="http://schemas.openxmlformats.org/presentationml/2006/main">
+  <p:cSld>
+    <p:spTree>
+      <p:nvGrpSpPr>
+        <p:cNvPr id="1" name=""/>
+        <p:cNvGrpSpPr/>
+        <p:nvPr/>
+      </p:nvGrpSpPr>
+      <p:grpSpPr/>
+      <p:sp>
+        <p:nvSpPr>
+          <p:cNvPr id="2" name="标题 1"/>
+          <p:cNvSpPr>
+            <a:spLocks noGrp="1"/>
+          </p:cNvSpPr>
+          <p:nvPr>
+            <p:ph type="title"/>
+          </p:nvPr>
+        </p:nvSpPr>
+        <p:spPr>
+          <a:xfrm>
+            <a:off x="838200" y="248285"/>
+            <a:ext cx="10515600" cy="761365"/>
+          </a:xfrm>
+        </p:spPr>
+        <p:txBody>
+          <a:bodyPr>
+            <a:normAutofit/>
+          </a:bodyPr>
+          <a:p>
+            <a:r>
+              <a:rPr lang="zh-CN" altLang="en-US" sz="2400">
+                <a:latin typeface="苹方-简" panose="020B0400000000000000" charset="-122"/>
+                <a:ea typeface="苹方-简" panose="020B0400000000000000" charset="-122"/>
+              </a:rPr>
+              <a:t>身份验证,扫码授权登录获取身份</a:t>
+            </a:r>
+            <a:endParaRPr lang="zh-CN" altLang="en-US" sz="2400">
+              <a:latin typeface="苹方-简" panose="020B0400000000000000" charset="-122"/>
+              <a:ea typeface="苹方-简" panose="020B0400000000000000" charset="-122"/>
+            </a:endParaRPr>
+          </a:p>
+        </p:txBody>
+      </p:sp>
+      <p:sp>
+        <p:nvSpPr>
+          <p:cNvPr id="4" name="文本框 3"/>
+          <p:cNvSpPr txBox="1"/>
+          <p:nvPr/>
+        </p:nvSpPr>
+        <p:spPr>
+          <a:xfrm>
+            <a:off x="838200" y="1242060"/>
+            <a:ext cx="10609580" cy="3415030"/>
+          </a:xfrm>
+          <a:prstGeom prst="rect">
+            <a:avLst/>
+          </a:prstGeom>
+          <a:noFill/>
+        </p:spPr>
+        <p:txBody>
+          <a:bodyPr wrap="square" rtlCol="0">
+            <a:spAutoFit/>
+          </a:bodyPr>
+          <a:p>
+            <a:pPr lvl="0"/>
+            <a:r>
+              <a:rPr lang="en-US" altLang="zh-CN"/>
+              <a:t>redirecturl     http://tobdev.ant-xy.com:8800/#/adminCallback</a:t>
+            </a:r>
+            <a:endParaRPr lang="en-US" altLang="zh-CN"/>
+          </a:p>
+          <a:p>
+            <a:pPr lvl="0"/>
+            <a:endParaRPr lang="zh-CN" altLang="en-US">
+              <a:sym typeface="+mn-ea"/>
+            </a:endParaRPr>
+          </a:p>
+          <a:p>
+            <a:pPr lvl="0"/>
+            <a:r>
+              <a:rPr lang="zh-CN" altLang="en-US">
+                <a:sym typeface="+mn-ea"/>
+              </a:rPr>
+              <a:t>授权链接 </a:t>
+            </a:r>
+            <a:endParaRPr lang="zh-CN" altLang="en-US"/>
+          </a:p>
+          <a:p>
+            <a:pPr lvl="0"/>
+            <a:r>
+              <a:rPr lang="zh-CN" altLang="en-US"/>
+              <a:t>https://open.weixin.qq.com/connect/oauth2/authorize?appid=wwe58c8eb857ded23d&amp;redirect_uri=http%3A%2F%2Ftobdev.ant-xy.com%3A8800%2F%23%2F</a:t>
+            </a:r>
+            <a:r>
+              <a:rPr lang="en-US" altLang="zh-CN">
+                <a:sym typeface="+mn-ea"/>
+              </a:rPr>
+              <a:t>adminCallback</a:t>
+            </a:r>
+            <a:r>
+              <a:rPr lang="zh-CN" altLang="en-US"/>
+              <a:t>k&amp;response_type=code&amp;scope=snsapi_base&amp;state=sdfds343#wechat_redirect</a:t>
+            </a:r>
+            <a:endParaRPr lang="zh-CN" altLang="en-US"/>
+          </a:p>
+          <a:p>
+            <a:pPr lvl="0"/>
+            <a:endParaRPr lang="zh-CN" altLang="en-US"/>
+          </a:p>
+          <a:p>
+            <a:pPr lvl="0"/>
+            <a:endParaRPr lang="zh-CN" altLang="en-US"/>
+          </a:p>
+          <a:p>
+            <a:pPr lvl="0"/>
+            <a:r>
+              <a:rPr lang="zh-CN" altLang="en-US"/>
+              <a:t>授权成功后会跳回携带</a:t>
+            </a:r>
+            <a:r>
+              <a:rPr lang="en-US" altLang="zh-CN"/>
+              <a:t>code</a:t>
+            </a:r>
+            <a:endParaRPr lang="en-US" altLang="zh-CN"/>
+          </a:p>
+          <a:p>
+            <a:pPr lvl="0"/>
+            <a:endParaRPr lang="en-US" altLang="zh-CN"/>
+          </a:p>
+          <a:p>
+            <a:pPr lvl="0"/>
+            <a:endParaRPr lang="en-US" altLang="zh-CN"/>
+          </a:p>
+        </p:txBody>
+      </p:sp>
+    </p:spTree>
+  </p:cSld>
+  <p:clrMapOvr>
+    <a:masterClrMapping/>
+  </p:clrMapOvr>
+</p:sld>
+</file>
+
+<file path=ppt/slides/slide25.xml><?xml version="1.0" encoding="utf-8"?>
+<p:sld xmlns:a="http://schemas.openxmlformats.org/drawingml/2006/main" xmlns:r="http://schemas.openxmlformats.org/officeDocument/2006/relationships" xmlns:p="http://schemas.openxmlformats.org/presentationml/2006/main">
+  <p:cSld>
+    <p:spTree>
+      <p:nvGrpSpPr>
+        <p:cNvPr id="1" name=""/>
+        <p:cNvGrpSpPr/>
+        <p:nvPr/>
+      </p:nvGrpSpPr>
+      <p:grpSpPr/>
+      <p:sp>
+        <p:nvSpPr>
+          <p:cNvPr id="2" name="标题 1"/>
+          <p:cNvSpPr>
+            <a:spLocks noGrp="1"/>
+          </p:cNvSpPr>
+          <p:nvPr>
+            <p:ph type="title"/>
+          </p:nvPr>
+        </p:nvSpPr>
+        <p:spPr>
+          <a:xfrm>
+            <a:off x="838200" y="248285"/>
+            <a:ext cx="10515600" cy="761365"/>
+          </a:xfrm>
+        </p:spPr>
+        <p:txBody>
+          <a:bodyPr>
+            <a:normAutofit/>
+          </a:bodyPr>
+          <a:p>
+            <a:r>
+              <a:rPr lang="en-US" altLang="zh-CN" sz="2400">
+                <a:latin typeface="苹方-简" panose="020B0400000000000000" charset="-122"/>
+                <a:ea typeface="苹方-简" panose="020B0400000000000000" charset="-122"/>
+              </a:rPr>
+              <a:t>jssk,config</a:t>
+            </a:r>
+            <a:endParaRPr lang="en-US" altLang="zh-CN" sz="2400">
+              <a:latin typeface="苹方-简" panose="020B0400000000000000" charset="-122"/>
+              <a:ea typeface="苹方-简" panose="020B0400000000000000" charset="-122"/>
+            </a:endParaRPr>
+          </a:p>
+        </p:txBody>
+      </p:sp>
+      <p:sp>
+        <p:nvSpPr>
+          <p:cNvPr id="4" name="文本框 3"/>
+          <p:cNvSpPr txBox="1"/>
+          <p:nvPr/>
+        </p:nvSpPr>
+        <p:spPr>
+          <a:xfrm>
+            <a:off x="838200" y="1242060"/>
+            <a:ext cx="10609580" cy="5077460"/>
+          </a:xfrm>
+          <a:prstGeom prst="rect">
+            <a:avLst/>
+          </a:prstGeom>
+          <a:noFill/>
+        </p:spPr>
+        <p:txBody>
+          <a:bodyPr wrap="square" rtlCol="0">
+            <a:spAutoFit/>
+          </a:bodyPr>
+          <a:p>
+            <a:pPr lvl="0"/>
+            <a:r>
+              <a:rPr lang="en-US" altLang="zh-CN"/>
+              <a:t>jssdk</a:t>
+            </a:r>
+            <a:endParaRPr lang="en-US" altLang="zh-CN"/>
+          </a:p>
+          <a:p>
+            <a:pPr lvl="0"/>
+            <a:r>
+              <a:rPr lang="en-US" altLang="zh-CN"/>
+              <a:t>app(iOS/Android</a:t>
+            </a:r>
+            <a:r>
+              <a:rPr lang="zh-CN" altLang="en-US"/>
+              <a:t>）调用系统调用系统功能打开摄像头，定位进行如拍照，扫一扫，定位等等</a:t>
+            </a:r>
+            <a:endParaRPr lang="zh-CN" altLang="en-US"/>
+          </a:p>
+          <a:p>
+            <a:pPr lvl="0"/>
+            <a:r>
+              <a:rPr lang="en-US" altLang="zh-CN"/>
+              <a:t>1,app</a:t>
+            </a:r>
+            <a:r>
+              <a:rPr lang="zh-CN" altLang="en-US"/>
+              <a:t>里内嵌浏览器里的</a:t>
+            </a:r>
+            <a:r>
+              <a:rPr lang="en-US" altLang="zh-CN"/>
+              <a:t>h5</a:t>
+            </a:r>
+            <a:r>
+              <a:rPr lang="zh-CN" altLang="en-US"/>
+              <a:t>应用需要通过</a:t>
+            </a:r>
+            <a:r>
+              <a:rPr lang="en-US" altLang="zh-CN"/>
+              <a:t>app</a:t>
+            </a:r>
+            <a:r>
+              <a:rPr lang="zh-CN" altLang="en-US"/>
+              <a:t>间接的呼起系统功能，</a:t>
+            </a:r>
+            <a:r>
+              <a:rPr lang="en-US" altLang="zh-CN"/>
+              <a:t>h5</a:t>
+            </a:r>
+            <a:r>
+              <a:rPr lang="zh-CN" altLang="en-US"/>
+              <a:t>跟</a:t>
+            </a:r>
+            <a:r>
+              <a:rPr lang="en-US" altLang="zh-CN"/>
+              <a:t>app</a:t>
+            </a:r>
+            <a:r>
+              <a:rPr lang="zh-CN" altLang="en-US"/>
+              <a:t>交互需要通过企业</a:t>
+            </a:r>
+            <a:r>
+              <a:rPr lang="en-US" altLang="zh-CN"/>
+              <a:t>jssdk</a:t>
+            </a:r>
+            <a:endParaRPr lang="en-US" altLang="zh-CN"/>
+          </a:p>
+          <a:p>
+            <a:pPr lvl="0"/>
+            <a:r>
+              <a:rPr lang="en-US" altLang="zh-CN"/>
+              <a:t>2,</a:t>
+            </a:r>
+            <a:r>
+              <a:rPr lang="en-US" altLang="zh-CN">
+                <a:sym typeface="+mn-ea"/>
+              </a:rPr>
+              <a:t>app</a:t>
+            </a:r>
+            <a:r>
+              <a:rPr lang="zh-CN" altLang="en-US">
+                <a:sym typeface="+mn-ea"/>
+              </a:rPr>
+              <a:t>里内嵌浏览器里的</a:t>
+            </a:r>
+            <a:r>
+              <a:rPr lang="en-US" altLang="zh-CN">
+                <a:sym typeface="+mn-ea"/>
+              </a:rPr>
+              <a:t>h5</a:t>
+            </a:r>
+            <a:r>
+              <a:rPr lang="zh-CN" altLang="en-US">
+                <a:sym typeface="+mn-ea"/>
+              </a:rPr>
+              <a:t>应用调用企业微信本身功能，如选人，需要通过企业微信</a:t>
+            </a:r>
+            <a:r>
+              <a:rPr lang="en-US" altLang="zh-CN">
+                <a:sym typeface="+mn-ea"/>
+              </a:rPr>
+              <a:t>jssdk</a:t>
+            </a:r>
+            <a:endParaRPr lang="en-US" altLang="zh-CN"/>
+          </a:p>
+          <a:p>
+            <a:pPr lvl="0"/>
+            <a:endParaRPr lang="en-US" altLang="zh-CN"/>
+          </a:p>
+          <a:p>
+            <a:pPr lvl="0"/>
+            <a:r>
+              <a:rPr lang="en-US" altLang="zh-CN"/>
+              <a:t>jssdk config</a:t>
+            </a:r>
+            <a:endParaRPr lang="en-US" altLang="zh-CN"/>
+          </a:p>
+          <a:p>
+            <a:pPr lvl="0"/>
+            <a:r>
+              <a:rPr lang="en-US" altLang="zh-CN"/>
+              <a:t>所有的JS接口只能在企业微信应用的可信域名下调用(包括子域名)，且可信域名必须有ICP备案且在管理端验证域名归属。</a:t>
+            </a:r>
+            <a:endParaRPr lang="en-US" altLang="zh-CN"/>
+          </a:p>
+          <a:p>
+            <a:pPr lvl="0"/>
+            <a:endParaRPr lang="en-US" altLang="zh-CN"/>
+          </a:p>
+          <a:p>
+            <a:pPr lvl="0"/>
+            <a:r>
+              <a:rPr lang="zh-CN" altLang="en-US"/>
+              <a:t>验证域名归属：线上或者通过穿透能访问到校验域名归属文件</a:t>
+            </a:r>
+            <a:endParaRPr lang="zh-CN" altLang="en-US"/>
+          </a:p>
+          <a:p>
+            <a:pPr lvl="0"/>
+            <a:r>
+              <a:rPr lang="zh-CN" altLang="en-US"/>
+              <a:t>调用</a:t>
+            </a:r>
+            <a:r>
+              <a:rPr lang="en-US" altLang="zh-CN"/>
+              <a:t>js</a:t>
+            </a:r>
+            <a:r>
+              <a:rPr lang="zh-CN" altLang="en-US"/>
+              <a:t>签名接口</a:t>
+            </a:r>
+            <a:r>
+              <a:rPr lang="en-US" altLang="zh-CN"/>
+              <a:t>: </a:t>
+            </a:r>
+            <a:r>
+              <a:rPr lang="zh-CN" altLang="en-US"/>
+              <a:t>进行</a:t>
+            </a:r>
+            <a:r>
+              <a:rPr lang="en-US" altLang="zh-CN"/>
+              <a:t>config</a:t>
+            </a:r>
+            <a:endParaRPr lang="en-US" altLang="zh-CN"/>
+          </a:p>
+          <a:p>
+            <a:pPr lvl="0"/>
+            <a:endParaRPr lang="zh-CN" altLang="en-US"/>
+          </a:p>
+          <a:p>
+            <a:pPr lvl="0"/>
+            <a:endParaRPr lang="zh-CN" altLang="en-US"/>
+          </a:p>
+          <a:p>
+            <a:pPr lvl="0"/>
+            <a:endParaRPr lang="zh-CN" altLang="en-US"/>
+          </a:p>
+          <a:p>
+            <a:pPr lvl="0"/>
+            <a:endParaRPr lang="en-US" altLang="zh-CN"/>
+          </a:p>
+          <a:p>
+            <a:pPr lvl="0"/>
+            <a:endParaRPr lang="en-US" altLang="zh-CN"/>
+          </a:p>
+          <a:p>
+            <a:pPr lvl="0"/>
+            <a:endParaRPr lang="en-US" altLang="zh-CN"/>
+          </a:p>
+          <a:p>
+            <a:pPr lvl="0"/>
+            <a:endParaRPr lang="en-US" altLang="zh-CN"/>
+          </a:p>
+        </p:txBody>
+      </p:sp>
+    </p:spTree>
+  </p:cSld>
+  <p:clrMapOvr>
+    <a:masterClrMapping/>
+  </p:clrMapOvr>
+</p:sld>
+</file>
+
+<file path=ppt/slides/slide26.xml><?xml version="1.0" encoding="utf-8"?>
+<p:sld xmlns:a="http://schemas.openxmlformats.org/drawingml/2006/main" xmlns:r="http://schemas.openxmlformats.org/officeDocument/2006/relationships" xmlns:p="http://schemas.openxmlformats.org/presentationml/2006/main">
+  <p:cSld>
+    <p:spTree>
+      <p:nvGrpSpPr>
+        <p:cNvPr id="1" name=""/>
+        <p:cNvGrpSpPr/>
+        <p:nvPr/>
+      </p:nvGrpSpPr>
+      <p:grpSpPr/>
+      <p:sp>
+        <p:nvSpPr>
+          <p:cNvPr id="2" name="标题 1"/>
+          <p:cNvSpPr>
+            <a:spLocks noGrp="1"/>
+          </p:cNvSpPr>
+          <p:nvPr>
+            <p:ph type="title"/>
+          </p:nvPr>
+        </p:nvSpPr>
+        <p:spPr>
+          <a:xfrm>
+            <a:off x="838200" y="248285"/>
+            <a:ext cx="10515600" cy="761365"/>
+          </a:xfrm>
+        </p:spPr>
+        <p:txBody>
+          <a:bodyPr>
+            <a:normAutofit/>
+          </a:bodyPr>
+          <a:p>
+            <a:r>
+              <a:rPr lang="en-US" altLang="zh-CN" sz="2400">
+                <a:latin typeface="苹方-简" panose="020B0400000000000000" charset="-122"/>
+                <a:ea typeface="苹方-简" panose="020B0400000000000000" charset="-122"/>
+              </a:rPr>
+              <a:t>jssk</a:t>
+            </a:r>
+            <a:endParaRPr lang="en-US" altLang="zh-CN" sz="2400">
+              <a:latin typeface="苹方-简" panose="020B0400000000000000" charset="-122"/>
+              <a:ea typeface="苹方-简" panose="020B0400000000000000" charset="-122"/>
+            </a:endParaRPr>
+          </a:p>
+        </p:txBody>
+      </p:sp>
+      <p:sp>
+        <p:nvSpPr>
+          <p:cNvPr id="4" name="文本框 3"/>
+          <p:cNvSpPr txBox="1"/>
+          <p:nvPr/>
+        </p:nvSpPr>
+        <p:spPr>
+          <a:xfrm>
+            <a:off x="838200" y="1242060"/>
+            <a:ext cx="10609580" cy="5077460"/>
+          </a:xfrm>
+          <a:prstGeom prst="rect">
+            <a:avLst/>
+          </a:prstGeom>
+          <a:noFill/>
+        </p:spPr>
+        <p:txBody>
+          <a:bodyPr wrap="square" rtlCol="0">
+            <a:spAutoFit/>
+          </a:bodyPr>
+          <a:p>
+            <a:pPr lvl="0"/>
+            <a:r>
+              <a:rPr lang="zh-CN" altLang="en-US"/>
+              <a:t>checkJsApi</a:t>
+            </a:r>
+            <a:endParaRPr lang="zh-CN" altLang="en-US"/>
+          </a:p>
+          <a:p>
+            <a:pPr lvl="0"/>
+            <a:r>
+              <a:rPr lang="zh-CN" altLang="en-US"/>
+              <a:t>判断当前客户端版本是否支持指定JS接口</a:t>
+            </a:r>
+            <a:endParaRPr lang="zh-CN" altLang="en-US"/>
+          </a:p>
+          <a:p>
+            <a:pPr lvl="0"/>
+            <a:endParaRPr lang="zh-CN" altLang="en-US"/>
+          </a:p>
+          <a:p>
+            <a:pPr lvl="0"/>
+            <a:r>
+              <a:rPr lang="en-US" altLang="zh-CN"/>
+              <a:t>agentconfig</a:t>
+            </a:r>
+            <a:endParaRPr lang="en-US" altLang="zh-CN"/>
+          </a:p>
+          <a:p>
+            <a:pPr lvl="0"/>
+            <a:r>
+              <a:rPr lang="zh-CN" altLang="en-US"/>
+              <a:t>某些</a:t>
+            </a:r>
+            <a:r>
+              <a:rPr lang="en-US" altLang="zh-CN"/>
+              <a:t>jssdk</a:t>
+            </a:r>
+            <a:r>
+              <a:rPr lang="zh-CN" altLang="en-US"/>
+              <a:t>接口调用需要</a:t>
+            </a:r>
+            <a:r>
+              <a:rPr lang="en-US" altLang="zh-CN"/>
+              <a:t>agentconfig</a:t>
+            </a:r>
+            <a:endParaRPr lang="zh-CN" altLang="en-US"/>
+          </a:p>
+          <a:p>
+            <a:pPr lvl="0"/>
+            <a:r>
+              <a:rPr lang="zh-CN" altLang="en-US"/>
+              <a:t>多了agentid</a:t>
+            </a:r>
+            <a:endParaRPr lang="zh-CN" altLang="en-US"/>
+          </a:p>
+          <a:p>
+            <a:pPr lvl="0"/>
+            <a:r>
+              <a:rPr lang="en-US" altLang="zh-CN"/>
+              <a:t>ticket</a:t>
+            </a:r>
+            <a:r>
+              <a:rPr lang="zh-CN" altLang="en-US"/>
+              <a:t>获取不一样</a:t>
+            </a:r>
+            <a:endParaRPr lang="zh-CN" altLang="en-US"/>
+          </a:p>
+          <a:p>
+            <a:pPr lvl="0"/>
+            <a:endParaRPr lang="zh-CN" altLang="en-US"/>
+          </a:p>
+          <a:p>
+            <a:pPr lvl="0"/>
+            <a:r>
+              <a:rPr lang="zh-CN" altLang="en-US"/>
+              <a:t>其它</a:t>
+            </a:r>
+            <a:endParaRPr lang="zh-CN" altLang="en-US"/>
+          </a:p>
+          <a:p>
+            <a:pPr lvl="0"/>
+            <a:endParaRPr lang="zh-CN" altLang="en-US"/>
+          </a:p>
+          <a:p>
+            <a:pPr lvl="0"/>
+            <a:r>
+              <a:rPr lang="zh-CN" altLang="en-US"/>
+              <a:t>扫一扫</a:t>
+            </a:r>
+            <a:endParaRPr lang="zh-CN" altLang="en-US"/>
+          </a:p>
+          <a:p>
+            <a:pPr lvl="0"/>
+            <a:endParaRPr lang="zh-CN" altLang="en-US"/>
+          </a:p>
+          <a:p>
+            <a:pPr lvl="0"/>
+            <a:r>
+              <a:rPr lang="zh-CN" altLang="en-US"/>
+              <a:t>拍照</a:t>
+            </a:r>
+            <a:endParaRPr lang="zh-CN" altLang="en-US"/>
+          </a:p>
+          <a:p>
+            <a:pPr lvl="0"/>
+            <a:endParaRPr lang="zh-CN" altLang="en-US"/>
+          </a:p>
+          <a:p>
+            <a:pPr lvl="0"/>
+            <a:r>
+              <a:rPr lang="zh-CN" altLang="en-US"/>
+              <a:t>分享</a:t>
+            </a:r>
+            <a:endParaRPr lang="zh-CN" altLang="en-US"/>
+          </a:p>
+          <a:p>
+            <a:pPr lvl="0"/>
+            <a:endParaRPr lang="zh-CN" altLang="en-US"/>
+          </a:p>
+          <a:p>
+            <a:pPr lvl="0"/>
+            <a:endParaRPr lang="zh-CN" altLang="en-US"/>
+          </a:p>
+          <a:p>
+            <a:pPr lvl="0"/>
+            <a:endParaRPr lang="zh-CN" altLang="en-US"/>
+          </a:p>
+        </p:txBody>
+      </p:sp>
+    </p:spTree>
+  </p:cSld>
+  <p:clrMapOvr>
+    <a:masterClrMapping/>
+  </p:clrMapOvr>
+</p:sld>
+</file>
+
+<file path=ppt/slides/slide27.xml><?xml version="1.0" encoding="utf-8"?>
+<p:sld xmlns:a="http://schemas.openxmlformats.org/drawingml/2006/main" xmlns:r="http://schemas.openxmlformats.org/officeDocument/2006/relationships" xmlns:p="http://schemas.openxmlformats.org/presentationml/2006/main">
+  <p:cSld>
+    <p:spTree>
+      <p:nvGrpSpPr>
+        <p:cNvPr id="1" name=""/>
+        <p:cNvGrpSpPr/>
+        <p:nvPr/>
+      </p:nvGrpSpPr>
+      <p:grpSpPr/>
+      <p:sp>
+        <p:nvSpPr>
+          <p:cNvPr id="2" name="标题 1"/>
+          <p:cNvSpPr>
+            <a:spLocks noGrp="1"/>
+          </p:cNvSpPr>
+          <p:nvPr>
+            <p:ph type="title"/>
+          </p:nvPr>
+        </p:nvSpPr>
+        <p:spPr>
+          <a:xfrm>
+            <a:off x="838200" y="248285"/>
+            <a:ext cx="10515600" cy="761365"/>
+          </a:xfrm>
+        </p:spPr>
+        <p:txBody>
+          <a:bodyPr>
+            <a:normAutofit/>
+          </a:bodyPr>
+          <a:p>
+            <a:r>
+              <a:rPr lang="zh-CN" altLang="en-US" sz="2400">
+                <a:latin typeface="苹方-简" panose="020B0400000000000000" charset="-122"/>
+                <a:ea typeface="苹方-简" panose="020B0400000000000000" charset="-122"/>
+              </a:rPr>
+              <a:t>应用消息</a:t>
+            </a:r>
+            <a:endParaRPr lang="zh-CN" altLang="en-US" sz="2400">
+              <a:latin typeface="苹方-简" panose="020B0400000000000000" charset="-122"/>
+              <a:ea typeface="苹方-简" panose="020B0400000000000000" charset="-122"/>
+            </a:endParaRPr>
+          </a:p>
+        </p:txBody>
+      </p:sp>
+      <p:sp>
+        <p:nvSpPr>
+          <p:cNvPr id="4" name="文本框 3"/>
+          <p:cNvSpPr txBox="1"/>
+          <p:nvPr/>
+        </p:nvSpPr>
+        <p:spPr>
+          <a:xfrm>
+            <a:off x="838200" y="1242060"/>
+            <a:ext cx="10609580" cy="4799965"/>
+          </a:xfrm>
+          <a:prstGeom prst="rect">
+            <a:avLst/>
+          </a:prstGeom>
+          <a:noFill/>
+        </p:spPr>
+        <p:txBody>
+          <a:bodyPr wrap="square" rtlCol="0">
+            <a:spAutoFit/>
+          </a:bodyPr>
+          <a:p>
+            <a:pPr lvl="0"/>
+            <a:r>
+              <a:rPr lang="zh-CN" altLang="en-US"/>
+              <a:t>应用消息类比公众号  及应用主页模式与菜单模式</a:t>
+            </a:r>
+            <a:endParaRPr lang="zh-CN" altLang="en-US"/>
+          </a:p>
+          <a:p>
+            <a:pPr lvl="0"/>
+            <a:endParaRPr lang="zh-CN" altLang="en-US"/>
+          </a:p>
+          <a:p>
+            <a:pPr lvl="0"/>
+            <a:r>
+              <a:rPr lang="en-US" altLang="zh-CN">
+                <a:sym typeface="+mn-ea"/>
+              </a:rPr>
+              <a:t>1</a:t>
+            </a:r>
+            <a:r>
+              <a:rPr lang="zh-CN" altLang="en-US">
+                <a:sym typeface="+mn-ea"/>
+              </a:rPr>
+              <a:t>，发送应用消息</a:t>
+            </a:r>
+            <a:endParaRPr lang="zh-CN" altLang="en-US"/>
+          </a:p>
+          <a:p>
+            <a:pPr lvl="0"/>
+            <a:endParaRPr lang="zh-CN" altLang="en-US"/>
+          </a:p>
+          <a:p>
+            <a:pPr lvl="0"/>
+            <a:endParaRPr lang="zh-CN" altLang="en-US"/>
+          </a:p>
+          <a:p>
+            <a:pPr lvl="0"/>
+            <a:r>
+              <a:rPr lang="en-US" altLang="zh-CN"/>
+              <a:t>2</a:t>
+            </a:r>
+            <a:r>
+              <a:rPr lang="zh-CN" altLang="en-US"/>
+              <a:t>，接收应用消息</a:t>
+            </a:r>
+            <a:endParaRPr lang="zh-CN" altLang="en-US"/>
+          </a:p>
+          <a:p>
+            <a:pPr lvl="0"/>
+            <a:r>
+              <a:rPr lang="zh-CN" altLang="en-US"/>
+              <a:t>点击菜单等消息</a:t>
+            </a:r>
+            <a:endParaRPr lang="zh-CN" altLang="en-US"/>
+          </a:p>
+          <a:p>
+            <a:pPr lvl="0"/>
+            <a:r>
+              <a:rPr lang="zh-CN" altLang="en-US"/>
+              <a:t>用户通过对话框发送消息</a:t>
+            </a:r>
+            <a:endParaRPr lang="zh-CN" altLang="en-US"/>
+          </a:p>
+          <a:p>
+            <a:pPr lvl="0"/>
+            <a:endParaRPr lang="zh-CN" altLang="en-US"/>
+          </a:p>
+          <a:p>
+            <a:pPr lvl="0"/>
+            <a:r>
+              <a:rPr lang="en-US" altLang="zh-CN"/>
+              <a:t>3</a:t>
+            </a:r>
+            <a:r>
+              <a:rPr lang="zh-CN" altLang="en-US"/>
+              <a:t>，发送消息到群聊会话：企业后台调用接口创建群聊后，可通过应用推送消息到群内。（暂不支持接收群聊消息）</a:t>
+            </a:r>
+            <a:endParaRPr lang="zh-CN" altLang="en-US"/>
+          </a:p>
+          <a:p>
+            <a:pPr lvl="0"/>
+            <a:endParaRPr lang="zh-CN" altLang="en-US"/>
+          </a:p>
+          <a:p>
+            <a:pPr lvl="0"/>
+            <a:endParaRPr lang="zh-CN" altLang="en-US"/>
+          </a:p>
+          <a:p>
+            <a:pPr lvl="0"/>
+            <a:endParaRPr lang="zh-CN" altLang="en-US"/>
+          </a:p>
+          <a:p>
+            <a:pPr lvl="0"/>
+            <a:endParaRPr lang="zh-CN" altLang="en-US"/>
+          </a:p>
+          <a:p>
+            <a:pPr lvl="0"/>
+            <a:endParaRPr lang="zh-CN" altLang="en-US"/>
+          </a:p>
+          <a:p>
+            <a:pPr lvl="0"/>
+            <a:endParaRPr lang="zh-CN" altLang="en-US"/>
+          </a:p>
+        </p:txBody>
+      </p:sp>
+    </p:spTree>
+  </p:cSld>
+  <p:clrMapOvr>
+    <a:masterClrMapping/>
+  </p:clrMapOvr>
+</p:sld>
+</file>
+
+<file path=ppt/slides/slide28.xml><?xml version="1.0" encoding="utf-8"?>
+<p:sld xmlns:a="http://schemas.openxmlformats.org/drawingml/2006/main" xmlns:r="http://schemas.openxmlformats.org/officeDocument/2006/relationships" xmlns:p="http://schemas.openxmlformats.org/presentationml/2006/main">
+  <p:cSld>
+    <p:spTree>
+      <p:nvGrpSpPr>
+        <p:cNvPr id="1" name=""/>
+        <p:cNvGrpSpPr/>
+        <p:nvPr/>
+      </p:nvGrpSpPr>
+      <p:grpSpPr/>
+      <p:sp>
+        <p:nvSpPr>
+          <p:cNvPr id="2" name="文本框 1"/>
+          <p:cNvSpPr txBox="1"/>
+          <p:nvPr/>
+        </p:nvSpPr>
+        <p:spPr>
+          <a:xfrm>
+            <a:off x="482600" y="411480"/>
+            <a:ext cx="11515090" cy="5014595"/>
+          </a:xfrm>
+          <a:prstGeom prst="rect">
+            <a:avLst/>
+          </a:prstGeom>
+          <a:noFill/>
+          <a:ln w="12700" cap="flat">
+            <a:noFill/>
+            <a:miter lim="400000"/>
+          </a:ln>
+        </p:spPr>
+        <p:style>
+          <a:lnRef idx="0">
+            <a:scrgbClr r="0" g="0" b="0"/>
+          </a:lnRef>
+          <a:fillRef idx="0">
+            <a:scrgbClr r="0" g="0" b="0"/>
+          </a:fillRef>
+          <a:effectRef idx="0">
+            <a:scrgbClr r="0" g="0" b="0"/>
+          </a:effectRef>
+          <a:fontRef idx="none"/>
+        </p:style>
+        <p:txBody>
+          <a:bodyPr rot="0" vertOverflow="overflow" horzOverflow="overflow" vert="horz" wrap="square" lIns="45719" tIns="45719" rIns="45719" bIns="45719" numCol="1" spcCol="38100" rtlCol="0" anchor="t" forceAA="0">
+            <a:spAutoFit/>
+          </a:bodyPr>
+          <a:p>
+            <a:pPr marL="0" marR="0" indent="0" algn="l" defTabSz="914400" rtl="0" fontAlgn="auto" latinLnBrk="0" hangingPunct="0">
+              <a:lnSpc>
+                <a:spcPct val="100000"/>
+              </a:lnSpc>
+              <a:spcBef>
+                <a:spcPts val="0"/>
+              </a:spcBef>
+              <a:spcAft>
+                <a:spcPts val="0"/>
+              </a:spcAft>
+              <a:buClrTx/>
+              <a:buSzTx/>
+              <a:buFontTx/>
+              <a:buNone/>
+            </a:pPr>
+            <a:r>
+              <a:rPr kumimoji="0" lang="zh-CN" altLang="en-US" sz="2000" b="0" i="0" u="none" strike="noStrike" cap="none" spc="0" normalizeH="0" baseline="0" dirty="0" smtClean="0">
+                <a:solidFill>
+                  <a:schemeClr val="bg1">
+                    <a:lumMod val="50000"/>
+                  </a:schemeClr>
+                </a:solidFill>
+                <a:latin typeface="苹方-简" panose="020B0400000000000000" charset="-122"/>
+                <a:ea typeface="苹方-简" panose="020B0400000000000000" charset="-122"/>
+                <a:cs typeface="苹方-简" panose="020B0400000000000000" charset="-122"/>
+                <a:sym typeface="Times New Roman" panose="02020803070505020304"/>
+              </a:rPr>
+              <a:t>接收应用消息，回调如何使用本地调试</a:t>
+            </a:r>
+            <a:endParaRPr kumimoji="0" lang="zh-CN" altLang="en-US" sz="2000" b="0" i="0" u="none" strike="noStrike" cap="none" spc="0" normalizeH="0" baseline="0" dirty="0" smtClean="0">
+              <a:solidFill>
+                <a:schemeClr val="bg1">
+                  <a:lumMod val="50000"/>
+                </a:schemeClr>
+              </a:solidFill>
+              <a:latin typeface="苹方-简" panose="020B0400000000000000" charset="-122"/>
+              <a:ea typeface="苹方-简" panose="020B0400000000000000" charset="-122"/>
+              <a:cs typeface="苹方-简" panose="020B0400000000000000" charset="-122"/>
+              <a:sym typeface="Times New Roman" panose="02020803070505020304"/>
+            </a:endParaRPr>
+          </a:p>
+          <a:p>
+            <a:pPr marL="0" marR="0" indent="0" algn="l" defTabSz="914400" rtl="0" fontAlgn="auto" latinLnBrk="0" hangingPunct="0">
+              <a:lnSpc>
+                <a:spcPct val="100000"/>
+              </a:lnSpc>
+              <a:spcBef>
+                <a:spcPts val="0"/>
+              </a:spcBef>
+              <a:spcAft>
+                <a:spcPts val="0"/>
+              </a:spcAft>
+              <a:buClrTx/>
+              <a:buSzTx/>
+              <a:buFontTx/>
+              <a:buNone/>
+            </a:pPr>
+            <a:endParaRPr kumimoji="0" lang="en-US" altLang="zh-CN" sz="2000" b="0" i="0" u="none" strike="noStrike" cap="none" spc="0" normalizeH="0" baseline="0" dirty="0" smtClean="0">
+              <a:solidFill>
+                <a:schemeClr val="bg1">
+                  <a:lumMod val="50000"/>
+                </a:schemeClr>
+              </a:solidFill>
+              <a:latin typeface="苹方-简" panose="020B0400000000000000" charset="-122"/>
+              <a:ea typeface="苹方-简" panose="020B0400000000000000" charset="-122"/>
+              <a:cs typeface="苹方-简" panose="020B0400000000000000" charset="-122"/>
+              <a:sym typeface="Times New Roman" panose="02020803070505020304"/>
+            </a:endParaRPr>
+          </a:p>
+          <a:p>
+            <a:pPr marL="0" marR="0" indent="0" algn="l" defTabSz="914400" rtl="0" fontAlgn="auto" latinLnBrk="0" hangingPunct="0">
+              <a:lnSpc>
+                <a:spcPct val="100000"/>
+              </a:lnSpc>
+              <a:spcBef>
+                <a:spcPts val="0"/>
+              </a:spcBef>
+              <a:spcAft>
+                <a:spcPts val="0"/>
+              </a:spcAft>
+              <a:buClrTx/>
+              <a:buSzTx/>
+              <a:buFontTx/>
+              <a:buNone/>
+            </a:pPr>
+            <a:r>
+              <a:rPr kumimoji="0" lang="zh-CN" altLang="en-US" sz="2000" b="0" i="0" u="none" strike="noStrike" cap="none" spc="0" normalizeH="0" baseline="0" dirty="0" smtClean="0">
+                <a:solidFill>
+                  <a:schemeClr val="bg1">
+                    <a:lumMod val="50000"/>
+                  </a:schemeClr>
+                </a:solidFill>
+                <a:latin typeface="苹方-简" panose="020B0400000000000000" charset="-122"/>
+                <a:ea typeface="苹方-简" panose="020B0400000000000000" charset="-122"/>
+                <a:cs typeface="苹方-简" panose="020B0400000000000000" charset="-122"/>
+                <a:sym typeface="Times New Roman" panose="02020803070505020304"/>
+              </a:rPr>
+              <a:t>内网穿透，公网访问数据路由到本地</a:t>
+            </a:r>
+            <a:endParaRPr kumimoji="0" lang="zh-CN" altLang="en-US" sz="2000" b="0" i="0" u="none" strike="noStrike" cap="none" spc="0" normalizeH="0" baseline="0" dirty="0" smtClean="0">
+              <a:solidFill>
+                <a:schemeClr val="bg1">
+                  <a:lumMod val="50000"/>
+                </a:schemeClr>
+              </a:solidFill>
+              <a:latin typeface="苹方-简" panose="020B0400000000000000" charset="-122"/>
+              <a:ea typeface="苹方-简" panose="020B0400000000000000" charset="-122"/>
+              <a:cs typeface="苹方-简" panose="020B0400000000000000" charset="-122"/>
+              <a:sym typeface="Times New Roman" panose="02020803070505020304"/>
+            </a:endParaRPr>
+          </a:p>
+          <a:p>
+            <a:pPr marL="0" marR="0" indent="0" algn="l" defTabSz="914400" rtl="0" fontAlgn="auto" latinLnBrk="0" hangingPunct="0">
+              <a:lnSpc>
+                <a:spcPct val="100000"/>
+              </a:lnSpc>
+              <a:spcBef>
+                <a:spcPts val="0"/>
+              </a:spcBef>
+              <a:spcAft>
+                <a:spcPts val="0"/>
+              </a:spcAft>
+              <a:buClrTx/>
+              <a:buSzTx/>
+              <a:buFontTx/>
+              <a:buNone/>
+            </a:pPr>
+            <a:r>
+              <a:rPr kumimoji="0" lang="en-US" altLang="zh-CN" sz="2000" b="0" i="0" u="none" strike="noStrike" cap="none" spc="0" normalizeH="0" baseline="0" dirty="0" smtClean="0">
+                <a:solidFill>
+                  <a:schemeClr val="bg1">
+                    <a:lumMod val="50000"/>
+                  </a:schemeClr>
+                </a:solidFill>
+                <a:latin typeface="苹方-简" panose="020B0400000000000000" charset="-122"/>
+                <a:ea typeface="苹方-简" panose="020B0400000000000000" charset="-122"/>
+                <a:cs typeface="苹方-简" panose="020B0400000000000000" charset="-122"/>
+                <a:sym typeface="Times New Roman" panose="02020803070505020304"/>
+              </a:rPr>
+              <a:t>frp</a:t>
+            </a:r>
+            <a:r>
+              <a:rPr kumimoji="0" lang="zh-CN" altLang="en-US" sz="2000" b="0" i="0" u="none" strike="noStrike" cap="none" spc="0" normalizeH="0" baseline="0" dirty="0" smtClean="0">
+                <a:solidFill>
+                  <a:schemeClr val="bg1">
+                    <a:lumMod val="50000"/>
+                  </a:schemeClr>
+                </a:solidFill>
+                <a:latin typeface="苹方-简" panose="020B0400000000000000" charset="-122"/>
+                <a:ea typeface="苹方-简" panose="020B0400000000000000" charset="-122"/>
+                <a:cs typeface="苹方-简" panose="020B0400000000000000" charset="-122"/>
+                <a:sym typeface="Times New Roman" panose="02020803070505020304"/>
+              </a:rPr>
+              <a:t>将公网数据穿透到本地</a:t>
+            </a:r>
+            <a:endParaRPr kumimoji="0" lang="zh-CN" altLang="en-US" sz="2000" b="0" i="0" u="none" strike="noStrike" cap="none" spc="0" normalizeH="0" baseline="0" dirty="0" smtClean="0">
+              <a:solidFill>
+                <a:schemeClr val="bg1">
+                  <a:lumMod val="50000"/>
+                </a:schemeClr>
+              </a:solidFill>
+              <a:latin typeface="苹方-简" panose="020B0400000000000000" charset="-122"/>
+              <a:ea typeface="苹方-简" panose="020B0400000000000000" charset="-122"/>
+              <a:cs typeface="苹方-简" panose="020B0400000000000000" charset="-122"/>
+              <a:sym typeface="Times New Roman" panose="02020803070505020304"/>
+            </a:endParaRPr>
+          </a:p>
+          <a:p>
+            <a:pPr marL="0" marR="0" indent="0" algn="l" defTabSz="914400" rtl="0" fontAlgn="auto" latinLnBrk="0" hangingPunct="0">
+              <a:lnSpc>
+                <a:spcPct val="100000"/>
+              </a:lnSpc>
+              <a:spcBef>
+                <a:spcPts val="0"/>
+              </a:spcBef>
+              <a:spcAft>
+                <a:spcPts val="0"/>
+              </a:spcAft>
+              <a:buClrTx/>
+              <a:buSzTx/>
+              <a:buFontTx/>
+              <a:buNone/>
+            </a:pPr>
+            <a:r>
+              <a:rPr kumimoji="0" lang="zh-CN" altLang="en-US" sz="2000" b="0" i="0" u="none" strike="noStrike" cap="none" spc="0" normalizeH="0" baseline="0" dirty="0" smtClean="0">
+                <a:solidFill>
+                  <a:schemeClr val="bg1">
+                    <a:lumMod val="50000"/>
+                  </a:schemeClr>
+                </a:solidFill>
+                <a:latin typeface="苹方-简" panose="020B0400000000000000" charset="-122"/>
+                <a:ea typeface="苹方-简" panose="020B0400000000000000" charset="-122"/>
+                <a:cs typeface="苹方-简" panose="020B0400000000000000" charset="-122"/>
+                <a:sym typeface="Times New Roman" panose="02020803070505020304"/>
+              </a:rPr>
+              <a:t>https://github.com/fatedier/frp/blob/dev/README_zh.md</a:t>
+            </a:r>
+            <a:endParaRPr kumimoji="0" lang="zh-CN" altLang="en-US" sz="2000" b="0" i="0" u="none" strike="noStrike" cap="none" spc="0" normalizeH="0" baseline="0" dirty="0" smtClean="0">
+              <a:solidFill>
+                <a:schemeClr val="bg1">
+                  <a:lumMod val="50000"/>
+                </a:schemeClr>
+              </a:solidFill>
+              <a:latin typeface="苹方-简" panose="020B0400000000000000" charset="-122"/>
+              <a:ea typeface="苹方-简" panose="020B0400000000000000" charset="-122"/>
+              <a:cs typeface="苹方-简" panose="020B0400000000000000" charset="-122"/>
+              <a:sym typeface="Times New Roman" panose="02020803070505020304"/>
+            </a:endParaRPr>
+          </a:p>
+          <a:p>
+            <a:pPr marL="0" marR="0" indent="0" algn="l" defTabSz="914400" rtl="0" fontAlgn="auto" latinLnBrk="0" hangingPunct="0">
+              <a:lnSpc>
+                <a:spcPct val="100000"/>
+              </a:lnSpc>
+              <a:spcBef>
+                <a:spcPts val="0"/>
+              </a:spcBef>
+              <a:spcAft>
+                <a:spcPts val="0"/>
+              </a:spcAft>
+              <a:buClrTx/>
+              <a:buSzTx/>
+              <a:buFontTx/>
+              <a:buNone/>
+            </a:pPr>
+            <a:endParaRPr kumimoji="0" lang="zh-CN" altLang="en-US" sz="2000" b="0" i="0" u="none" strike="noStrike" cap="none" spc="0" normalizeH="0" baseline="0" dirty="0" smtClean="0">
+              <a:solidFill>
+                <a:schemeClr val="bg1">
+                  <a:lumMod val="50000"/>
+                </a:schemeClr>
+              </a:solidFill>
+              <a:latin typeface="苹方-简" panose="020B0400000000000000" charset="-122"/>
+              <a:ea typeface="苹方-简" panose="020B0400000000000000" charset="-122"/>
+              <a:cs typeface="苹方-简" panose="020B0400000000000000" charset="-122"/>
+              <a:sym typeface="Times New Roman" panose="02020803070505020304"/>
+            </a:endParaRPr>
+          </a:p>
+          <a:p>
+            <a:pPr marL="0" marR="0" indent="0" algn="l" defTabSz="914400" rtl="0" fontAlgn="auto" latinLnBrk="0" hangingPunct="0">
+              <a:lnSpc>
+                <a:spcPct val="100000"/>
+              </a:lnSpc>
+              <a:spcBef>
+                <a:spcPts val="0"/>
+              </a:spcBef>
+              <a:spcAft>
+                <a:spcPts val="0"/>
+              </a:spcAft>
+              <a:buClrTx/>
+              <a:buSzTx/>
+              <a:buFontTx/>
+              <a:buNone/>
+            </a:pPr>
+            <a:endParaRPr kumimoji="0" lang="zh-CN" altLang="en-US" sz="2000" b="0" i="0" u="none" strike="noStrike" cap="none" spc="0" normalizeH="0" baseline="0" dirty="0" smtClean="0">
+              <a:solidFill>
+                <a:schemeClr val="bg1">
+                  <a:lumMod val="50000"/>
+                </a:schemeClr>
+              </a:solidFill>
+              <a:latin typeface="苹方-简" panose="020B0400000000000000" charset="-122"/>
+              <a:ea typeface="苹方-简" panose="020B0400000000000000" charset="-122"/>
+              <a:cs typeface="苹方-简" panose="020B0400000000000000" charset="-122"/>
+              <a:sym typeface="Times New Roman" panose="02020803070505020304"/>
+            </a:endParaRPr>
+          </a:p>
+          <a:p>
+            <a:pPr marL="0" marR="0" indent="0" algn="l" defTabSz="914400" rtl="0" fontAlgn="auto" latinLnBrk="0" hangingPunct="0">
+              <a:lnSpc>
+                <a:spcPct val="100000"/>
+              </a:lnSpc>
+              <a:spcBef>
+                <a:spcPts val="0"/>
+              </a:spcBef>
+              <a:spcAft>
+                <a:spcPts val="0"/>
+              </a:spcAft>
+              <a:buClrTx/>
+              <a:buSzTx/>
+              <a:buFontTx/>
+              <a:buNone/>
+            </a:pPr>
+            <a:endParaRPr kumimoji="0" lang="zh-CN" altLang="en-US" sz="2000" b="0" i="0" u="none" strike="noStrike" cap="none" spc="0" normalizeH="0" baseline="0" dirty="0" smtClean="0">
+              <a:solidFill>
+                <a:schemeClr val="bg1">
+                  <a:lumMod val="50000"/>
+                </a:schemeClr>
+              </a:solidFill>
+              <a:latin typeface="苹方-简" panose="020B0400000000000000" charset="-122"/>
+              <a:ea typeface="苹方-简" panose="020B0400000000000000" charset="-122"/>
+              <a:cs typeface="苹方-简" panose="020B0400000000000000" charset="-122"/>
+              <a:sym typeface="Times New Roman" panose="02020803070505020304"/>
+            </a:endParaRPr>
+          </a:p>
+          <a:p>
+            <a:pPr marL="0" marR="0" indent="0" algn="l" defTabSz="914400" rtl="0" fontAlgn="auto" latinLnBrk="0" hangingPunct="0">
+              <a:lnSpc>
+                <a:spcPct val="100000"/>
+              </a:lnSpc>
+              <a:spcBef>
+                <a:spcPts val="0"/>
+              </a:spcBef>
+              <a:spcAft>
+                <a:spcPts val="0"/>
+              </a:spcAft>
+              <a:buClrTx/>
+              <a:buSzTx/>
+              <a:buFontTx/>
+              <a:buNone/>
+            </a:pPr>
+            <a:endParaRPr kumimoji="0" lang="zh-CN" altLang="en-US" sz="2000" b="0" i="0" u="none" strike="noStrike" cap="none" spc="0" normalizeH="0" baseline="0" dirty="0" smtClean="0">
+              <a:solidFill>
+                <a:schemeClr val="bg1">
+                  <a:lumMod val="50000"/>
+                </a:schemeClr>
+              </a:solidFill>
+              <a:latin typeface="苹方-简" panose="020B0400000000000000" charset="-122"/>
+              <a:ea typeface="苹方-简" panose="020B0400000000000000" charset="-122"/>
+              <a:cs typeface="苹方-简" panose="020B0400000000000000" charset="-122"/>
+              <a:sym typeface="Times New Roman" panose="02020803070505020304"/>
+            </a:endParaRPr>
+          </a:p>
+          <a:p>
+            <a:pPr marL="0" marR="0" indent="0" algn="l" defTabSz="914400" rtl="0" fontAlgn="auto" latinLnBrk="0" hangingPunct="0">
+              <a:lnSpc>
+                <a:spcPct val="100000"/>
+              </a:lnSpc>
+              <a:spcBef>
+                <a:spcPts val="0"/>
+              </a:spcBef>
+              <a:spcAft>
+                <a:spcPts val="0"/>
+              </a:spcAft>
+              <a:buClrTx/>
+              <a:buSzTx/>
+              <a:buFontTx/>
+              <a:buNone/>
+            </a:pPr>
+            <a:endParaRPr kumimoji="0" lang="zh-CN" altLang="en-US" sz="2000" b="0" i="0" u="none" strike="noStrike" cap="none" spc="0" normalizeH="0" baseline="0" dirty="0" smtClean="0">
+              <a:solidFill>
+                <a:schemeClr val="bg1">
+                  <a:lumMod val="50000"/>
+                </a:schemeClr>
+              </a:solidFill>
+              <a:latin typeface="苹方-简" panose="020B0400000000000000" charset="-122"/>
+              <a:ea typeface="苹方-简" panose="020B0400000000000000" charset="-122"/>
+              <a:cs typeface="苹方-简" panose="020B0400000000000000" charset="-122"/>
+              <a:sym typeface="Times New Roman" panose="02020803070505020304"/>
+            </a:endParaRPr>
+          </a:p>
+          <a:p>
+            <a:pPr marL="0" marR="0" indent="0" algn="l" defTabSz="914400" rtl="0" fontAlgn="auto" latinLnBrk="0" hangingPunct="0">
+              <a:lnSpc>
+                <a:spcPct val="100000"/>
+              </a:lnSpc>
+              <a:spcBef>
+                <a:spcPts val="0"/>
+              </a:spcBef>
+              <a:spcAft>
+                <a:spcPts val="0"/>
+              </a:spcAft>
+              <a:buClrTx/>
+              <a:buSzTx/>
+              <a:buFontTx/>
+              <a:buNone/>
+            </a:pPr>
+            <a:endParaRPr kumimoji="0" lang="zh-CN" altLang="en-US" sz="2000" b="0" i="0" u="none" strike="noStrike" cap="none" spc="0" normalizeH="0" baseline="0" dirty="0" smtClean="0">
+              <a:solidFill>
+                <a:schemeClr val="bg1">
+                  <a:lumMod val="50000"/>
+                </a:schemeClr>
+              </a:solidFill>
+              <a:latin typeface="苹方-简" panose="020B0400000000000000" charset="-122"/>
+              <a:ea typeface="苹方-简" panose="020B0400000000000000" charset="-122"/>
+              <a:cs typeface="苹方-简" panose="020B0400000000000000" charset="-122"/>
+              <a:sym typeface="Times New Roman" panose="02020803070505020304"/>
+            </a:endParaRPr>
+          </a:p>
+          <a:p>
+            <a:pPr marL="0" marR="0" indent="0" algn="l" defTabSz="914400" rtl="0" fontAlgn="auto" latinLnBrk="0" hangingPunct="0">
+              <a:lnSpc>
+                <a:spcPct val="100000"/>
+              </a:lnSpc>
+              <a:spcBef>
+                <a:spcPts val="0"/>
+              </a:spcBef>
+              <a:spcAft>
+                <a:spcPts val="0"/>
+              </a:spcAft>
+              <a:buClrTx/>
+              <a:buSzTx/>
+              <a:buFontTx/>
+              <a:buNone/>
+            </a:pPr>
+            <a:endParaRPr kumimoji="0" lang="zh-CN" altLang="en-US" sz="2000" b="0" i="0" u="none" strike="noStrike" cap="none" spc="0" normalizeH="0" baseline="0" dirty="0" smtClean="0">
+              <a:solidFill>
+                <a:schemeClr val="bg1">
+                  <a:lumMod val="50000"/>
+                </a:schemeClr>
+              </a:solidFill>
+              <a:latin typeface="苹方-简" panose="020B0400000000000000" charset="-122"/>
+              <a:ea typeface="苹方-简" panose="020B0400000000000000" charset="-122"/>
+              <a:cs typeface="苹方-简" panose="020B0400000000000000" charset="-122"/>
+              <a:sym typeface="Times New Roman" panose="02020803070505020304"/>
+            </a:endParaRPr>
+          </a:p>
+          <a:p>
+            <a:pPr marL="0" marR="0" indent="0" algn="l" defTabSz="914400" rtl="0" fontAlgn="auto" latinLnBrk="0" hangingPunct="0">
+              <a:lnSpc>
+                <a:spcPct val="100000"/>
+              </a:lnSpc>
+              <a:spcBef>
+                <a:spcPts val="0"/>
+              </a:spcBef>
+              <a:spcAft>
+                <a:spcPts val="0"/>
+              </a:spcAft>
+              <a:buClrTx/>
+              <a:buSzTx/>
+              <a:buFontTx/>
+              <a:buNone/>
+            </a:pPr>
+            <a:endParaRPr kumimoji="0" lang="zh-CN" altLang="en-US" sz="2000" b="0" i="0" u="none" strike="noStrike" cap="none" spc="0" normalizeH="0" baseline="0" dirty="0" smtClean="0">
+              <a:solidFill>
+                <a:schemeClr val="bg1">
+                  <a:lumMod val="50000"/>
+                </a:schemeClr>
+              </a:solidFill>
+              <a:latin typeface="苹方-简" panose="020B0400000000000000" charset="-122"/>
+              <a:ea typeface="苹方-简" panose="020B0400000000000000" charset="-122"/>
+              <a:cs typeface="苹方-简" panose="020B0400000000000000" charset="-122"/>
+              <a:sym typeface="Times New Roman" panose="02020803070505020304"/>
+            </a:endParaRPr>
+          </a:p>
+          <a:p>
+            <a:pPr marL="0" marR="0" indent="0" algn="l" defTabSz="914400" rtl="0" fontAlgn="auto" latinLnBrk="0" hangingPunct="0">
+              <a:lnSpc>
+                <a:spcPct val="100000"/>
+              </a:lnSpc>
+              <a:spcBef>
+                <a:spcPts val="0"/>
+              </a:spcBef>
+              <a:spcAft>
+                <a:spcPts val="0"/>
+              </a:spcAft>
+              <a:buClrTx/>
+              <a:buSzTx/>
+              <a:buFontTx/>
+              <a:buNone/>
+            </a:pPr>
+            <a:endParaRPr kumimoji="0" lang="zh-CN" altLang="en-US" sz="2000" b="0" i="0" u="none" strike="noStrike" cap="none" spc="0" normalizeH="0" baseline="0" dirty="0" smtClean="0">
+              <a:solidFill>
+                <a:schemeClr val="bg1">
+                  <a:lumMod val="50000"/>
+                </a:schemeClr>
+              </a:solidFill>
+              <a:latin typeface="苹方-简" panose="020B0400000000000000" charset="-122"/>
+              <a:ea typeface="苹方-简" panose="020B0400000000000000" charset="-122"/>
+              <a:cs typeface="苹方-简" panose="020B0400000000000000" charset="-122"/>
+              <a:sym typeface="Times New Roman" panose="02020803070505020304"/>
+            </a:endParaRPr>
+          </a:p>
+          <a:p>
+            <a:pPr marL="0" marR="0" indent="0" algn="l" defTabSz="914400" rtl="0" fontAlgn="auto" latinLnBrk="0" hangingPunct="0">
+              <a:lnSpc>
+                <a:spcPct val="100000"/>
+              </a:lnSpc>
+              <a:spcBef>
+                <a:spcPts val="0"/>
+              </a:spcBef>
+              <a:spcAft>
+                <a:spcPts val="0"/>
+              </a:spcAft>
+              <a:buClrTx/>
+              <a:buSzTx/>
+              <a:buFontTx/>
+              <a:buNone/>
+            </a:pPr>
+            <a:endParaRPr kumimoji="0" lang="zh-CN" altLang="en-US" sz="2000" b="0" i="0" u="none" strike="noStrike" cap="none" spc="0" normalizeH="0" baseline="0" dirty="0" smtClean="0">
+              <a:solidFill>
+                <a:schemeClr val="bg1">
+                  <a:lumMod val="50000"/>
+                </a:schemeClr>
+              </a:solidFill>
+              <a:latin typeface="苹方-简" panose="020B0400000000000000" charset="-122"/>
+              <a:ea typeface="苹方-简" panose="020B0400000000000000" charset="-122"/>
+              <a:cs typeface="苹方-简" panose="020B0400000000000000" charset="-122"/>
+              <a:sym typeface="Times New Roman" panose="02020803070505020304"/>
+            </a:endParaRPr>
+          </a:p>
+          <a:p>
+            <a:pPr marL="0" marR="0" indent="0" algn="l" defTabSz="914400" rtl="0" fontAlgn="auto" latinLnBrk="0" hangingPunct="0">
+              <a:lnSpc>
+                <a:spcPct val="100000"/>
+              </a:lnSpc>
+              <a:spcBef>
+                <a:spcPts val="0"/>
+              </a:spcBef>
+              <a:spcAft>
+                <a:spcPts val="0"/>
+              </a:spcAft>
+              <a:buClrTx/>
+              <a:buSzTx/>
+              <a:buFontTx/>
+              <a:buNone/>
+            </a:pPr>
+            <a:endParaRPr kumimoji="0" lang="zh-CN" altLang="en-US" sz="2000" b="0" i="0" u="none" strike="noStrike" cap="none" spc="0" normalizeH="0" baseline="0" dirty="0" smtClean="0">
+              <a:solidFill>
+                <a:schemeClr val="bg1">
+                  <a:lumMod val="50000"/>
+                </a:schemeClr>
+              </a:solidFill>
+              <a:latin typeface="苹方-简" panose="020B0400000000000000" charset="-122"/>
+              <a:ea typeface="苹方-简" panose="020B0400000000000000" charset="-122"/>
+              <a:cs typeface="苹方-简" panose="020B0400000000000000" charset="-122"/>
+              <a:sym typeface="Times New Roman" panose="02020803070505020304"/>
+            </a:endParaRPr>
+          </a:p>
+        </p:txBody>
+      </p:sp>
+      <p:sp>
+        <p:nvSpPr>
+          <p:cNvPr id="3" name="矩形 2"/>
+          <p:cNvSpPr/>
+          <p:nvPr/>
+        </p:nvSpPr>
+        <p:spPr>
+          <a:xfrm>
+            <a:off x="4013200" y="2265363"/>
+            <a:ext cx="2622550" cy="3413760"/>
+          </a:xfrm>
+          <a:prstGeom prst="rect">
+            <a:avLst/>
+          </a:prstGeom>
+          <a:solidFill>
+            <a:srgbClr val="FFFFFF"/>
+          </a:solidFill>
+          <a:ln w="12700" cap="flat">
+            <a:solidFill>
+              <a:schemeClr val="accent1"/>
+            </a:solidFill>
+            <a:prstDash val="solid"/>
+            <a:miter lim="800000"/>
+          </a:ln>
+        </p:spPr>
+        <p:style>
+          <a:lnRef idx="0">
+            <a:scrgbClr r="0" g="0" b="0"/>
+          </a:lnRef>
+          <a:fillRef idx="0">
+            <a:scrgbClr r="0" g="0" b="0"/>
+          </a:fillRef>
+          <a:effectRef idx="0">
+            <a:scrgbClr r="0" g="0" b="0"/>
+          </a:effectRef>
+          <a:fontRef idx="none"/>
+        </p:style>
+        <p:txBody>
+          <a:bodyPr rot="0" vertOverflow="overflow" horzOverflow="overflow" vert="horz" wrap="square" lIns="45719" tIns="45719" rIns="45719" bIns="45719" numCol="1" spcCol="38100" rtlCol="0" anchor="ctr" forceAA="0">
+            <a:spAutoFit/>
+          </a:bodyPr>
+          <a:p>
+            <a:pPr marL="0" marR="0" indent="0" algn="l" defTabSz="914400" rtl="0" fontAlgn="auto" latinLnBrk="0" hangingPunct="0">
+              <a:lnSpc>
+                <a:spcPct val="100000"/>
+              </a:lnSpc>
+              <a:spcBef>
+                <a:spcPts val="0"/>
+              </a:spcBef>
+              <a:spcAft>
+                <a:spcPts val="0"/>
+              </a:spcAft>
+              <a:buClrTx/>
+              <a:buSzTx/>
+              <a:buFontTx/>
+              <a:buNone/>
+            </a:pPr>
+            <a:r>
+              <a:rPr kumimoji="0" lang="zh-CN" altLang="en-US" sz="1800" b="0" i="0" u="none" strike="noStrike" cap="none" spc="0" normalizeH="0" baseline="0">
+                <a:ln>
+                  <a:noFill/>
+                </a:ln>
+                <a:solidFill>
+                  <a:srgbClr val="5F5F5F"/>
+                </a:solidFill>
+                <a:effectLst/>
+                <a:uFillTx/>
+                <a:latin typeface="Times New Roman" panose="02020803070505020304"/>
+                <a:ea typeface="Times New Roman" panose="02020803070505020304"/>
+                <a:cs typeface="Times New Roman" panose="02020803070505020304"/>
+                <a:sym typeface="Times New Roman" panose="02020803070505020304"/>
+              </a:rPr>
+              <a:t>公网服务器</a:t>
+            </a:r>
+            <a:endParaRPr kumimoji="0" lang="zh-CN" altLang="en-US" sz="1800" b="0" i="0" u="none" strike="noStrike" cap="none" spc="0" normalizeH="0" baseline="0">
+              <a:ln>
+                <a:noFill/>
+              </a:ln>
+              <a:solidFill>
+                <a:srgbClr val="5F5F5F"/>
+              </a:solidFill>
+              <a:effectLst/>
+              <a:uFillTx/>
+              <a:latin typeface="Times New Roman" panose="02020803070505020304"/>
+              <a:ea typeface="Times New Roman" panose="02020803070505020304"/>
+              <a:cs typeface="Times New Roman" panose="02020803070505020304"/>
+              <a:sym typeface="Times New Roman" panose="02020803070505020304"/>
+            </a:endParaRPr>
+          </a:p>
+          <a:p>
+            <a:pPr marL="0" marR="0" indent="0" algn="l" defTabSz="914400" rtl="0" fontAlgn="auto" latinLnBrk="0" hangingPunct="0">
+              <a:lnSpc>
+                <a:spcPct val="100000"/>
+              </a:lnSpc>
+              <a:spcBef>
+                <a:spcPts val="0"/>
+              </a:spcBef>
+              <a:spcAft>
+                <a:spcPts val="0"/>
+              </a:spcAft>
+              <a:buClrTx/>
+              <a:buSzTx/>
+              <a:buFontTx/>
+              <a:buNone/>
+            </a:pPr>
+            <a:endParaRPr kumimoji="0" lang="zh-CN" altLang="en-US" sz="1800" b="0" i="0" u="none" strike="noStrike" cap="none" spc="0" normalizeH="0" baseline="0">
+              <a:ln>
+                <a:noFill/>
+              </a:ln>
+              <a:solidFill>
+                <a:srgbClr val="5F5F5F"/>
+              </a:solidFill>
+              <a:effectLst/>
+              <a:uFillTx/>
+              <a:latin typeface="Times New Roman" panose="02020803070505020304"/>
+              <a:ea typeface="Times New Roman" panose="02020803070505020304"/>
+              <a:cs typeface="Times New Roman" panose="02020803070505020304"/>
+              <a:sym typeface="Times New Roman" panose="02020803070505020304"/>
+            </a:endParaRPr>
+          </a:p>
+          <a:p>
+            <a:pPr marL="0" marR="0" indent="0" algn="l" defTabSz="914400" rtl="0" fontAlgn="auto" latinLnBrk="0" hangingPunct="0">
+              <a:lnSpc>
+                <a:spcPct val="100000"/>
+              </a:lnSpc>
+              <a:spcBef>
+                <a:spcPts val="0"/>
+              </a:spcBef>
+              <a:spcAft>
+                <a:spcPts val="0"/>
+              </a:spcAft>
+              <a:buClrTx/>
+              <a:buSzTx/>
+              <a:buFontTx/>
+              <a:buNone/>
+            </a:pPr>
+            <a:r>
+              <a:rPr lang="en-US" altLang="zh-CN">
+                <a:sym typeface="Times New Roman" panose="02020803070505020304"/>
+              </a:rPr>
+              <a:t>1</a:t>
+            </a:r>
+            <a:r>
+              <a:rPr lang="zh-CN" altLang="en-US">
+                <a:sym typeface="Times New Roman" panose="02020803070505020304"/>
+              </a:rPr>
+              <a:t>，域名解析</a:t>
+            </a:r>
+            <a:endParaRPr kumimoji="0" lang="zh-CN" altLang="en-US" sz="1800" b="0" i="0" u="none" strike="noStrike" cap="none" spc="0" normalizeH="0" baseline="0">
+              <a:ln>
+                <a:noFill/>
+              </a:ln>
+              <a:solidFill>
+                <a:srgbClr val="5F5F5F"/>
+              </a:solidFill>
+              <a:effectLst/>
+              <a:uFillTx/>
+              <a:latin typeface="Times New Roman" panose="02020803070505020304"/>
+              <a:ea typeface="Times New Roman" panose="02020803070505020304"/>
+              <a:cs typeface="Times New Roman" panose="02020803070505020304"/>
+              <a:sym typeface="Times New Roman" panose="02020803070505020304"/>
+            </a:endParaRPr>
+          </a:p>
+          <a:p>
+            <a:pPr marL="0" marR="0" indent="0" algn="l" defTabSz="914400" rtl="0" fontAlgn="auto" latinLnBrk="0" hangingPunct="0">
+              <a:lnSpc>
+                <a:spcPct val="100000"/>
+              </a:lnSpc>
+              <a:spcBef>
+                <a:spcPts val="0"/>
+              </a:spcBef>
+              <a:spcAft>
+                <a:spcPts val="0"/>
+              </a:spcAft>
+              <a:buClrTx/>
+              <a:buSzTx/>
+              <a:buFontTx/>
+              <a:buNone/>
+            </a:pPr>
+            <a:r>
+              <a:rPr kumimoji="0" lang="zh-CN" altLang="en-US" sz="1800" b="0" i="0" u="none" strike="noStrike" cap="none" spc="0" normalizeH="0" baseline="0">
+                <a:ln>
+                  <a:noFill/>
+                </a:ln>
+                <a:solidFill>
+                  <a:srgbClr val="5F5F5F"/>
+                </a:solidFill>
+                <a:effectLst/>
+                <a:uFillTx/>
+                <a:latin typeface="Times New Roman" panose="02020803070505020304"/>
+                <a:ea typeface="Times New Roman" panose="02020803070505020304"/>
+                <a:cs typeface="Times New Roman" panose="02020803070505020304"/>
+                <a:sym typeface="Times New Roman" panose="02020803070505020304"/>
+              </a:rPr>
+              <a:t>将如</a:t>
+            </a:r>
+            <a:r>
+              <a:rPr>
+                <a:sym typeface="Times New Roman" panose="02020803070505020304"/>
+              </a:rPr>
+              <a:t>api</a:t>
+            </a:r>
+            <a:r>
+              <a:rPr lang="en-US">
+                <a:sym typeface="Times New Roman" panose="02020803070505020304"/>
+              </a:rPr>
+              <a:t>test</a:t>
+            </a:r>
+            <a:r>
+              <a:rPr>
+                <a:sym typeface="Times New Roman" panose="02020803070505020304"/>
+              </a:rPr>
+              <a:t>.</a:t>
+            </a:r>
+            <a:r>
+              <a:rPr lang="en-US">
+                <a:sym typeface="Times New Roman" panose="02020803070505020304"/>
+              </a:rPr>
+              <a:t>tobdev</a:t>
+            </a:r>
+            <a:r>
+              <a:rPr>
+                <a:sym typeface="Times New Roman" panose="02020803070505020304"/>
+              </a:rPr>
+              <a:t>.com</a:t>
+            </a:r>
+            <a:endParaRPr>
+              <a:sym typeface="Times New Roman" panose="02020803070505020304"/>
+            </a:endParaRPr>
+          </a:p>
+          <a:p>
+            <a:pPr marL="0" marR="0" indent="0" algn="l" defTabSz="914400" rtl="0" fontAlgn="auto" latinLnBrk="0" hangingPunct="0">
+              <a:lnSpc>
+                <a:spcPct val="100000"/>
+              </a:lnSpc>
+              <a:spcBef>
+                <a:spcPts val="0"/>
+              </a:spcBef>
+              <a:spcAft>
+                <a:spcPts val="0"/>
+              </a:spcAft>
+              <a:buClrTx/>
+              <a:buSzTx/>
+              <a:buFontTx/>
+              <a:buNone/>
+            </a:pPr>
+            <a:r>
+              <a:rPr lang="zh-CN" altLang="en-US">
+                <a:sym typeface="Times New Roman" panose="02020803070505020304"/>
+              </a:rPr>
+              <a:t>解析到服务器</a:t>
+            </a:r>
+            <a:endParaRPr lang="zh-CN" altLang="en-US">
+              <a:sym typeface="Times New Roman" panose="02020803070505020304"/>
+            </a:endParaRPr>
+          </a:p>
+          <a:p>
+            <a:pPr marL="0" marR="0" indent="0" algn="l" defTabSz="914400" rtl="0" fontAlgn="auto" latinLnBrk="0" hangingPunct="0">
+              <a:lnSpc>
+                <a:spcPct val="100000"/>
+              </a:lnSpc>
+              <a:spcBef>
+                <a:spcPts val="0"/>
+              </a:spcBef>
+              <a:spcAft>
+                <a:spcPts val="0"/>
+              </a:spcAft>
+              <a:buClrTx/>
+              <a:buSzTx/>
+              <a:buFontTx/>
+              <a:buNone/>
+            </a:pPr>
+            <a:endParaRPr lang="en-US">
+              <a:sym typeface="Times New Roman" panose="02020803070505020304"/>
+            </a:endParaRPr>
+          </a:p>
+          <a:p>
+            <a:pPr marL="0" marR="0" indent="0" algn="l" defTabSz="914400" rtl="0" fontAlgn="auto" latinLnBrk="0" hangingPunct="0">
+              <a:lnSpc>
+                <a:spcPct val="100000"/>
+              </a:lnSpc>
+              <a:spcBef>
+                <a:spcPts val="0"/>
+              </a:spcBef>
+              <a:spcAft>
+                <a:spcPts val="0"/>
+              </a:spcAft>
+              <a:buClrTx/>
+              <a:buSzTx/>
+              <a:buFontTx/>
+              <a:buNone/>
+            </a:pPr>
+            <a:r>
+              <a:rPr lang="en-US" altLang="zh-CN">
+                <a:sym typeface="Times New Roman" panose="02020803070505020304"/>
+              </a:rPr>
+              <a:t>2</a:t>
+            </a:r>
+            <a:r>
+              <a:rPr lang="zh-CN" altLang="en-US">
+                <a:sym typeface="Times New Roman" panose="02020803070505020304"/>
+              </a:rPr>
+              <a:t>，开启</a:t>
+            </a:r>
+            <a:r>
+              <a:rPr lang="en-US" altLang="zh-CN">
+                <a:sym typeface="Times New Roman" panose="02020803070505020304"/>
+              </a:rPr>
+              <a:t>frp</a:t>
+            </a:r>
+            <a:r>
+              <a:rPr lang="zh-CN" altLang="en-US">
+                <a:sym typeface="Times New Roman" panose="02020803070505020304"/>
+              </a:rPr>
+              <a:t>服务端</a:t>
+            </a:r>
+            <a:r>
+              <a:rPr lang="en-US" altLang="zh-CN">
+                <a:sym typeface="Times New Roman" panose="02020803070505020304"/>
+              </a:rPr>
+              <a:t>frps</a:t>
+            </a:r>
+            <a:r>
+              <a:rPr lang="zh-CN" altLang="en-US">
+                <a:sym typeface="Times New Roman" panose="02020803070505020304"/>
+              </a:rPr>
+              <a:t>并设置监听公网的端口为</a:t>
+            </a:r>
+            <a:endParaRPr lang="zh-CN" altLang="en-US">
+              <a:sym typeface="Times New Roman" panose="02020803070505020304"/>
+            </a:endParaRPr>
+          </a:p>
+          <a:p>
+            <a:pPr marL="0" marR="0" indent="0" algn="l" defTabSz="914400" rtl="0" fontAlgn="auto" latinLnBrk="0" hangingPunct="0">
+              <a:lnSpc>
+                <a:spcPct val="100000"/>
+              </a:lnSpc>
+              <a:spcBef>
+                <a:spcPts val="0"/>
+              </a:spcBef>
+              <a:spcAft>
+                <a:spcPts val="0"/>
+              </a:spcAft>
+              <a:buClrTx/>
+              <a:buSzTx/>
+              <a:buFontTx/>
+              <a:buNone/>
+            </a:pPr>
+            <a:r>
+              <a:rPr lang="en-US">
+                <a:sym typeface="Times New Roman" panose="02020803070505020304"/>
+              </a:rPr>
+              <a:t>8800</a:t>
+            </a:r>
+            <a:r>
+              <a:rPr lang="zh-CN" altLang="en-US">
+                <a:sym typeface="Times New Roman" panose="02020803070505020304"/>
+              </a:rPr>
+              <a:t>，对</a:t>
+            </a:r>
+            <a:r>
+              <a:rPr lang="en-US" altLang="zh-CN">
+                <a:sym typeface="Times New Roman" panose="02020803070505020304"/>
+              </a:rPr>
+              <a:t>frpc</a:t>
+            </a:r>
+            <a:r>
+              <a:rPr lang="zh-CN" altLang="en-US">
+                <a:sym typeface="Times New Roman" panose="02020803070505020304"/>
+              </a:rPr>
+              <a:t>客户端提供服务的端口为</a:t>
+            </a:r>
+            <a:r>
+              <a:rPr lang="en-US" altLang="zh-CN">
+                <a:ln>
+                  <a:noFill/>
+                </a:ln>
+                <a:solidFill>
+                  <a:srgbClr val="5F5F5F"/>
+                </a:solidFill>
+                <a:effectLst/>
+                <a:uFillTx/>
+                <a:latin typeface="Times New Roman" panose="02020803070505020304"/>
+                <a:ea typeface="Times New Roman" panose="02020803070505020304"/>
+                <a:cs typeface="Times New Roman" panose="02020803070505020304"/>
+                <a:sym typeface="Times New Roman" panose="02020803070505020304"/>
+              </a:rPr>
+              <a:t>7000</a:t>
+            </a:r>
+            <a:endParaRPr lang="en-US">
+              <a:sym typeface="Times New Roman" panose="02020803070505020304"/>
+            </a:endParaRPr>
+          </a:p>
+          <a:p>
+            <a:pPr marL="0" marR="0" indent="0" algn="l" defTabSz="914400" rtl="0" fontAlgn="auto" latinLnBrk="0" hangingPunct="0">
+              <a:lnSpc>
+                <a:spcPct val="100000"/>
+              </a:lnSpc>
+              <a:spcBef>
+                <a:spcPts val="0"/>
+              </a:spcBef>
+              <a:spcAft>
+                <a:spcPts val="0"/>
+              </a:spcAft>
+              <a:buClrTx/>
+              <a:buSzTx/>
+              <a:buFontTx/>
+              <a:buNone/>
+            </a:pPr>
+            <a:endParaRPr kumimoji="0" lang="zh-CN" altLang="en-US" sz="1800" b="0" i="0" u="none" strike="noStrike" cap="none" spc="0" normalizeH="0" baseline="0">
+              <a:ln>
+                <a:noFill/>
+              </a:ln>
+              <a:solidFill>
+                <a:srgbClr val="5F5F5F"/>
+              </a:solidFill>
+              <a:effectLst/>
+              <a:uFillTx/>
+              <a:latin typeface="Times New Roman" panose="02020803070505020304"/>
+              <a:ea typeface="Times New Roman" panose="02020803070505020304"/>
+              <a:cs typeface="Times New Roman" panose="02020803070505020304"/>
+              <a:sym typeface="Times New Roman" panose="02020803070505020304"/>
+            </a:endParaRPr>
+          </a:p>
+          <a:p>
+            <a:pPr marL="0" marR="0" indent="0" algn="l" defTabSz="914400" rtl="0" fontAlgn="auto" latinLnBrk="0" hangingPunct="0">
+              <a:lnSpc>
+                <a:spcPct val="100000"/>
+              </a:lnSpc>
+              <a:spcBef>
+                <a:spcPts val="0"/>
+              </a:spcBef>
+              <a:spcAft>
+                <a:spcPts val="0"/>
+              </a:spcAft>
+              <a:buClrTx/>
+              <a:buSzTx/>
+              <a:buFontTx/>
+              <a:buNone/>
+            </a:pPr>
+            <a:endParaRPr kumimoji="0" lang="zh-CN" altLang="en-US" sz="1800" b="0" i="0" u="none" strike="noStrike" cap="none" spc="0" normalizeH="0" baseline="0">
+              <a:ln>
+                <a:noFill/>
+              </a:ln>
+              <a:solidFill>
+                <a:srgbClr val="5F5F5F"/>
+              </a:solidFill>
+              <a:effectLst/>
+              <a:uFillTx/>
+              <a:latin typeface="Times New Roman" panose="02020803070505020304"/>
+              <a:ea typeface="Times New Roman" panose="02020803070505020304"/>
+              <a:cs typeface="Times New Roman" panose="02020803070505020304"/>
+              <a:sym typeface="Times New Roman" panose="02020803070505020304"/>
+            </a:endParaRPr>
+          </a:p>
+        </p:txBody>
+      </p:sp>
+      <p:sp>
+        <p:nvSpPr>
+          <p:cNvPr id="4" name="矩形 3"/>
+          <p:cNvSpPr/>
+          <p:nvPr/>
+        </p:nvSpPr>
+        <p:spPr>
+          <a:xfrm>
+            <a:off x="7505065" y="2475548"/>
+            <a:ext cx="3733165" cy="2860040"/>
+          </a:xfrm>
+          <a:prstGeom prst="rect">
+            <a:avLst/>
+          </a:prstGeom>
+          <a:solidFill>
+            <a:srgbClr val="FFFFFF"/>
+          </a:solidFill>
+          <a:ln w="12700" cap="flat">
+            <a:solidFill>
+              <a:schemeClr val="accent1"/>
+            </a:solidFill>
+            <a:prstDash val="solid"/>
+            <a:miter lim="800000"/>
+          </a:ln>
+        </p:spPr>
+        <p:style>
+          <a:lnRef idx="0">
+            <a:scrgbClr r="0" g="0" b="0"/>
+          </a:lnRef>
+          <a:fillRef idx="0">
+            <a:scrgbClr r="0" g="0" b="0"/>
+          </a:fillRef>
+          <a:effectRef idx="0">
+            <a:scrgbClr r="0" g="0" b="0"/>
+          </a:effectRef>
+          <a:fontRef idx="none"/>
+        </p:style>
+        <p:txBody>
+          <a:bodyPr rot="0" vertOverflow="overflow" horzOverflow="overflow" vert="horz" wrap="square" lIns="45719" tIns="45719" rIns="45719" bIns="45719" numCol="1" spcCol="38100" rtlCol="0" anchor="ctr" forceAA="0">
+            <a:spAutoFit/>
+          </a:bodyPr>
+          <a:p>
+            <a:pPr marL="0" marR="0" indent="0" algn="l" defTabSz="914400" rtl="0" fontAlgn="auto" latinLnBrk="0" hangingPunct="0">
+              <a:lnSpc>
+                <a:spcPct val="100000"/>
+              </a:lnSpc>
+              <a:spcBef>
+                <a:spcPts val="0"/>
+              </a:spcBef>
+              <a:spcAft>
+                <a:spcPts val="0"/>
+              </a:spcAft>
+              <a:buClrTx/>
+              <a:buSzTx/>
+              <a:buFontTx/>
+              <a:buNone/>
+            </a:pPr>
+            <a:r>
+              <a:rPr kumimoji="0" lang="zh-CN" altLang="en-US" sz="1800" b="0" i="0" u="none" strike="noStrike" cap="none" spc="0" normalizeH="0" baseline="0">
+                <a:ln>
+                  <a:noFill/>
+                </a:ln>
+                <a:solidFill>
+                  <a:srgbClr val="5F5F5F"/>
+                </a:solidFill>
+                <a:effectLst/>
+                <a:uFillTx/>
+                <a:latin typeface="Times New Roman" panose="02020803070505020304"/>
+                <a:ea typeface="Times New Roman" panose="02020803070505020304"/>
+                <a:cs typeface="Times New Roman" panose="02020803070505020304"/>
+                <a:sym typeface="Times New Roman" panose="02020803070505020304"/>
+              </a:rPr>
+              <a:t>本地</a:t>
+            </a:r>
+            <a:r>
+              <a:rPr kumimoji="0" lang="en-US" altLang="zh-CN" sz="1800" b="0" i="0" u="none" strike="noStrike" cap="none" spc="0" normalizeH="0" baseline="0">
+                <a:ln>
+                  <a:noFill/>
+                </a:ln>
+                <a:solidFill>
+                  <a:srgbClr val="5F5F5F"/>
+                </a:solidFill>
+                <a:effectLst/>
+                <a:uFillTx/>
+                <a:latin typeface="Times New Roman" panose="02020803070505020304"/>
+                <a:ea typeface="Times New Roman" panose="02020803070505020304"/>
+                <a:cs typeface="Times New Roman" panose="02020803070505020304"/>
+                <a:sym typeface="Times New Roman" panose="02020803070505020304"/>
+              </a:rPr>
+              <a:t>PC/</a:t>
+            </a:r>
+            <a:r>
+              <a:rPr kumimoji="0" lang="zh-CN" altLang="en-US" sz="1800" b="0" i="0" u="none" strike="noStrike" cap="none" spc="0" normalizeH="0" baseline="0">
+                <a:ln>
+                  <a:noFill/>
+                </a:ln>
+                <a:solidFill>
+                  <a:srgbClr val="5F5F5F"/>
+                </a:solidFill>
+                <a:effectLst/>
+                <a:uFillTx/>
+                <a:latin typeface="Times New Roman" panose="02020803070505020304"/>
+                <a:ea typeface="Times New Roman" panose="02020803070505020304"/>
+                <a:cs typeface="Times New Roman" panose="02020803070505020304"/>
+                <a:sym typeface="Times New Roman" panose="02020803070505020304"/>
+              </a:rPr>
+              <a:t>服务器</a:t>
+            </a:r>
+            <a:endParaRPr kumimoji="0" lang="zh-CN" altLang="en-US" sz="1800" b="0" i="0" u="none" strike="noStrike" cap="none" spc="0" normalizeH="0" baseline="0">
+              <a:ln>
+                <a:noFill/>
+              </a:ln>
+              <a:solidFill>
+                <a:srgbClr val="5F5F5F"/>
+              </a:solidFill>
+              <a:effectLst/>
+              <a:uFillTx/>
+              <a:latin typeface="Times New Roman" panose="02020803070505020304"/>
+              <a:ea typeface="Times New Roman" panose="02020803070505020304"/>
+              <a:cs typeface="Times New Roman" panose="02020803070505020304"/>
+              <a:sym typeface="Times New Roman" panose="02020803070505020304"/>
+            </a:endParaRPr>
+          </a:p>
+          <a:p>
+            <a:pPr marL="0" marR="0" indent="0" algn="l" defTabSz="914400" rtl="0" fontAlgn="auto" latinLnBrk="0" hangingPunct="0">
+              <a:lnSpc>
+                <a:spcPct val="100000"/>
+              </a:lnSpc>
+              <a:spcBef>
+                <a:spcPts val="0"/>
+              </a:spcBef>
+              <a:spcAft>
+                <a:spcPts val="0"/>
+              </a:spcAft>
+              <a:buClrTx/>
+              <a:buSzTx/>
+              <a:buFontTx/>
+              <a:buNone/>
+            </a:pPr>
+            <a:endParaRPr kumimoji="0" lang="zh-CN" altLang="en-US" sz="1800" b="0" i="0" u="none" strike="noStrike" cap="none" spc="0" normalizeH="0" baseline="0">
+              <a:ln>
+                <a:noFill/>
+              </a:ln>
+              <a:solidFill>
+                <a:srgbClr val="5F5F5F"/>
+              </a:solidFill>
+              <a:effectLst/>
+              <a:uFillTx/>
+              <a:latin typeface="Times New Roman" panose="02020803070505020304"/>
+              <a:ea typeface="Times New Roman" panose="02020803070505020304"/>
+              <a:cs typeface="Times New Roman" panose="02020803070505020304"/>
+              <a:sym typeface="Times New Roman" panose="02020803070505020304"/>
+            </a:endParaRPr>
+          </a:p>
+          <a:p>
+            <a:pPr marL="0" marR="0" indent="0" algn="l" defTabSz="914400" rtl="0" fontAlgn="auto" latinLnBrk="0" hangingPunct="0">
+              <a:lnSpc>
+                <a:spcPct val="100000"/>
+              </a:lnSpc>
+              <a:spcBef>
+                <a:spcPts val="0"/>
+              </a:spcBef>
+              <a:spcAft>
+                <a:spcPts val="0"/>
+              </a:spcAft>
+              <a:buClrTx/>
+              <a:buSzTx/>
+              <a:buFontTx/>
+              <a:buNone/>
+            </a:pPr>
+            <a:r>
+              <a:rPr kumimoji="0" lang="zh-CN" altLang="en-US" sz="1800" b="0" i="0" u="none" strike="noStrike" cap="none" spc="0" normalizeH="0" baseline="0">
+                <a:ln>
+                  <a:noFill/>
+                </a:ln>
+                <a:solidFill>
+                  <a:srgbClr val="5F5F5F"/>
+                </a:solidFill>
+                <a:effectLst/>
+                <a:uFillTx/>
+                <a:latin typeface="Times New Roman" panose="02020803070505020304"/>
+                <a:ea typeface="Times New Roman" panose="02020803070505020304"/>
+                <a:cs typeface="Times New Roman" panose="02020803070505020304"/>
+                <a:sym typeface="Times New Roman" panose="02020803070505020304"/>
+              </a:rPr>
+              <a:t>内网穿透接收公网回调数据</a:t>
+            </a:r>
+            <a:endParaRPr kumimoji="0" lang="zh-CN" altLang="en-US" sz="1800" b="0" i="0" u="none" strike="noStrike" cap="none" spc="0" normalizeH="0" baseline="0">
+              <a:ln>
+                <a:noFill/>
+              </a:ln>
+              <a:solidFill>
+                <a:srgbClr val="5F5F5F"/>
+              </a:solidFill>
+              <a:effectLst/>
+              <a:uFillTx/>
+              <a:latin typeface="Times New Roman" panose="02020803070505020304"/>
+              <a:ea typeface="Times New Roman" panose="02020803070505020304"/>
+              <a:cs typeface="Times New Roman" panose="02020803070505020304"/>
+              <a:sym typeface="Times New Roman" panose="02020803070505020304"/>
+            </a:endParaRPr>
+          </a:p>
+          <a:p>
+            <a:pPr marL="0" marR="0" indent="0" algn="l" defTabSz="914400" rtl="0" fontAlgn="auto" latinLnBrk="0" hangingPunct="0">
+              <a:lnSpc>
+                <a:spcPct val="100000"/>
+              </a:lnSpc>
+              <a:spcBef>
+                <a:spcPts val="0"/>
+              </a:spcBef>
+              <a:spcAft>
+                <a:spcPts val="0"/>
+              </a:spcAft>
+              <a:buClrTx/>
+              <a:buSzTx/>
+              <a:buFontTx/>
+              <a:buNone/>
+            </a:pPr>
+            <a:r>
+              <a:rPr kumimoji="0" lang="en-US" altLang="zh-CN" sz="1800" b="0" i="0" u="none" strike="noStrike" cap="none" spc="0" normalizeH="0" baseline="0">
+                <a:ln>
+                  <a:noFill/>
+                </a:ln>
+                <a:solidFill>
+                  <a:srgbClr val="5F5F5F"/>
+                </a:solidFill>
+                <a:effectLst/>
+                <a:uFillTx/>
+                <a:latin typeface="Times New Roman" panose="02020803070505020304"/>
+                <a:ea typeface="Times New Roman" panose="02020803070505020304"/>
+                <a:cs typeface="Times New Roman" panose="02020803070505020304"/>
+                <a:sym typeface="Times New Roman" panose="02020803070505020304"/>
+              </a:rPr>
+              <a:t>1</a:t>
+            </a:r>
+            <a:r>
+              <a:rPr kumimoji="0" lang="zh-CN" altLang="en-US" sz="1800" b="0" i="0" u="none" strike="noStrike" cap="none" spc="0" normalizeH="0" baseline="0">
+                <a:ln>
+                  <a:noFill/>
+                </a:ln>
+                <a:solidFill>
+                  <a:srgbClr val="5F5F5F"/>
+                </a:solidFill>
+                <a:effectLst/>
+                <a:uFillTx/>
+                <a:latin typeface="Times New Roman" panose="02020803070505020304"/>
+                <a:ea typeface="宋体" charset="0"/>
+                <a:cs typeface="Times New Roman" panose="02020803070505020304"/>
+                <a:sym typeface="Times New Roman" panose="02020803070505020304"/>
+              </a:rPr>
+              <a:t>，开启</a:t>
+            </a:r>
+            <a:r>
+              <a:rPr kumimoji="0" lang="en-US" altLang="zh-CN" sz="1800" b="0" i="0" u="none" strike="noStrike" cap="none" spc="0" normalizeH="0" baseline="0">
+                <a:ln>
+                  <a:noFill/>
+                </a:ln>
+                <a:solidFill>
+                  <a:srgbClr val="5F5F5F"/>
+                </a:solidFill>
+                <a:effectLst/>
+                <a:uFillTx/>
+                <a:latin typeface="Times New Roman" panose="02020803070505020304"/>
+                <a:ea typeface="宋体" charset="0"/>
+                <a:cs typeface="Times New Roman" panose="02020803070505020304"/>
+                <a:sym typeface="Times New Roman" panose="02020803070505020304"/>
+              </a:rPr>
+              <a:t>fpc</a:t>
+            </a:r>
+            <a:r>
+              <a:rPr kumimoji="0" lang="zh-CN" altLang="en-US" sz="1800" b="0" i="0" u="none" strike="noStrike" cap="none" spc="0" normalizeH="0" baseline="0">
+                <a:ln>
+                  <a:noFill/>
+                </a:ln>
+                <a:solidFill>
+                  <a:srgbClr val="5F5F5F"/>
+                </a:solidFill>
+                <a:effectLst/>
+                <a:uFillTx/>
+                <a:latin typeface="Times New Roman" panose="02020803070505020304"/>
+                <a:ea typeface="宋体" charset="0"/>
+                <a:cs typeface="Times New Roman" panose="02020803070505020304"/>
+                <a:sym typeface="Times New Roman" panose="02020803070505020304"/>
+              </a:rPr>
+              <a:t>客户端</a:t>
+            </a:r>
+            <a:r>
+              <a:rPr kumimoji="0" lang="en-US" altLang="zh-CN" sz="1800" b="0" i="0" u="none" strike="noStrike" cap="none" spc="0" normalizeH="0" baseline="0">
+                <a:ln>
+                  <a:noFill/>
+                </a:ln>
+                <a:solidFill>
+                  <a:srgbClr val="5F5F5F"/>
+                </a:solidFill>
+                <a:effectLst/>
+                <a:uFillTx/>
+                <a:latin typeface="Times New Roman" panose="02020803070505020304"/>
+                <a:ea typeface="宋体" charset="0"/>
+                <a:cs typeface="Times New Roman" panose="02020803070505020304"/>
+                <a:sym typeface="Times New Roman" panose="02020803070505020304"/>
+              </a:rPr>
+              <a:t>frpc </a:t>
+            </a:r>
+            <a:r>
+              <a:rPr kumimoji="0" lang="zh-CN" altLang="en-US" sz="1800" b="0" i="0" u="none" strike="noStrike" cap="none" spc="0" normalizeH="0" baseline="0">
+                <a:ln>
+                  <a:noFill/>
+                </a:ln>
+                <a:solidFill>
+                  <a:srgbClr val="5F5F5F"/>
+                </a:solidFill>
+                <a:effectLst/>
+                <a:uFillTx/>
+                <a:latin typeface="Times New Roman" panose="02020803070505020304"/>
+                <a:ea typeface="宋体" charset="0"/>
+                <a:cs typeface="Times New Roman" panose="02020803070505020304"/>
+                <a:sym typeface="Times New Roman" panose="02020803070505020304"/>
+              </a:rPr>
+              <a:t>配置连接</a:t>
+            </a:r>
+            <a:r>
+              <a:rPr kumimoji="0" lang="en-US" altLang="zh-CN" sz="1800" b="0" i="0" u="none" strike="noStrike" cap="none" spc="0" normalizeH="0" baseline="0">
+                <a:ln>
+                  <a:noFill/>
+                </a:ln>
+                <a:solidFill>
+                  <a:srgbClr val="5F5F5F"/>
+                </a:solidFill>
+                <a:effectLst/>
+                <a:uFillTx/>
+                <a:latin typeface="Times New Roman" panose="02020803070505020304"/>
+                <a:ea typeface="宋体" charset="0"/>
+                <a:cs typeface="Times New Roman" panose="02020803070505020304"/>
+                <a:sym typeface="Times New Roman" panose="02020803070505020304"/>
+              </a:rPr>
+              <a:t>frp</a:t>
+            </a:r>
+            <a:r>
+              <a:rPr kumimoji="0" lang="zh-CN" altLang="en-US" sz="1800" b="0" i="0" u="none" strike="noStrike" cap="none" spc="0" normalizeH="0" baseline="0">
+                <a:ln>
+                  <a:noFill/>
+                </a:ln>
+                <a:solidFill>
+                  <a:srgbClr val="5F5F5F"/>
+                </a:solidFill>
+                <a:effectLst/>
+                <a:uFillTx/>
+                <a:latin typeface="Times New Roman" panose="02020803070505020304"/>
+                <a:ea typeface="宋体" charset="0"/>
+                <a:cs typeface="Times New Roman" panose="02020803070505020304"/>
+                <a:sym typeface="Times New Roman" panose="02020803070505020304"/>
+              </a:rPr>
+              <a:t>服务端公网服务器地址 101.201.254.163对应端口</a:t>
+            </a:r>
+            <a:r>
+              <a:rPr kumimoji="0" lang="en-US" altLang="zh-CN" sz="1800" b="0" i="0" u="none" strike="noStrike" cap="none" spc="0" normalizeH="0" baseline="0">
+                <a:ln>
+                  <a:noFill/>
+                </a:ln>
+                <a:solidFill>
+                  <a:srgbClr val="5F5F5F"/>
+                </a:solidFill>
+                <a:effectLst/>
+                <a:uFillTx/>
+                <a:latin typeface="Times New Roman" panose="02020803070505020304"/>
+                <a:ea typeface="宋体" charset="0"/>
+                <a:cs typeface="Times New Roman" panose="02020803070505020304"/>
+                <a:sym typeface="Times New Roman" panose="02020803070505020304"/>
+              </a:rPr>
+              <a:t>7000</a:t>
+            </a:r>
+            <a:r>
+              <a:rPr kumimoji="0" lang="zh-CN" altLang="en-US" sz="1800" b="0" i="0" u="none" strike="noStrike" cap="none" spc="0" normalizeH="0" baseline="0">
+                <a:ln>
+                  <a:noFill/>
+                </a:ln>
+                <a:solidFill>
+                  <a:srgbClr val="5F5F5F"/>
+                </a:solidFill>
+                <a:effectLst/>
+                <a:uFillTx/>
+                <a:latin typeface="Times New Roman" panose="02020803070505020304"/>
+                <a:ea typeface="宋体" charset="0"/>
+                <a:cs typeface="Times New Roman" panose="02020803070505020304"/>
+                <a:sym typeface="Times New Roman" panose="02020803070505020304"/>
+              </a:rPr>
+              <a:t>，并设置本地机器对应的接收数据的本地网端口</a:t>
+            </a:r>
+            <a:r>
+              <a:rPr kumimoji="0" lang="en-US" altLang="zh-CN" sz="1800" b="0" i="0" u="none" strike="noStrike" cap="none" spc="0" normalizeH="0" baseline="0">
+                <a:ln>
+                  <a:noFill/>
+                </a:ln>
+                <a:solidFill>
+                  <a:srgbClr val="5F5F5F"/>
+                </a:solidFill>
+                <a:effectLst/>
+                <a:uFillTx/>
+                <a:latin typeface="Times New Roman" panose="02020803070505020304"/>
+                <a:ea typeface="宋体" charset="0"/>
+                <a:cs typeface="Times New Roman" panose="02020803070505020304"/>
+                <a:sym typeface="Times New Roman" panose="02020803070505020304"/>
+              </a:rPr>
+              <a:t>9900</a:t>
+            </a:r>
+            <a:r>
+              <a:rPr kumimoji="0" lang="zh-CN" altLang="en-US" sz="1800" b="0" i="0" u="none" strike="noStrike" cap="none" spc="0" normalizeH="0" baseline="0">
+                <a:ln>
+                  <a:noFill/>
+                </a:ln>
+                <a:solidFill>
+                  <a:srgbClr val="5F5F5F"/>
+                </a:solidFill>
+                <a:effectLst/>
+                <a:uFillTx/>
+                <a:latin typeface="Times New Roman" panose="02020803070505020304"/>
+                <a:ea typeface="宋体" charset="0"/>
+                <a:cs typeface="Times New Roman" panose="02020803070505020304"/>
+                <a:sym typeface="Times New Roman" panose="02020803070505020304"/>
+              </a:rPr>
+              <a:t>及本地域名</a:t>
+            </a:r>
+            <a:r>
+              <a:rPr>
+                <a:sym typeface="Times New Roman" panose="02020803070505020304"/>
+              </a:rPr>
+              <a:t>api</a:t>
+            </a:r>
+            <a:r>
+              <a:rPr lang="en-US">
+                <a:sym typeface="Times New Roman" panose="02020803070505020304"/>
+              </a:rPr>
+              <a:t>test</a:t>
+            </a:r>
+            <a:r>
+              <a:rPr>
+                <a:sym typeface="Times New Roman" panose="02020803070505020304"/>
+              </a:rPr>
+              <a:t>.</a:t>
+            </a:r>
+            <a:r>
+              <a:rPr lang="en-US">
+                <a:sym typeface="Times New Roman" panose="02020803070505020304"/>
+              </a:rPr>
+              <a:t>tobdev</a:t>
+            </a:r>
+            <a:r>
+              <a:rPr>
+                <a:sym typeface="Times New Roman" panose="02020803070505020304"/>
+              </a:rPr>
+              <a:t>.com</a:t>
+            </a:r>
+            <a:r>
+              <a:rPr lang="zh-CN">
+                <a:sym typeface="Times New Roman" panose="02020803070505020304"/>
+              </a:rPr>
+              <a:t>（本地指定</a:t>
+            </a:r>
+            <a:r>
+              <a:rPr lang="en-US" altLang="zh-CN">
+                <a:sym typeface="Times New Roman" panose="02020803070505020304"/>
+              </a:rPr>
+              <a:t>host</a:t>
+            </a:r>
+            <a:r>
+              <a:rPr lang="zh-CN">
+                <a:sym typeface="Times New Roman" panose="02020803070505020304"/>
+              </a:rPr>
+              <a:t>）</a:t>
+            </a:r>
+            <a:endParaRPr lang="zh-CN">
+              <a:sym typeface="Times New Roman" panose="02020803070505020304"/>
+            </a:endParaRPr>
+          </a:p>
+        </p:txBody>
+      </p:sp>
+      <p:cxnSp>
+        <p:nvCxnSpPr>
+          <p:cNvPr id="5" name="直接箭头连接符 4"/>
+          <p:cNvCxnSpPr/>
+          <p:nvPr/>
+        </p:nvCxnSpPr>
+        <p:spPr>
+          <a:xfrm flipV="1">
+            <a:off x="6635750" y="3832225"/>
+            <a:ext cx="687070" cy="146685"/>
+          </a:xfrm>
+          <a:prstGeom prst="straightConnector1">
+            <a:avLst/>
+          </a:prstGeom>
+          <a:noFill/>
+          <a:ln w="12700" cap="flat">
+            <a:solidFill>
+              <a:schemeClr val="accent1"/>
+            </a:solidFill>
+            <a:prstDash val="solid"/>
+            <a:miter lim="800000"/>
+            <a:tailEnd type="arrow"/>
+          </a:ln>
+        </p:spPr>
+        <p:style>
+          <a:lnRef idx="0">
+            <a:scrgbClr r="0" g="0" b="0"/>
+          </a:lnRef>
+          <a:fillRef idx="0">
+            <a:scrgbClr r="0" g="0" b="0"/>
+          </a:fillRef>
+          <a:effectRef idx="0">
+            <a:scrgbClr r="0" g="0" b="0"/>
+          </a:effectRef>
+          <a:fontRef idx="none"/>
+        </p:style>
+      </p:cxnSp>
+      <p:sp>
+        <p:nvSpPr>
+          <p:cNvPr id="8" name="矩形 7"/>
+          <p:cNvSpPr/>
+          <p:nvPr/>
+        </p:nvSpPr>
+        <p:spPr>
+          <a:xfrm>
+            <a:off x="843915" y="2581593"/>
+            <a:ext cx="1596390" cy="2305685"/>
+          </a:xfrm>
+          <a:prstGeom prst="rect">
+            <a:avLst/>
+          </a:prstGeom>
+          <a:solidFill>
+            <a:srgbClr val="FFFFFF"/>
+          </a:solidFill>
+          <a:ln w="12700" cap="flat">
+            <a:solidFill>
+              <a:schemeClr val="accent1"/>
+            </a:solidFill>
+            <a:prstDash val="solid"/>
+            <a:miter lim="800000"/>
+          </a:ln>
+        </p:spPr>
+        <p:style>
+          <a:lnRef idx="0">
+            <a:scrgbClr r="0" g="0" b="0"/>
+          </a:lnRef>
+          <a:fillRef idx="0">
+            <a:scrgbClr r="0" g="0" b="0"/>
+          </a:fillRef>
+          <a:effectRef idx="0">
+            <a:scrgbClr r="0" g="0" b="0"/>
+          </a:effectRef>
+          <a:fontRef idx="none"/>
+        </p:style>
+        <p:txBody>
+          <a:bodyPr rot="0" vertOverflow="overflow" horzOverflow="overflow" vert="horz" wrap="square" lIns="45719" tIns="45719" rIns="45719" bIns="45719" numCol="1" spcCol="38100" rtlCol="0" anchor="ctr" forceAA="0">
+            <a:spAutoFit/>
+          </a:bodyPr>
+          <a:p>
+            <a:pPr marL="0" marR="0" indent="0" algn="l" defTabSz="914400" rtl="0" fontAlgn="auto" latinLnBrk="0" hangingPunct="0">
+              <a:lnSpc>
+                <a:spcPct val="100000"/>
+              </a:lnSpc>
+              <a:spcBef>
+                <a:spcPts val="0"/>
+              </a:spcBef>
+              <a:spcAft>
+                <a:spcPts val="0"/>
+              </a:spcAft>
+              <a:buClrTx/>
+              <a:buSzTx/>
+              <a:buFontTx/>
+              <a:buNone/>
+            </a:pPr>
+            <a:r>
+              <a:rPr kumimoji="0" lang="zh-CN" altLang="en-US" sz="1800" b="0" i="0" u="none" strike="noStrike" cap="none" spc="0" normalizeH="0" baseline="0">
+                <a:ln>
+                  <a:noFill/>
+                </a:ln>
+                <a:solidFill>
+                  <a:srgbClr val="5F5F5F"/>
+                </a:solidFill>
+                <a:effectLst/>
+                <a:uFillTx/>
+                <a:latin typeface="Times New Roman" panose="02020803070505020304"/>
+                <a:ea typeface="Times New Roman" panose="02020803070505020304"/>
+                <a:cs typeface="Times New Roman" panose="02020803070505020304"/>
+                <a:sym typeface="Times New Roman" panose="02020803070505020304"/>
+              </a:rPr>
+              <a:t>企业微信</a:t>
+            </a:r>
+            <a:endParaRPr kumimoji="0" lang="zh-CN" altLang="en-US" sz="1800" b="0" i="0" u="none" strike="noStrike" cap="none" spc="0" normalizeH="0" baseline="0">
+              <a:ln>
+                <a:noFill/>
+              </a:ln>
+              <a:solidFill>
+                <a:srgbClr val="5F5F5F"/>
+              </a:solidFill>
+              <a:effectLst/>
+              <a:uFillTx/>
+              <a:latin typeface="Times New Roman" panose="02020803070505020304"/>
+              <a:ea typeface="Times New Roman" panose="02020803070505020304"/>
+              <a:cs typeface="Times New Roman" panose="02020803070505020304"/>
+              <a:sym typeface="Times New Roman" panose="02020803070505020304"/>
+            </a:endParaRPr>
+          </a:p>
+          <a:p>
+            <a:pPr marL="0" marR="0" indent="0" algn="l" defTabSz="914400" rtl="0" fontAlgn="auto" latinLnBrk="0" hangingPunct="0">
+              <a:lnSpc>
+                <a:spcPct val="100000"/>
+              </a:lnSpc>
+              <a:spcBef>
+                <a:spcPts val="0"/>
+              </a:spcBef>
+              <a:spcAft>
+                <a:spcPts val="0"/>
+              </a:spcAft>
+              <a:buClrTx/>
+              <a:buSzTx/>
+              <a:buFontTx/>
+              <a:buNone/>
+            </a:pPr>
+            <a:endParaRPr kumimoji="0" lang="zh-CN" altLang="en-US" sz="1800" b="0" i="0" u="none" strike="noStrike" cap="none" spc="0" normalizeH="0" baseline="0">
+              <a:ln>
+                <a:noFill/>
+              </a:ln>
+              <a:solidFill>
+                <a:srgbClr val="5F5F5F"/>
+              </a:solidFill>
+              <a:effectLst/>
+              <a:uFillTx/>
+              <a:latin typeface="Times New Roman" panose="02020803070505020304"/>
+              <a:ea typeface="Times New Roman" panose="02020803070505020304"/>
+              <a:cs typeface="Times New Roman" panose="02020803070505020304"/>
+              <a:sym typeface="Times New Roman" panose="02020803070505020304"/>
+            </a:endParaRPr>
+          </a:p>
+          <a:p>
+            <a:pPr marL="0" marR="0" indent="0" algn="l" defTabSz="914400" rtl="0" fontAlgn="auto" latinLnBrk="0" hangingPunct="0">
+              <a:lnSpc>
+                <a:spcPct val="100000"/>
+              </a:lnSpc>
+              <a:spcBef>
+                <a:spcPts val="0"/>
+              </a:spcBef>
+              <a:spcAft>
+                <a:spcPts val="0"/>
+              </a:spcAft>
+              <a:buClrTx/>
+              <a:buSzTx/>
+              <a:buFontTx/>
+              <a:buNone/>
+            </a:pPr>
+            <a:r>
+              <a:rPr kumimoji="0" lang="zh-CN" altLang="en-US" sz="1800" b="0" i="0" u="none" strike="noStrike" cap="none" spc="0" normalizeH="0" baseline="0">
+                <a:ln>
+                  <a:noFill/>
+                </a:ln>
+                <a:solidFill>
+                  <a:srgbClr val="5F5F5F"/>
+                </a:solidFill>
+                <a:effectLst/>
+                <a:uFillTx/>
+                <a:latin typeface="Times New Roman" panose="02020803070505020304"/>
+                <a:ea typeface="Times New Roman" panose="02020803070505020304"/>
+                <a:cs typeface="Times New Roman" panose="02020803070505020304"/>
+                <a:sym typeface="Times New Roman" panose="02020803070505020304"/>
+              </a:rPr>
+              <a:t>设置回调地址</a:t>
+            </a:r>
+            <a:endParaRPr kumimoji="0" lang="zh-CN" altLang="en-US" sz="1800" b="0" i="0" u="none" strike="noStrike" cap="none" spc="0" normalizeH="0" baseline="0">
+              <a:ln>
+                <a:noFill/>
+              </a:ln>
+              <a:solidFill>
+                <a:srgbClr val="5F5F5F"/>
+              </a:solidFill>
+              <a:effectLst/>
+              <a:uFillTx/>
+              <a:latin typeface="Times New Roman" panose="02020803070505020304"/>
+              <a:ea typeface="Times New Roman" panose="02020803070505020304"/>
+              <a:cs typeface="Times New Roman" panose="02020803070505020304"/>
+              <a:sym typeface="Times New Roman" panose="02020803070505020304"/>
+            </a:endParaRPr>
+          </a:p>
+          <a:p>
+            <a:pPr marL="0" marR="0" indent="0" algn="l" defTabSz="914400" rtl="0" fontAlgn="auto" latinLnBrk="0" hangingPunct="0">
+              <a:lnSpc>
+                <a:spcPct val="100000"/>
+              </a:lnSpc>
+              <a:spcBef>
+                <a:spcPts val="0"/>
+              </a:spcBef>
+              <a:spcAft>
+                <a:spcPts val="0"/>
+              </a:spcAft>
+              <a:buClrTx/>
+              <a:buSzTx/>
+              <a:buFontTx/>
+              <a:buNone/>
+            </a:pPr>
+            <a:endParaRPr kumimoji="0" lang="zh-CN" altLang="en-US" sz="1800" b="0" i="0" u="none" strike="noStrike" cap="none" spc="0" normalizeH="0" baseline="0">
+              <a:ln>
+                <a:noFill/>
+              </a:ln>
+              <a:solidFill>
+                <a:srgbClr val="5F5F5F"/>
+              </a:solidFill>
+              <a:effectLst/>
+              <a:uFillTx/>
+              <a:latin typeface="Times New Roman" panose="02020803070505020304"/>
+              <a:ea typeface="Times New Roman" panose="02020803070505020304"/>
+              <a:cs typeface="Times New Roman" panose="02020803070505020304"/>
+              <a:sym typeface="Times New Roman" panose="02020803070505020304"/>
+            </a:endParaRPr>
+          </a:p>
+          <a:p>
+            <a:pPr marL="0" marR="0" indent="0" algn="l" defTabSz="914400" rtl="0" fontAlgn="auto" latinLnBrk="0" hangingPunct="0">
+              <a:lnSpc>
+                <a:spcPct val="100000"/>
+              </a:lnSpc>
+              <a:spcBef>
+                <a:spcPts val="0"/>
+              </a:spcBef>
+              <a:spcAft>
+                <a:spcPts val="0"/>
+              </a:spcAft>
+              <a:buClrTx/>
+              <a:buSzTx/>
+              <a:buFontTx/>
+              <a:buNone/>
+            </a:pPr>
+            <a:r>
+              <a:rPr lang="en-US">
+                <a:sym typeface="Times New Roman" panose="02020803070505020304"/>
+              </a:rPr>
+              <a:t>apitest</a:t>
+            </a:r>
+            <a:r>
+              <a:rPr>
+                <a:sym typeface="Times New Roman" panose="02020803070505020304"/>
+              </a:rPr>
+              <a:t>.</a:t>
+            </a:r>
+            <a:r>
+              <a:rPr lang="en-US">
+                <a:sym typeface="Times New Roman" panose="02020803070505020304"/>
+              </a:rPr>
+              <a:t>tovdev</a:t>
+            </a:r>
+            <a:r>
+              <a:rPr>
+                <a:sym typeface="Times New Roman" panose="02020803070505020304"/>
+              </a:rPr>
+              <a:t>.com</a:t>
+            </a:r>
+            <a:r>
+              <a:rPr lang="en-US">
+                <a:sym typeface="Times New Roman" panose="02020803070505020304"/>
+              </a:rPr>
+              <a:t>:8800</a:t>
+            </a:r>
+            <a:endParaRPr>
+              <a:sym typeface="Times New Roman" panose="02020803070505020304"/>
+            </a:endParaRPr>
+          </a:p>
+          <a:p>
+            <a:pPr marL="0" marR="0" indent="0" algn="l" defTabSz="914400" rtl="0" fontAlgn="auto" latinLnBrk="0" hangingPunct="0">
+              <a:lnSpc>
+                <a:spcPct val="100000"/>
+              </a:lnSpc>
+              <a:spcBef>
+                <a:spcPts val="0"/>
+              </a:spcBef>
+              <a:spcAft>
+                <a:spcPts val="0"/>
+              </a:spcAft>
+              <a:buClrTx/>
+              <a:buSzTx/>
+              <a:buFontTx/>
+              <a:buNone/>
+            </a:pPr>
+            <a:endParaRPr kumimoji="0" lang="zh-CN" altLang="en-US" sz="1800" b="0" i="0" u="none" strike="noStrike" cap="none" spc="0" normalizeH="0" baseline="0">
+              <a:ln>
+                <a:noFill/>
+              </a:ln>
+              <a:solidFill>
+                <a:srgbClr val="5F5F5F"/>
+              </a:solidFill>
+              <a:effectLst/>
+              <a:uFillTx/>
+              <a:latin typeface="Times New Roman" panose="02020803070505020304"/>
+              <a:ea typeface="Times New Roman" panose="02020803070505020304"/>
+              <a:cs typeface="Times New Roman" panose="02020803070505020304"/>
+              <a:sym typeface="Times New Roman" panose="02020803070505020304"/>
+            </a:endParaRPr>
+          </a:p>
+          <a:p>
+            <a:pPr marL="0" marR="0" indent="0" algn="l" defTabSz="914400" rtl="0" fontAlgn="auto" latinLnBrk="0" hangingPunct="0">
+              <a:lnSpc>
+                <a:spcPct val="100000"/>
+              </a:lnSpc>
+              <a:spcBef>
+                <a:spcPts val="0"/>
+              </a:spcBef>
+              <a:spcAft>
+                <a:spcPts val="0"/>
+              </a:spcAft>
+              <a:buClrTx/>
+              <a:buSzTx/>
+              <a:buFontTx/>
+              <a:buNone/>
+            </a:pPr>
+            <a:endParaRPr kumimoji="0" lang="zh-CN" altLang="en-US" sz="1800" b="0" i="0" u="none" strike="noStrike" cap="none" spc="0" normalizeH="0" baseline="0">
+              <a:ln>
+                <a:noFill/>
+              </a:ln>
+              <a:solidFill>
+                <a:srgbClr val="5F5F5F"/>
+              </a:solidFill>
+              <a:effectLst/>
+              <a:uFillTx/>
+              <a:latin typeface="Times New Roman" panose="02020803070505020304"/>
+              <a:ea typeface="Times New Roman" panose="02020803070505020304"/>
+              <a:cs typeface="Times New Roman" panose="02020803070505020304"/>
+              <a:sym typeface="Times New Roman" panose="02020803070505020304"/>
+            </a:endParaRPr>
+          </a:p>
+        </p:txBody>
+      </p:sp>
+      <p:cxnSp>
+        <p:nvCxnSpPr>
+          <p:cNvPr id="9" name="直接箭头连接符 8"/>
+          <p:cNvCxnSpPr>
+            <a:stCxn id="8" idx="3"/>
+          </p:cNvCxnSpPr>
+          <p:nvPr/>
+        </p:nvCxnSpPr>
+        <p:spPr>
+          <a:xfrm flipV="1">
+            <a:off x="2440305" y="3656965"/>
+            <a:ext cx="1607820" cy="78105"/>
+          </a:xfrm>
+          <a:prstGeom prst="straightConnector1">
+            <a:avLst/>
+          </a:prstGeom>
+          <a:noFill/>
+          <a:ln w="12700" cap="flat">
+            <a:solidFill>
+              <a:schemeClr val="accent1"/>
+            </a:solidFill>
+            <a:prstDash val="solid"/>
+            <a:miter lim="800000"/>
+            <a:tailEnd type="arrow"/>
+          </a:ln>
+        </p:spPr>
+        <p:style>
+          <a:lnRef idx="0">
+            <a:scrgbClr r="0" g="0" b="0"/>
+          </a:lnRef>
+          <a:fillRef idx="0">
+            <a:scrgbClr r="0" g="0" b="0"/>
+          </a:fillRef>
+          <a:effectRef idx="0">
+            <a:scrgbClr r="0" g="0" b="0"/>
+          </a:effectRef>
+          <a:fontRef idx="none"/>
+        </p:style>
+      </p:cxnSp>
+    </p:spTree>
+  </p:cSld>
+  <p:clrMapOvr>
+    <a:masterClrMapping/>
+  </p:clrMapOvr>
+  <p:transition spd="med"/>
+</p:sld>
+</file>
+
+<file path=ppt/slides/slide29.xml><?xml version="1.0" encoding="utf-8"?>
+<p:sld xmlns:a="http://schemas.openxmlformats.org/drawingml/2006/main" xmlns:r="http://schemas.openxmlformats.org/officeDocument/2006/relationships" xmlns:p="http://schemas.openxmlformats.org/presentationml/2006/main">
+  <p:cSld>
+    <p:spTree>
+      <p:nvGrpSpPr>
+        <p:cNvPr id="1" name=""/>
+        <p:cNvGrpSpPr/>
+        <p:nvPr/>
+      </p:nvGrpSpPr>
+      <p:grpSpPr/>
+      <p:sp>
+        <p:nvSpPr>
+          <p:cNvPr id="2" name="标题 1"/>
+          <p:cNvSpPr>
+            <a:spLocks noGrp="1"/>
+          </p:cNvSpPr>
+          <p:nvPr>
+            <p:ph type="title"/>
+          </p:nvPr>
+        </p:nvSpPr>
+        <p:spPr>
+          <a:xfrm>
+            <a:off x="838200" y="248285"/>
+            <a:ext cx="10515600" cy="761365"/>
+          </a:xfrm>
+        </p:spPr>
+        <p:txBody>
+          <a:bodyPr>
+            <a:normAutofit/>
+          </a:bodyPr>
+          <a:p>
+            <a:r>
+              <a:rPr lang="zh-CN" altLang="en-US" sz="2400">
+                <a:latin typeface="苹方-简" panose="020B0400000000000000" charset="-122"/>
+                <a:ea typeface="苹方-简" panose="020B0400000000000000" charset="-122"/>
+              </a:rPr>
+              <a:t>素材管理</a:t>
+            </a:r>
+            <a:endParaRPr lang="zh-CN" altLang="en-US" sz="2400">
+              <a:latin typeface="苹方-简" panose="020B0400000000000000" charset="-122"/>
+              <a:ea typeface="苹方-简" panose="020B0400000000000000" charset="-122"/>
+            </a:endParaRPr>
+          </a:p>
+        </p:txBody>
+      </p:sp>
+      <p:sp>
+        <p:nvSpPr>
+          <p:cNvPr id="4" name="文本框 3"/>
+          <p:cNvSpPr txBox="1"/>
+          <p:nvPr/>
+        </p:nvSpPr>
+        <p:spPr>
+          <a:xfrm>
+            <a:off x="838200" y="1242060"/>
+            <a:ext cx="10609580" cy="3692525"/>
+          </a:xfrm>
+          <a:prstGeom prst="rect">
+            <a:avLst/>
+          </a:prstGeom>
+          <a:noFill/>
+        </p:spPr>
+        <p:txBody>
+          <a:bodyPr wrap="square" rtlCol="0">
+            <a:spAutoFit/>
+          </a:bodyPr>
+          <a:p>
+            <a:pPr lvl="0"/>
+            <a:r>
+              <a:rPr lang="zh-CN" altLang="en-US"/>
+              <a:t>在使用企业微信API接口中，往往开发者需要使用自定义的资源，比如发送本地图片消息，设置通讯录自定义头像等。</a:t>
+            </a:r>
+            <a:endParaRPr lang="zh-CN" altLang="en-US"/>
+          </a:p>
+          <a:p>
+            <a:pPr lvl="0"/>
+            <a:r>
+              <a:rPr lang="zh-CN" altLang="en-US"/>
+              <a:t>为了实现同一资源文件，一次上传可以多次使用，这里提供了素材</a:t>
+            </a:r>
+            <a:endParaRPr lang="zh-CN" altLang="en-US"/>
+          </a:p>
+          <a:p>
+            <a:pPr lvl="0"/>
+            <a:endParaRPr lang="zh-CN" altLang="en-US"/>
+          </a:p>
+          <a:p>
+            <a:pPr lvl="0"/>
+            <a:r>
+              <a:rPr lang="zh-CN" altLang="en-US"/>
+              <a:t>素材上传获取</a:t>
+            </a:r>
+            <a:r>
+              <a:rPr lang="en-US" altLang="zh-CN"/>
+              <a:t>media id</a:t>
+            </a:r>
+            <a:endParaRPr lang="zh-CN" altLang="en-US"/>
+          </a:p>
+          <a:p>
+            <a:pPr lvl="0"/>
+            <a:r>
+              <a:rPr lang="zh-CN" altLang="en-US"/>
+              <a:t>应用场景 ：如用于应用消息发送，客户欢迎语等</a:t>
+            </a:r>
+            <a:endParaRPr lang="zh-CN" altLang="en-US"/>
+          </a:p>
+          <a:p>
+            <a:pPr lvl="0"/>
+            <a:endParaRPr lang="zh-CN" altLang="en-US"/>
+          </a:p>
+          <a:p>
+            <a:pPr lvl="0"/>
+            <a:endParaRPr lang="zh-CN" altLang="en-US"/>
+          </a:p>
+          <a:p>
+            <a:pPr lvl="0"/>
+            <a:endParaRPr lang="zh-CN" altLang="en-US"/>
+          </a:p>
+          <a:p>
+            <a:pPr lvl="0"/>
+            <a:r>
+              <a:rPr lang="zh-CN" altLang="en-US"/>
+              <a:t>素材下载</a:t>
+            </a:r>
+            <a:endParaRPr lang="zh-CN" altLang="en-US"/>
+          </a:p>
+          <a:p>
+            <a:pPr lvl="0"/>
+            <a:r>
+              <a:rPr lang="zh-CN" altLang="en-US"/>
+              <a:t>应用场景：如</a:t>
+            </a:r>
+            <a:r>
+              <a:rPr lang="en-US" altLang="zh-CN"/>
+              <a:t>jssdk</a:t>
+            </a:r>
+            <a:r>
+              <a:rPr lang="zh-CN" altLang="en-US"/>
+              <a:t>上传企业微信的拍照</a:t>
+            </a:r>
+            <a:r>
+              <a:rPr lang="en-US" altLang="zh-CN"/>
+              <a:t>/</a:t>
+            </a:r>
+            <a:r>
+              <a:rPr lang="zh-CN" altLang="en-US"/>
+              <a:t>照片</a:t>
+            </a:r>
+            <a:r>
+              <a:rPr lang="en-US" altLang="zh-CN"/>
+              <a:t>/</a:t>
+            </a:r>
+            <a:r>
+              <a:rPr lang="zh-CN" altLang="en-US"/>
+              <a:t>音频</a:t>
+            </a:r>
+            <a:r>
+              <a:rPr lang="en-US" altLang="zh-CN"/>
+              <a:t>(</a:t>
+            </a:r>
+            <a:r>
+              <a:rPr lang="zh-CN" altLang="en-US"/>
+              <a:t>三天有效</a:t>
+            </a:r>
+            <a:r>
+              <a:rPr lang="en-US" altLang="zh-CN"/>
+              <a:t>)</a:t>
+            </a:r>
+            <a:r>
+              <a:rPr lang="zh-CN" altLang="en-US"/>
+              <a:t>，服务端下载在自己存储系统使用</a:t>
+            </a:r>
+            <a:endParaRPr lang="zh-CN" altLang="en-US"/>
+          </a:p>
+          <a:p>
+            <a:pPr lvl="0"/>
+            <a:endParaRPr lang="zh-CN" altLang="en-US"/>
+          </a:p>
+          <a:p>
+            <a:pPr lvl="0"/>
+            <a:endParaRPr lang="zh-CN" altLang="en-US"/>
+          </a:p>
+        </p:txBody>
+      </p:sp>
+    </p:spTree>
+  </p:cSld>
+  <p:clrMapOvr>
+    <a:masterClrMapping/>
+  </p:clrMapOvr>
+</p:sld>
+</file>
+
 <file path=ppt/slides/slide3.xml><?xml version="1.0" encoding="utf-8"?>
 <p:sld xmlns:a="http://schemas.openxmlformats.org/drawingml/2006/main" xmlns:r="http://schemas.openxmlformats.org/officeDocument/2006/relationships" xmlns:p="http://schemas.openxmlformats.org/presentationml/2006/main">
   <p:cSld>
@@ -5866,6 +8768,1554 @@
     <p:custDataLst>
       <p:tags r:id="rId1"/>
     </p:custDataLst>
+  </p:cSld>
+  <p:clrMapOvr>
+    <a:masterClrMapping/>
+  </p:clrMapOvr>
+</p:sld>
+</file>
+
+<file path=ppt/slides/slide30.xml><?xml version="1.0" encoding="utf-8"?>
+<p:sld xmlns:a="http://schemas.openxmlformats.org/drawingml/2006/main" xmlns:r="http://schemas.openxmlformats.org/officeDocument/2006/relationships" xmlns:p="http://schemas.openxmlformats.org/presentationml/2006/main">
+  <p:cSld>
+    <p:spTree>
+      <p:nvGrpSpPr>
+        <p:cNvPr id="1" name=""/>
+        <p:cNvGrpSpPr/>
+        <p:nvPr/>
+      </p:nvGrpSpPr>
+      <p:grpSpPr/>
+      <p:sp>
+        <p:nvSpPr>
+          <p:cNvPr id="2" name="标题 1"/>
+          <p:cNvSpPr>
+            <a:spLocks noGrp="1"/>
+          </p:cNvSpPr>
+          <p:nvPr>
+            <p:ph type="title"/>
+          </p:nvPr>
+        </p:nvSpPr>
+        <p:spPr>
+          <a:xfrm>
+            <a:off x="838200" y="248285"/>
+            <a:ext cx="10515600" cy="761365"/>
+          </a:xfrm>
+        </p:spPr>
+        <p:txBody>
+          <a:bodyPr>
+            <a:normAutofit/>
+          </a:bodyPr>
+          <a:p>
+            <a:r>
+              <a:rPr lang="zh-CN" altLang="en-US" sz="2400">
+                <a:sym typeface="+mn-ea"/>
+              </a:rPr>
+              <a:t>设置应用详情</a:t>
+            </a:r>
+            <a:endParaRPr lang="zh-CN" altLang="en-US" sz="2400">
+              <a:latin typeface="苹方-简" panose="020B0400000000000000" charset="-122"/>
+              <a:ea typeface="苹方-简" panose="020B0400000000000000" charset="-122"/>
+            </a:endParaRPr>
+          </a:p>
+        </p:txBody>
+      </p:sp>
+      <p:sp>
+        <p:nvSpPr>
+          <p:cNvPr id="4" name="文本框 3"/>
+          <p:cNvSpPr txBox="1"/>
+          <p:nvPr/>
+        </p:nvSpPr>
+        <p:spPr>
+          <a:xfrm>
+            <a:off x="838200" y="1242060"/>
+            <a:ext cx="10609580" cy="1476375"/>
+          </a:xfrm>
+          <a:prstGeom prst="rect">
+            <a:avLst/>
+          </a:prstGeom>
+          <a:noFill/>
+        </p:spPr>
+        <p:txBody>
+          <a:bodyPr wrap="square" rtlCol="0">
+            <a:spAutoFit/>
+          </a:bodyPr>
+          <a:p>
+            <a:pPr lvl="0"/>
+            <a:r>
+              <a:rPr lang="zh-CN" altLang="en-US"/>
+              <a:t>获取及设置应用详情</a:t>
+            </a:r>
+            <a:endParaRPr lang="zh-CN" altLang="en-US"/>
+          </a:p>
+          <a:p>
+            <a:pPr lvl="0"/>
+            <a:endParaRPr lang="zh-CN" altLang="en-US"/>
+          </a:p>
+          <a:p>
+            <a:pPr lvl="0"/>
+            <a:endParaRPr lang="zh-CN" altLang="en-US"/>
+          </a:p>
+          <a:p>
+            <a:pPr lvl="0"/>
+            <a:r>
+              <a:rPr lang="zh-CN" altLang="en-US"/>
+              <a:t>应用场景 ：无需管理员登录企业微信设置，</a:t>
+            </a:r>
+            <a:r>
+              <a:rPr lang="zh-CN" altLang="en-US">
+                <a:sym typeface="+mn-ea"/>
+              </a:rPr>
+              <a:t>后台可设置应用相当于在应用侧 就可以设置应用</a:t>
+            </a:r>
+            <a:r>
+              <a:rPr lang="zh-CN" altLang="en-US"/>
+              <a:t>；</a:t>
+            </a:r>
+            <a:endParaRPr lang="zh-CN" altLang="en-US"/>
+          </a:p>
+          <a:p>
+            <a:pPr lvl="0"/>
+            <a:r>
+              <a:rPr lang="en-US" altLang="zh-CN"/>
+              <a:t>	      </a:t>
+            </a:r>
+            <a:r>
+              <a:rPr lang="zh-CN" altLang="en-US"/>
+              <a:t>对于权限复杂的大公司及服务商代企业开发的进行应用设置</a:t>
+            </a:r>
+            <a:endParaRPr lang="zh-CN" altLang="en-US"/>
+          </a:p>
+        </p:txBody>
+      </p:sp>
+    </p:spTree>
+  </p:cSld>
+  <p:clrMapOvr>
+    <a:masterClrMapping/>
+  </p:clrMapOvr>
+</p:sld>
+</file>
+
+<file path=ppt/slides/slide31.xml><?xml version="1.0" encoding="utf-8"?>
+<p:sld xmlns:a="http://schemas.openxmlformats.org/drawingml/2006/main" xmlns:r="http://schemas.openxmlformats.org/officeDocument/2006/relationships" xmlns:p="http://schemas.openxmlformats.org/presentationml/2006/main">
+  <p:cSld>
+    <p:spTree>
+      <p:nvGrpSpPr>
+        <p:cNvPr id="1" name=""/>
+        <p:cNvGrpSpPr/>
+        <p:nvPr/>
+      </p:nvGrpSpPr>
+      <p:grpSpPr/>
+      <p:sp>
+        <p:nvSpPr>
+          <p:cNvPr id="2" name="标题 1"/>
+          <p:cNvSpPr>
+            <a:spLocks noGrp="1"/>
+          </p:cNvSpPr>
+          <p:nvPr>
+            <p:ph type="title"/>
+          </p:nvPr>
+        </p:nvSpPr>
+        <p:spPr>
+          <a:xfrm>
+            <a:off x="838200" y="248285"/>
+            <a:ext cx="10515600" cy="761365"/>
+          </a:xfrm>
+        </p:spPr>
+        <p:txBody>
+          <a:bodyPr>
+            <a:normAutofit/>
+          </a:bodyPr>
+          <a:p>
+            <a:r>
+              <a:rPr lang="zh-CN" altLang="en-US" sz="2400">
+                <a:latin typeface="苹方-简" panose="020B0400000000000000" charset="-122"/>
+                <a:ea typeface="苹方-简" panose="020B0400000000000000" charset="-122"/>
+              </a:rPr>
+              <a:t>家校沟通</a:t>
+            </a:r>
+            <a:endParaRPr lang="zh-CN" altLang="en-US" sz="2400">
+              <a:latin typeface="苹方-简" panose="020B0400000000000000" charset="-122"/>
+              <a:ea typeface="苹方-简" panose="020B0400000000000000" charset="-122"/>
+            </a:endParaRPr>
+          </a:p>
+        </p:txBody>
+      </p:sp>
+      <p:sp>
+        <p:nvSpPr>
+          <p:cNvPr id="4" name="文本框 3"/>
+          <p:cNvSpPr txBox="1"/>
+          <p:nvPr/>
+        </p:nvSpPr>
+        <p:spPr>
+          <a:xfrm>
+            <a:off x="838200" y="1242060"/>
+            <a:ext cx="10609580" cy="1753235"/>
+          </a:xfrm>
+          <a:prstGeom prst="rect">
+            <a:avLst/>
+          </a:prstGeom>
+          <a:noFill/>
+        </p:spPr>
+        <p:txBody>
+          <a:bodyPr wrap="square" rtlCol="0">
+            <a:spAutoFit/>
+          </a:bodyPr>
+          <a:p>
+            <a:pPr lvl="0"/>
+            <a:r>
+              <a:rPr lang="zh-CN" altLang="en-US"/>
+              <a:t>如果您的企业是教育行业中的学前教育、初中等教育两个类别，则企业内的所有成员默认都可以使用「家校通讯录」和「家长通知」。</a:t>
+            </a:r>
+            <a:endParaRPr lang="zh-CN" altLang="en-US"/>
+          </a:p>
+          <a:p>
+            <a:pPr lvl="0"/>
+            <a:endParaRPr lang="zh-CN" altLang="en-US"/>
+          </a:p>
+          <a:p>
+            <a:pPr lvl="0"/>
+            <a:r>
+              <a:rPr lang="zh-CN" altLang="en-US"/>
+              <a:t>家长通知  二维码，家长可以关注</a:t>
+            </a:r>
+            <a:endParaRPr lang="zh-CN" altLang="en-US"/>
+          </a:p>
+          <a:p>
+            <a:pPr lvl="0"/>
+            <a:endParaRPr lang="zh-CN" altLang="en-US"/>
+          </a:p>
+          <a:p>
+            <a:pPr lvl="0"/>
+            <a:endParaRPr lang="zh-CN" altLang="en-US"/>
+          </a:p>
+        </p:txBody>
+      </p:sp>
+    </p:spTree>
+  </p:cSld>
+  <p:clrMapOvr>
+    <a:masterClrMapping/>
+  </p:clrMapOvr>
+</p:sld>
+</file>
+
+<file path=ppt/slides/slide32.xml><?xml version="1.0" encoding="utf-8"?>
+<p:sld xmlns:a="http://schemas.openxmlformats.org/drawingml/2006/main" xmlns:r="http://schemas.openxmlformats.org/officeDocument/2006/relationships" xmlns:p="http://schemas.openxmlformats.org/presentationml/2006/main">
+  <p:cSld>
+    <p:spTree>
+      <p:nvGrpSpPr>
+        <p:cNvPr id="1" name=""/>
+        <p:cNvGrpSpPr/>
+        <p:nvPr/>
+      </p:nvGrpSpPr>
+      <p:grpSpPr/>
+      <p:sp>
+        <p:nvSpPr>
+          <p:cNvPr id="2" name="标题 1"/>
+          <p:cNvSpPr>
+            <a:spLocks noGrp="1"/>
+          </p:cNvSpPr>
+          <p:nvPr>
+            <p:ph type="title"/>
+          </p:nvPr>
+        </p:nvSpPr>
+        <p:spPr>
+          <a:xfrm>
+            <a:off x="838200" y="248285"/>
+            <a:ext cx="10515600" cy="761365"/>
+          </a:xfrm>
+        </p:spPr>
+        <p:txBody>
+          <a:bodyPr>
+            <a:normAutofit/>
+          </a:bodyPr>
+          <a:p>
+            <a:r>
+              <a:rPr lang="zh-CN" altLang="en-US" sz="2400">
+                <a:latin typeface="苹方-简" panose="020B0400000000000000" charset="-122"/>
+                <a:ea typeface="苹方-简" panose="020B0400000000000000" charset="-122"/>
+              </a:rPr>
+              <a:t>家校沟通</a:t>
+            </a:r>
+            <a:r>
+              <a:rPr lang="en-US" altLang="zh-CN" sz="2400">
+                <a:latin typeface="苹方-简" panose="020B0400000000000000" charset="-122"/>
+                <a:ea typeface="苹方-简" panose="020B0400000000000000" charset="-122"/>
+              </a:rPr>
+              <a:t>-</a:t>
+            </a:r>
+            <a:r>
+              <a:rPr lang="zh-CN" altLang="en-US" sz="2400">
+                <a:latin typeface="苹方-简" panose="020B0400000000000000" charset="-122"/>
+                <a:ea typeface="苹方-简" panose="020B0400000000000000" charset="-122"/>
+              </a:rPr>
+              <a:t>家长使用</a:t>
+            </a:r>
+            <a:endParaRPr lang="zh-CN" altLang="en-US" sz="2400">
+              <a:latin typeface="苹方-简" panose="020B0400000000000000" charset="-122"/>
+              <a:ea typeface="苹方-简" panose="020B0400000000000000" charset="-122"/>
+            </a:endParaRPr>
+          </a:p>
+        </p:txBody>
+      </p:sp>
+      <p:pic>
+        <p:nvPicPr>
+          <p:cNvPr id="3" name="图片 2" descr="WechatIMG747"/>
+          <p:cNvPicPr>
+            <a:picLocks noChangeAspect="1"/>
+          </p:cNvPicPr>
+          <p:nvPr/>
+        </p:nvPicPr>
+        <p:blipFill>
+          <a:blip r:embed="rId1"/>
+          <a:stretch>
+            <a:fillRect/>
+          </a:stretch>
+        </p:blipFill>
+        <p:spPr>
+          <a:xfrm>
+            <a:off x="960120" y="856615"/>
+            <a:ext cx="2769870" cy="6001385"/>
+          </a:xfrm>
+          <a:prstGeom prst="rect">
+            <a:avLst/>
+          </a:prstGeom>
+        </p:spPr>
+      </p:pic>
+      <p:pic>
+        <p:nvPicPr>
+          <p:cNvPr id="5" name="图片 4" descr="WechatIMG748"/>
+          <p:cNvPicPr>
+            <a:picLocks noChangeAspect="1"/>
+          </p:cNvPicPr>
+          <p:nvPr/>
+        </p:nvPicPr>
+        <p:blipFill>
+          <a:blip r:embed="rId2"/>
+          <a:stretch>
+            <a:fillRect/>
+          </a:stretch>
+        </p:blipFill>
+        <p:spPr>
+          <a:xfrm>
+            <a:off x="4436745" y="836295"/>
+            <a:ext cx="2691130" cy="5829935"/>
+          </a:xfrm>
+          <a:prstGeom prst="rect">
+            <a:avLst/>
+          </a:prstGeom>
+        </p:spPr>
+      </p:pic>
+      <p:pic>
+        <p:nvPicPr>
+          <p:cNvPr id="6" name="图片 5" descr="WechatIMG749"/>
+          <p:cNvPicPr>
+            <a:picLocks noChangeAspect="1"/>
+          </p:cNvPicPr>
+          <p:nvPr/>
+        </p:nvPicPr>
+        <p:blipFill>
+          <a:blip r:embed="rId3"/>
+          <a:stretch>
+            <a:fillRect/>
+          </a:stretch>
+        </p:blipFill>
+        <p:spPr>
+          <a:xfrm>
+            <a:off x="8300085" y="836295"/>
+            <a:ext cx="2690495" cy="5828030"/>
+          </a:xfrm>
+          <a:prstGeom prst="rect">
+            <a:avLst/>
+          </a:prstGeom>
+        </p:spPr>
+      </p:pic>
+    </p:spTree>
+  </p:cSld>
+  <p:clrMapOvr>
+    <a:masterClrMapping/>
+  </p:clrMapOvr>
+</p:sld>
+</file>
+
+<file path=ppt/slides/slide33.xml><?xml version="1.0" encoding="utf-8"?>
+<p:sld xmlns:a="http://schemas.openxmlformats.org/drawingml/2006/main" xmlns:r="http://schemas.openxmlformats.org/officeDocument/2006/relationships" xmlns:p="http://schemas.openxmlformats.org/presentationml/2006/main">
+  <p:cSld>
+    <p:spTree>
+      <p:nvGrpSpPr>
+        <p:cNvPr id="1" name=""/>
+        <p:cNvGrpSpPr/>
+        <p:nvPr/>
+      </p:nvGrpSpPr>
+      <p:grpSpPr/>
+      <p:sp>
+        <p:nvSpPr>
+          <p:cNvPr id="2" name="标题 1"/>
+          <p:cNvSpPr>
+            <a:spLocks noGrp="1"/>
+          </p:cNvSpPr>
+          <p:nvPr>
+            <p:ph type="title"/>
+          </p:nvPr>
+        </p:nvSpPr>
+        <p:spPr>
+          <a:xfrm>
+            <a:off x="838200" y="248285"/>
+            <a:ext cx="10515600" cy="761365"/>
+          </a:xfrm>
+        </p:spPr>
+        <p:txBody>
+          <a:bodyPr>
+            <a:normAutofit/>
+          </a:bodyPr>
+          <a:p>
+            <a:r>
+              <a:rPr lang="zh-CN" altLang="en-US" sz="2400">
+                <a:latin typeface="苹方-简" panose="020B0400000000000000" charset="-122"/>
+                <a:ea typeface="苹方-简" panose="020B0400000000000000" charset="-122"/>
+              </a:rPr>
+              <a:t>家校沟通，网页授权登录获取身份</a:t>
+            </a:r>
+            <a:endParaRPr lang="zh-CN" altLang="en-US" sz="2400">
+              <a:latin typeface="苹方-简" panose="020B0400000000000000" charset="-122"/>
+              <a:ea typeface="苹方-简" panose="020B0400000000000000" charset="-122"/>
+            </a:endParaRPr>
+          </a:p>
+        </p:txBody>
+      </p:sp>
+      <p:sp>
+        <p:nvSpPr>
+          <p:cNvPr id="4" name="文本框 3"/>
+          <p:cNvSpPr txBox="1"/>
+          <p:nvPr/>
+        </p:nvSpPr>
+        <p:spPr>
+          <a:xfrm>
+            <a:off x="838200" y="1242060"/>
+            <a:ext cx="10609580" cy="5077460"/>
+          </a:xfrm>
+          <a:prstGeom prst="rect">
+            <a:avLst/>
+          </a:prstGeom>
+          <a:noFill/>
+        </p:spPr>
+        <p:txBody>
+          <a:bodyPr wrap="square" rtlCol="0">
+            <a:spAutoFit/>
+          </a:bodyPr>
+          <a:p>
+            <a:pPr lvl="0"/>
+            <a:r>
+              <a:rPr lang="zh-CN" altLang="en-US"/>
+              <a:t>前端：</a:t>
+            </a:r>
+            <a:endParaRPr lang="zh-CN" altLang="en-US"/>
+          </a:p>
+          <a:p>
+            <a:pPr lvl="0"/>
+            <a:r>
+              <a:rPr lang="en-US" altLang="zh-CN"/>
+              <a:t>vite+vuejs3</a:t>
+            </a:r>
+            <a:endParaRPr lang="en-US" altLang="zh-CN"/>
+          </a:p>
+          <a:p>
+            <a:pPr lvl="0"/>
+            <a:r>
+              <a:rPr lang="en-US" altLang="zh-CN">
+                <a:sym typeface="+mn-ea"/>
+              </a:rPr>
+              <a:t>github</a:t>
+            </a:r>
+            <a:r>
+              <a:rPr lang="zh-CN" altLang="en-US">
+                <a:sym typeface="+mn-ea"/>
+              </a:rPr>
+              <a:t>地址：https://github.com/liyuexi/qywx-vuejs</a:t>
+            </a:r>
+            <a:endParaRPr lang="zh-CN" altLang="en-US">
+              <a:sym typeface="+mn-ea"/>
+            </a:endParaRPr>
+          </a:p>
+          <a:p>
+            <a:pPr lvl="0"/>
+            <a:endParaRPr lang="en-US" altLang="zh-CN"/>
+          </a:p>
+          <a:p>
+            <a:pPr lvl="0"/>
+            <a:r>
+              <a:rPr lang="zh-CN" altLang="en-US"/>
+              <a:t>后端</a:t>
+            </a:r>
+            <a:r>
+              <a:rPr lang="en-US" altLang="zh-CN"/>
+              <a:t>:</a:t>
+            </a:r>
+            <a:endParaRPr lang="en-US" altLang="zh-CN"/>
+          </a:p>
+          <a:p>
+            <a:pPr lvl="0"/>
+            <a:r>
+              <a:rPr lang="en-US" altLang="zh-CN"/>
+              <a:t>springboot</a:t>
+            </a:r>
+            <a:endParaRPr lang="en-US" altLang="zh-CN"/>
+          </a:p>
+          <a:p>
+            <a:pPr lvl="0"/>
+            <a:r>
+              <a:rPr lang="en-US" altLang="zh-CN">
+                <a:sym typeface="+mn-ea"/>
+              </a:rPr>
+              <a:t>github</a:t>
+            </a:r>
+            <a:r>
+              <a:rPr lang="zh-CN" altLang="en-US">
+                <a:sym typeface="+mn-ea"/>
+              </a:rPr>
+              <a:t>地址</a:t>
+            </a:r>
+            <a:r>
+              <a:rPr lang="en-US" altLang="zh-CN">
+                <a:sym typeface="+mn-ea"/>
+              </a:rPr>
+              <a:t>:   https://github.com/liyuexi/qywx-inner-java</a:t>
+            </a:r>
+            <a:endParaRPr lang="en-US" altLang="zh-CN">
+              <a:sym typeface="+mn-ea"/>
+            </a:endParaRPr>
+          </a:p>
+          <a:p>
+            <a:pPr lvl="0"/>
+            <a:endParaRPr lang="en-US" altLang="zh-CN"/>
+          </a:p>
+          <a:p>
+            <a:pPr lvl="0"/>
+            <a:endParaRPr lang="zh-CN" altLang="en-US"/>
+          </a:p>
+          <a:p>
+            <a:pPr lvl="0"/>
+            <a:r>
+              <a:rPr lang="en-US" altLang="zh-CN"/>
+              <a:t>1</a:t>
+            </a:r>
+            <a:r>
+              <a:rPr lang="zh-CN" altLang="en-US"/>
+              <a:t>，设置应用OAuth2.0网页授权功能的回调域名，上传验证文件并进行</a:t>
+            </a:r>
+            <a:r>
+              <a:rPr lang="zh-CN" altLang="en-US">
+                <a:sym typeface="+mn-ea"/>
+              </a:rPr>
+              <a:t>域名验证</a:t>
+            </a:r>
+            <a:endParaRPr lang="zh-CN" altLang="en-US">
+              <a:sym typeface="+mn-ea"/>
+            </a:endParaRPr>
+          </a:p>
+          <a:p>
+            <a:pPr lvl="0"/>
+            <a:r>
+              <a:rPr lang="zh-CN" altLang="en-US">
+                <a:sym typeface="+mn-ea"/>
+              </a:rPr>
+              <a:t>回调域名：tobdev.ant-xy.com:8800</a:t>
+            </a:r>
+            <a:endParaRPr lang="zh-CN" altLang="en-US">
+              <a:sym typeface="+mn-ea"/>
+            </a:endParaRPr>
+          </a:p>
+          <a:p>
+            <a:pPr lvl="0"/>
+            <a:endParaRPr lang="zh-CN" altLang="en-US">
+              <a:sym typeface="+mn-ea"/>
+            </a:endParaRPr>
+          </a:p>
+          <a:p>
+            <a:pPr lvl="0"/>
+            <a:endParaRPr lang="zh-CN" altLang="en-US">
+              <a:sym typeface="+mn-ea"/>
+            </a:endParaRPr>
+          </a:p>
+          <a:p>
+            <a:pPr lvl="0"/>
+            <a:r>
+              <a:rPr lang="en-US" altLang="zh-CN">
+                <a:sym typeface="+mn-ea"/>
+              </a:rPr>
+              <a:t>2</a:t>
+            </a:r>
+            <a:r>
+              <a:rPr lang="zh-CN" altLang="en-US">
+                <a:sym typeface="+mn-ea"/>
+              </a:rPr>
+              <a:t>，本地环境配置，设置</a:t>
+            </a:r>
+            <a:r>
+              <a:rPr lang="en-US" altLang="zh-CN">
+                <a:sym typeface="+mn-ea"/>
+              </a:rPr>
+              <a:t>host</a:t>
+            </a:r>
+            <a:r>
+              <a:rPr lang="zh-CN" altLang="en-US">
+                <a:sym typeface="+mn-ea"/>
+              </a:rPr>
+              <a:t>等</a:t>
+            </a:r>
+            <a:endParaRPr lang="zh-CN" altLang="en-US"/>
+          </a:p>
+          <a:p>
+            <a:pPr lvl="0"/>
+            <a:r>
+              <a:rPr lang="zh-CN" altLang="en-US"/>
+              <a:t>前端示例使用：tobdev.ant-xy.com:8800</a:t>
+            </a:r>
+            <a:endParaRPr lang="zh-CN" altLang="en-US"/>
+          </a:p>
+          <a:p>
+            <a:pPr lvl="0"/>
+            <a:r>
+              <a:rPr lang="zh-CN" altLang="en-US"/>
+              <a:t>后端</a:t>
+            </a:r>
+            <a:r>
+              <a:rPr lang="en-US" altLang="zh-CN"/>
+              <a:t>api</a:t>
+            </a:r>
+            <a:r>
+              <a:rPr lang="zh-CN" altLang="en-US"/>
+              <a:t>示例：http://api.ant-xy.com:9900</a:t>
+            </a:r>
+            <a:endParaRPr lang="zh-CN" altLang="en-US"/>
+          </a:p>
+          <a:p>
+            <a:pPr lvl="0"/>
+            <a:endParaRPr lang="en-US" altLang="zh-CN"/>
+          </a:p>
+          <a:p>
+            <a:pPr lvl="0"/>
+            <a:endParaRPr lang="en-US" altLang="zh-CN"/>
+          </a:p>
+        </p:txBody>
+      </p:sp>
+    </p:spTree>
+  </p:cSld>
+  <p:clrMapOvr>
+    <a:masterClrMapping/>
+  </p:clrMapOvr>
+</p:sld>
+</file>
+
+<file path=ppt/slides/slide34.xml><?xml version="1.0" encoding="utf-8"?>
+<p:sld xmlns:a="http://schemas.openxmlformats.org/drawingml/2006/main" xmlns:r="http://schemas.openxmlformats.org/officeDocument/2006/relationships" xmlns:p="http://schemas.openxmlformats.org/presentationml/2006/main">
+  <p:cSld>
+    <p:spTree>
+      <p:nvGrpSpPr>
+        <p:cNvPr id="1" name=""/>
+        <p:cNvGrpSpPr/>
+        <p:nvPr/>
+      </p:nvGrpSpPr>
+      <p:grpSpPr/>
+      <p:sp>
+        <p:nvSpPr>
+          <p:cNvPr id="2" name="标题 1"/>
+          <p:cNvSpPr>
+            <a:spLocks noGrp="1"/>
+          </p:cNvSpPr>
+          <p:nvPr>
+            <p:ph type="title"/>
+          </p:nvPr>
+        </p:nvSpPr>
+        <p:spPr>
+          <a:xfrm>
+            <a:off x="838200" y="248285"/>
+            <a:ext cx="10515600" cy="761365"/>
+          </a:xfrm>
+        </p:spPr>
+        <p:txBody>
+          <a:bodyPr>
+            <a:normAutofit/>
+          </a:bodyPr>
+          <a:p>
+            <a:r>
+              <a:rPr lang="zh-CN" altLang="en-US" sz="2400">
+                <a:latin typeface="苹方-简" panose="020B0400000000000000" charset="-122"/>
+                <a:ea typeface="苹方-简" panose="020B0400000000000000" charset="-122"/>
+              </a:rPr>
+              <a:t>身份验证,网页授权登录获取身份</a:t>
+            </a:r>
+            <a:endParaRPr lang="zh-CN" altLang="en-US" sz="2400">
+              <a:latin typeface="苹方-简" panose="020B0400000000000000" charset="-122"/>
+              <a:ea typeface="苹方-简" panose="020B0400000000000000" charset="-122"/>
+            </a:endParaRPr>
+          </a:p>
+        </p:txBody>
+      </p:sp>
+      <p:pic>
+        <p:nvPicPr>
+          <p:cNvPr id="3" name="图片 2" descr="屏幕快照 2021-08-09 下午9.13.16"/>
+          <p:cNvPicPr>
+            <a:picLocks noChangeAspect="1"/>
+          </p:cNvPicPr>
+          <p:nvPr/>
+        </p:nvPicPr>
+        <p:blipFill>
+          <a:blip r:embed="rId1"/>
+          <a:stretch>
+            <a:fillRect/>
+          </a:stretch>
+        </p:blipFill>
+        <p:spPr>
+          <a:xfrm>
+            <a:off x="607060" y="1122045"/>
+            <a:ext cx="7794625" cy="5529580"/>
+          </a:xfrm>
+          <a:prstGeom prst="rect">
+            <a:avLst/>
+          </a:prstGeom>
+        </p:spPr>
+      </p:pic>
+    </p:spTree>
+  </p:cSld>
+  <p:clrMapOvr>
+    <a:masterClrMapping/>
+  </p:clrMapOvr>
+</p:sld>
+</file>
+
+<file path=ppt/slides/slide35.xml><?xml version="1.0" encoding="utf-8"?>
+<p:sld xmlns:a="http://schemas.openxmlformats.org/drawingml/2006/main" xmlns:r="http://schemas.openxmlformats.org/officeDocument/2006/relationships" xmlns:p="http://schemas.openxmlformats.org/presentationml/2006/main">
+  <p:cSld>
+    <p:spTree>
+      <p:nvGrpSpPr>
+        <p:cNvPr id="1" name=""/>
+        <p:cNvGrpSpPr/>
+        <p:nvPr/>
+      </p:nvGrpSpPr>
+      <p:grpSpPr/>
+      <p:sp>
+        <p:nvSpPr>
+          <p:cNvPr id="2" name="标题 1"/>
+          <p:cNvSpPr>
+            <a:spLocks noGrp="1"/>
+          </p:cNvSpPr>
+          <p:nvPr>
+            <p:ph type="title"/>
+          </p:nvPr>
+        </p:nvSpPr>
+        <p:spPr>
+          <a:xfrm>
+            <a:off x="838200" y="248285"/>
+            <a:ext cx="10515600" cy="761365"/>
+          </a:xfrm>
+        </p:spPr>
+        <p:txBody>
+          <a:bodyPr>
+            <a:normAutofit/>
+          </a:bodyPr>
+          <a:p>
+            <a:r>
+              <a:rPr lang="zh-CN" altLang="en-US" sz="2400">
+                <a:latin typeface="苹方-简" panose="020B0400000000000000" charset="-122"/>
+                <a:ea typeface="苹方-简" panose="020B0400000000000000" charset="-122"/>
+              </a:rPr>
+              <a:t>身份验证,网页授权登录获取身份</a:t>
+            </a:r>
+            <a:endParaRPr lang="zh-CN" altLang="en-US" sz="2400">
+              <a:latin typeface="苹方-简" panose="020B0400000000000000" charset="-122"/>
+              <a:ea typeface="苹方-简" panose="020B0400000000000000" charset="-122"/>
+            </a:endParaRPr>
+          </a:p>
+        </p:txBody>
+      </p:sp>
+      <p:sp>
+        <p:nvSpPr>
+          <p:cNvPr id="4" name="文本框 3"/>
+          <p:cNvSpPr txBox="1"/>
+          <p:nvPr/>
+        </p:nvSpPr>
+        <p:spPr>
+          <a:xfrm>
+            <a:off x="838200" y="1242060"/>
+            <a:ext cx="10609580" cy="3415030"/>
+          </a:xfrm>
+          <a:prstGeom prst="rect">
+            <a:avLst/>
+          </a:prstGeom>
+          <a:noFill/>
+        </p:spPr>
+        <p:txBody>
+          <a:bodyPr wrap="square" rtlCol="0">
+            <a:spAutoFit/>
+          </a:bodyPr>
+          <a:p>
+            <a:pPr lvl="0"/>
+            <a:r>
+              <a:rPr lang="en-US" altLang="zh-CN"/>
+              <a:t>redirecturl     http://tobdev.ant-xy.com:8800/#/schoolCallback</a:t>
+            </a:r>
+            <a:endParaRPr lang="en-US" altLang="zh-CN"/>
+          </a:p>
+          <a:p>
+            <a:pPr lvl="0"/>
+            <a:endParaRPr lang="zh-CN" altLang="en-US">
+              <a:sym typeface="+mn-ea"/>
+            </a:endParaRPr>
+          </a:p>
+          <a:p>
+            <a:pPr lvl="0"/>
+            <a:r>
+              <a:rPr lang="zh-CN" altLang="en-US">
+                <a:sym typeface="+mn-ea"/>
+              </a:rPr>
+              <a:t>授权链接 </a:t>
+            </a:r>
+            <a:endParaRPr lang="zh-CN" altLang="en-US"/>
+          </a:p>
+          <a:p>
+            <a:pPr lvl="0"/>
+            <a:r>
+              <a:rPr lang="zh-CN" altLang="en-US"/>
+              <a:t>https://open.weixin.qq.com/connect/oauth2/authorize?appid=wwe58c8eb857ded23d&amp;redirect_uri=http%3A%2F%2Ftobdev.ant-xy.com%3A8800%2F%23%2F</a:t>
+            </a:r>
+            <a:r>
+              <a:rPr lang="en-US" altLang="zh-CN">
+                <a:sym typeface="+mn-ea"/>
+              </a:rPr>
+              <a:t>schoolCallback</a:t>
+            </a:r>
+            <a:r>
+              <a:rPr lang="zh-CN" altLang="en-US"/>
+              <a:t>&amp;response_type=code&amp;scope=snsapi_base&amp;state=sdfds343#wechat_redirect</a:t>
+            </a:r>
+            <a:endParaRPr lang="zh-CN" altLang="en-US"/>
+          </a:p>
+          <a:p>
+            <a:pPr lvl="0"/>
+            <a:endParaRPr lang="zh-CN" altLang="en-US"/>
+          </a:p>
+          <a:p>
+            <a:pPr lvl="0"/>
+            <a:endParaRPr lang="zh-CN" altLang="en-US"/>
+          </a:p>
+          <a:p>
+            <a:pPr lvl="0"/>
+            <a:r>
+              <a:rPr lang="zh-CN" altLang="en-US"/>
+              <a:t>跳回后会携带</a:t>
+            </a:r>
+            <a:r>
+              <a:rPr lang="en-US" altLang="zh-CN"/>
+              <a:t>code</a:t>
+            </a:r>
+            <a:endParaRPr lang="en-US" altLang="zh-CN"/>
+          </a:p>
+          <a:p>
+            <a:pPr lvl="0"/>
+            <a:endParaRPr lang="en-US" altLang="zh-CN"/>
+          </a:p>
+          <a:p>
+            <a:pPr lvl="0"/>
+            <a:endParaRPr lang="en-US" altLang="zh-CN"/>
+          </a:p>
+        </p:txBody>
+      </p:sp>
+    </p:spTree>
+  </p:cSld>
+  <p:clrMapOvr>
+    <a:masterClrMapping/>
+  </p:clrMapOvr>
+</p:sld>
+</file>
+
+<file path=ppt/slides/slide36.xml><?xml version="1.0" encoding="utf-8"?>
+<p:sld xmlns:a="http://schemas.openxmlformats.org/drawingml/2006/main" xmlns:r="http://schemas.openxmlformats.org/officeDocument/2006/relationships" xmlns:p="http://schemas.openxmlformats.org/presentationml/2006/main">
+  <p:cSld>
+    <p:spTree>
+      <p:nvGrpSpPr>
+        <p:cNvPr id="1" name=""/>
+        <p:cNvGrpSpPr/>
+        <p:nvPr/>
+      </p:nvGrpSpPr>
+      <p:grpSpPr/>
+      <p:sp>
+        <p:nvSpPr>
+          <p:cNvPr id="2" name="标题 1"/>
+          <p:cNvSpPr>
+            <a:spLocks noGrp="1"/>
+          </p:cNvSpPr>
+          <p:nvPr>
+            <p:ph type="title"/>
+          </p:nvPr>
+        </p:nvSpPr>
+        <p:spPr>
+          <a:xfrm>
+            <a:off x="838200" y="248285"/>
+            <a:ext cx="10515600" cy="761365"/>
+          </a:xfrm>
+        </p:spPr>
+        <p:txBody>
+          <a:bodyPr>
+            <a:normAutofit/>
+          </a:bodyPr>
+          <a:p>
+            <a:r>
+              <a:rPr lang="zh-CN" altLang="en-US" sz="2400">
+                <a:latin typeface="苹方-简" panose="020B0400000000000000" charset="-122"/>
+                <a:ea typeface="苹方-简" panose="020B0400000000000000" charset="-122"/>
+              </a:rPr>
+              <a:t>家校沟通，家长使用</a:t>
+            </a:r>
+            <a:endParaRPr lang="zh-CN" altLang="en-US" sz="2400">
+              <a:latin typeface="苹方-简" panose="020B0400000000000000" charset="-122"/>
+              <a:ea typeface="苹方-简" panose="020B0400000000000000" charset="-122"/>
+            </a:endParaRPr>
+          </a:p>
+        </p:txBody>
+      </p:sp>
+      <p:sp>
+        <p:nvSpPr>
+          <p:cNvPr id="4" name="文本框 3"/>
+          <p:cNvSpPr txBox="1"/>
+          <p:nvPr/>
+        </p:nvSpPr>
+        <p:spPr>
+          <a:xfrm>
+            <a:off x="838200" y="1242060"/>
+            <a:ext cx="10609580" cy="1476375"/>
+          </a:xfrm>
+          <a:prstGeom prst="rect">
+            <a:avLst/>
+          </a:prstGeom>
+          <a:noFill/>
+        </p:spPr>
+        <p:txBody>
+          <a:bodyPr wrap="square" rtlCol="0">
+            <a:spAutoFit/>
+          </a:bodyPr>
+          <a:p>
+            <a:pPr lvl="0"/>
+            <a:r>
+              <a:rPr lang="zh-CN" altLang="en-US"/>
+              <a:t>在家校沟通，配置中，家长可使用的应用选上我们的自建应用</a:t>
+            </a:r>
+            <a:endParaRPr lang="zh-CN" altLang="en-US"/>
+          </a:p>
+          <a:p>
+            <a:pPr lvl="0"/>
+            <a:endParaRPr lang="zh-CN" altLang="en-US"/>
+          </a:p>
+          <a:p>
+            <a:pPr lvl="0"/>
+            <a:endParaRPr lang="zh-CN" altLang="en-US"/>
+          </a:p>
+          <a:p>
+            <a:pPr lvl="0"/>
+            <a:endParaRPr lang="zh-CN" altLang="en-US"/>
+          </a:p>
+          <a:p>
+            <a:pPr lvl="0"/>
+            <a:endParaRPr lang="zh-CN" altLang="en-US"/>
+          </a:p>
+        </p:txBody>
+      </p:sp>
+    </p:spTree>
+  </p:cSld>
+  <p:clrMapOvr>
+    <a:masterClrMapping/>
+  </p:clrMapOvr>
+</p:sld>
+</file>
+
+<file path=ppt/slides/slide37.xml><?xml version="1.0" encoding="utf-8"?>
+<p:sld xmlns:a="http://schemas.openxmlformats.org/drawingml/2006/main" xmlns:r="http://schemas.openxmlformats.org/officeDocument/2006/relationships" xmlns:p="http://schemas.openxmlformats.org/presentationml/2006/main">
+  <p:cSld>
+    <p:spTree>
+      <p:nvGrpSpPr>
+        <p:cNvPr id="1" name=""/>
+        <p:cNvGrpSpPr/>
+        <p:nvPr/>
+      </p:nvGrpSpPr>
+      <p:grpSpPr/>
+      <p:sp>
+        <p:nvSpPr>
+          <p:cNvPr id="2" name="标题 1"/>
+          <p:cNvSpPr>
+            <a:spLocks noGrp="1"/>
+          </p:cNvSpPr>
+          <p:nvPr>
+            <p:ph type="title"/>
+          </p:nvPr>
+        </p:nvSpPr>
+        <p:spPr>
+          <a:xfrm>
+            <a:off x="838200" y="248285"/>
+            <a:ext cx="10515600" cy="761365"/>
+          </a:xfrm>
+        </p:spPr>
+        <p:txBody>
+          <a:bodyPr>
+            <a:normAutofit/>
+          </a:bodyPr>
+          <a:p>
+            <a:r>
+              <a:rPr lang="en-US" altLang="zh-CN" sz="2400">
+                <a:latin typeface="苹方-简" panose="020B0400000000000000" charset="-122"/>
+                <a:ea typeface="苹方-简" panose="020B0400000000000000" charset="-122"/>
+              </a:rPr>
+              <a:t>OA</a:t>
+            </a:r>
+            <a:r>
+              <a:rPr lang="zh-CN" altLang="en-US" sz="2400">
+                <a:latin typeface="苹方-简" panose="020B0400000000000000" charset="-122"/>
+                <a:ea typeface="苹方-简" panose="020B0400000000000000" charset="-122"/>
+              </a:rPr>
+              <a:t>审批</a:t>
+            </a:r>
+            <a:endParaRPr lang="zh-CN" altLang="en-US" sz="2400">
+              <a:latin typeface="苹方-简" panose="020B0400000000000000" charset="-122"/>
+              <a:ea typeface="苹方-简" panose="020B0400000000000000" charset="-122"/>
+            </a:endParaRPr>
+          </a:p>
+        </p:txBody>
+      </p:sp>
+      <p:sp>
+        <p:nvSpPr>
+          <p:cNvPr id="4" name="文本框 3"/>
+          <p:cNvSpPr txBox="1"/>
+          <p:nvPr/>
+        </p:nvSpPr>
+        <p:spPr>
+          <a:xfrm>
+            <a:off x="838200" y="1242060"/>
+            <a:ext cx="10609580" cy="4799965"/>
+          </a:xfrm>
+          <a:prstGeom prst="rect">
+            <a:avLst/>
+          </a:prstGeom>
+          <a:noFill/>
+        </p:spPr>
+        <p:txBody>
+          <a:bodyPr wrap="square" rtlCol="0">
+            <a:spAutoFit/>
+          </a:bodyPr>
+          <a:p>
+            <a:pPr lvl="0"/>
+            <a:r>
+              <a:rPr lang="zh-CN" altLang="en-US"/>
+              <a:t>有两种类型</a:t>
+            </a:r>
+            <a:endParaRPr lang="zh-CN" altLang="en-US"/>
+          </a:p>
+          <a:p>
+            <a:pPr lvl="0"/>
+            <a:r>
+              <a:rPr lang="zh-CN" altLang="en-US"/>
+              <a:t>一种是针对审批应用的：审批</a:t>
+            </a:r>
+            <a:endParaRPr lang="zh-CN" altLang="en-US"/>
+          </a:p>
+          <a:p>
+            <a:pPr lvl="0"/>
+            <a:r>
+              <a:rPr lang="zh-CN" altLang="en-US"/>
+              <a:t>     企业微信审批应用相关接口，是围绕“审批应用”的开放，数据的写入、读取对象都为企业微信“审批应用”。</a:t>
+            </a:r>
+            <a:endParaRPr lang="zh-CN" altLang="en-US"/>
+          </a:p>
+          <a:p>
+            <a:pPr lvl="0"/>
+            <a:r>
+              <a:rPr lang="zh-CN" altLang="en-US"/>
+              <a:t>   开发流程复杂，</a:t>
+            </a:r>
+            <a:r>
+              <a:rPr lang="zh-CN" altLang="en-US">
+                <a:sym typeface="+mn-ea"/>
+              </a:rPr>
+              <a:t>据我所知</a:t>
+            </a:r>
+            <a:r>
+              <a:rPr lang="zh-CN" altLang="en-US"/>
+              <a:t>少有应用选择基于此接口开发</a:t>
+            </a:r>
+            <a:endParaRPr lang="zh-CN" altLang="en-US"/>
+          </a:p>
+          <a:p>
+            <a:pPr lvl="0"/>
+            <a:r>
+              <a:rPr lang="en-US" altLang="zh-CN"/>
+              <a:t>	</a:t>
+            </a:r>
+            <a:endParaRPr lang="zh-CN" altLang="en-US"/>
+          </a:p>
+          <a:p>
+            <a:pPr lvl="0"/>
+            <a:endParaRPr lang="zh-CN" altLang="en-US"/>
+          </a:p>
+          <a:p>
+            <a:pPr lvl="0"/>
+            <a:endParaRPr lang="zh-CN" altLang="en-US"/>
+          </a:p>
+          <a:p>
+            <a:pPr lvl="0"/>
+            <a:r>
+              <a:rPr lang="zh-CN" altLang="en-US"/>
+              <a:t>一 种是审批应用无关的：审批流程引擎</a:t>
+            </a:r>
+            <a:endParaRPr lang="zh-CN" altLang="en-US"/>
+          </a:p>
+          <a:p>
+            <a:pPr lvl="0"/>
+            <a:r>
+              <a:rPr lang="zh-CN" altLang="en-US"/>
+              <a:t>      “审批流程引擎”相关接口，是在“自建应用”或“第三方应用”中增加流程相关功能，使用和作用对象都为“自建应用”或“第三方应用”，不会影响企业微信“审批应用”。</a:t>
+            </a:r>
+            <a:endParaRPr lang="zh-CN" altLang="en-US"/>
+          </a:p>
+          <a:p>
+            <a:pPr lvl="0"/>
+            <a:r>
+              <a:rPr lang="en-US" altLang="zh-CN"/>
+              <a:t>     </a:t>
+            </a:r>
+            <a:r>
+              <a:rPr lang="zh-CN" altLang="en-US">
+                <a:sym typeface="+mn-ea"/>
+              </a:rPr>
+              <a:t> 与审批应用无关，在自建应用里建立审批模板，通过应用前端</a:t>
+            </a:r>
+            <a:r>
+              <a:rPr lang="en-US" altLang="zh-CN">
+                <a:sym typeface="+mn-ea"/>
+              </a:rPr>
+              <a:t>jsdk</a:t>
+            </a:r>
+            <a:r>
+              <a:rPr lang="zh-CN" altLang="en-US">
+                <a:sym typeface="+mn-ea"/>
+              </a:rPr>
+              <a:t>发起审批，会发送消息到对应审批人，通过审批消息通知进行审批，审批的结果回调通知到应用</a:t>
+            </a:r>
+            <a:endParaRPr lang="zh-CN" altLang="en-US">
+              <a:sym typeface="+mn-ea"/>
+            </a:endParaRPr>
+          </a:p>
+          <a:p>
+            <a:pPr lvl="0"/>
+            <a:r>
+              <a:rPr lang="zh-CN" altLang="en-US">
+                <a:sym typeface="+mn-ea"/>
+              </a:rPr>
+              <a:t>      数据不会出现在企业微信的审批应用内</a:t>
+            </a:r>
+            <a:endParaRPr lang="zh-CN" altLang="en-US">
+              <a:sym typeface="+mn-ea"/>
+            </a:endParaRPr>
+          </a:p>
+          <a:p>
+            <a:pPr lvl="0"/>
+            <a:endParaRPr lang="zh-CN" altLang="en-US">
+              <a:sym typeface="+mn-ea"/>
+            </a:endParaRPr>
+          </a:p>
+          <a:p>
+            <a:pPr lvl="0"/>
+            <a:endParaRPr lang="zh-CN" altLang="en-US">
+              <a:sym typeface="+mn-ea"/>
+            </a:endParaRPr>
+          </a:p>
+          <a:p>
+            <a:pPr lvl="0"/>
+            <a:endParaRPr lang="zh-CN" altLang="en-US">
+              <a:sym typeface="+mn-ea"/>
+            </a:endParaRPr>
+          </a:p>
+        </p:txBody>
+      </p:sp>
+    </p:spTree>
+  </p:cSld>
+  <p:clrMapOvr>
+    <a:masterClrMapping/>
+  </p:clrMapOvr>
+</p:sld>
+</file>
+
+<file path=ppt/slides/slide38.xml><?xml version="1.0" encoding="utf-8"?>
+<p:sld xmlns:a="http://schemas.openxmlformats.org/drawingml/2006/main" xmlns:r="http://schemas.openxmlformats.org/officeDocument/2006/relationships" xmlns:p="http://schemas.openxmlformats.org/presentationml/2006/main">
+  <p:cSld>
+    <p:spTree>
+      <p:nvGrpSpPr>
+        <p:cNvPr id="1" name=""/>
+        <p:cNvGrpSpPr/>
+        <p:nvPr/>
+      </p:nvGrpSpPr>
+      <p:grpSpPr/>
+      <p:sp>
+        <p:nvSpPr>
+          <p:cNvPr id="2" name="标题 1"/>
+          <p:cNvSpPr>
+            <a:spLocks noGrp="1"/>
+          </p:cNvSpPr>
+          <p:nvPr>
+            <p:ph type="title"/>
+          </p:nvPr>
+        </p:nvSpPr>
+        <p:spPr>
+          <a:xfrm>
+            <a:off x="838200" y="248285"/>
+            <a:ext cx="10515600" cy="761365"/>
+          </a:xfrm>
+        </p:spPr>
+        <p:txBody>
+          <a:bodyPr>
+            <a:normAutofit/>
+          </a:bodyPr>
+          <a:p>
+            <a:r>
+              <a:rPr lang="zh-CN" altLang="en-US" sz="2400">
+                <a:latin typeface="苹方-简" panose="020B0400000000000000" charset="-122"/>
+                <a:ea typeface="苹方-简" panose="020B0400000000000000" charset="-122"/>
+              </a:rPr>
+              <a:t>客户管理</a:t>
+            </a:r>
+            <a:endParaRPr lang="zh-CN" altLang="en-US" sz="2400">
+              <a:latin typeface="苹方-简" panose="020B0400000000000000" charset="-122"/>
+              <a:ea typeface="苹方-简" panose="020B0400000000000000" charset="-122"/>
+            </a:endParaRPr>
+          </a:p>
+        </p:txBody>
+      </p:sp>
+      <p:sp>
+        <p:nvSpPr>
+          <p:cNvPr id="4" name="文本框 3"/>
+          <p:cNvSpPr txBox="1"/>
+          <p:nvPr/>
+        </p:nvSpPr>
+        <p:spPr>
+          <a:xfrm>
+            <a:off x="838200" y="1242060"/>
+            <a:ext cx="10609580" cy="1198880"/>
+          </a:xfrm>
+          <a:prstGeom prst="rect">
+            <a:avLst/>
+          </a:prstGeom>
+          <a:noFill/>
+        </p:spPr>
+        <p:txBody>
+          <a:bodyPr wrap="square" rtlCol="0">
+            <a:spAutoFit/>
+          </a:bodyPr>
+          <a:p>
+            <a:pPr lvl="0"/>
+            <a:r>
+              <a:rPr lang="en-US" altLang="zh-CN">
+                <a:sym typeface="+mn-ea"/>
+              </a:rPr>
+              <a:t>1 </a:t>
+            </a:r>
+            <a:r>
+              <a:rPr lang="zh-CN" altLang="en-US">
+                <a:sym typeface="+mn-ea"/>
+              </a:rPr>
+              <a:t>客户联系 客户，设置可调用应用</a:t>
+            </a:r>
+            <a:endParaRPr lang="zh-CN" altLang="en-US">
+              <a:sym typeface="+mn-ea"/>
+            </a:endParaRPr>
+          </a:p>
+          <a:p>
+            <a:pPr lvl="0"/>
+            <a:endParaRPr lang="zh-CN" altLang="en-US">
+              <a:sym typeface="+mn-ea"/>
+            </a:endParaRPr>
+          </a:p>
+          <a:p>
+            <a:pPr lvl="0"/>
+            <a:endParaRPr lang="zh-CN" altLang="en-US">
+              <a:sym typeface="+mn-ea"/>
+            </a:endParaRPr>
+          </a:p>
+          <a:p>
+            <a:pPr lvl="0"/>
+            <a:r>
+              <a:rPr lang="en-US" altLang="zh-CN">
+                <a:sym typeface="+mn-ea"/>
+              </a:rPr>
+              <a:t>2 </a:t>
+            </a:r>
+            <a:r>
+              <a:rPr lang="zh-CN" altLang="en-US">
+                <a:sym typeface="+mn-ea"/>
+              </a:rPr>
+              <a:t>配置 权限配置，</a:t>
+            </a:r>
+            <a:r>
+              <a:rPr lang="en-US" altLang="zh-CN">
+                <a:sym typeface="+mn-ea"/>
+              </a:rPr>
+              <a:t>配置使用范围和管理规则</a:t>
+            </a:r>
+            <a:endParaRPr lang="en-US" altLang="zh-CN">
+              <a:sym typeface="+mn-ea"/>
+            </a:endParaRPr>
+          </a:p>
+        </p:txBody>
+      </p:sp>
+    </p:spTree>
+  </p:cSld>
+  <p:clrMapOvr>
+    <a:masterClrMapping/>
+  </p:clrMapOvr>
+</p:sld>
+</file>
+
+<file path=ppt/slides/slide39.xml><?xml version="1.0" encoding="utf-8"?>
+<p:sld xmlns:a="http://schemas.openxmlformats.org/drawingml/2006/main" xmlns:r="http://schemas.openxmlformats.org/officeDocument/2006/relationships" xmlns:p="http://schemas.openxmlformats.org/presentationml/2006/main">
+  <p:cSld>
+    <p:spTree>
+      <p:nvGrpSpPr>
+        <p:cNvPr id="1" name=""/>
+        <p:cNvGrpSpPr/>
+        <p:nvPr/>
+      </p:nvGrpSpPr>
+      <p:grpSpPr/>
+      <p:sp>
+        <p:nvSpPr>
+          <p:cNvPr id="2" name="标题 1"/>
+          <p:cNvSpPr>
+            <a:spLocks noGrp="1"/>
+          </p:cNvSpPr>
+          <p:nvPr>
+            <p:ph type="title"/>
+          </p:nvPr>
+        </p:nvSpPr>
+        <p:spPr>
+          <a:xfrm>
+            <a:off x="838200" y="248285"/>
+            <a:ext cx="10515600" cy="761365"/>
+          </a:xfrm>
+        </p:spPr>
+        <p:txBody>
+          <a:bodyPr>
+            <a:normAutofit/>
+          </a:bodyPr>
+          <a:p>
+            <a:r>
+              <a:rPr lang="zh-CN" altLang="en-US" sz="2400">
+                <a:latin typeface="苹方-简" panose="020B0400000000000000" charset="-122"/>
+                <a:ea typeface="苹方-简" panose="020B0400000000000000" charset="-122"/>
+              </a:rPr>
+              <a:t>host配置及代理相关，小程序应用小程序开发工具及手机真机调试</a:t>
+            </a:r>
+            <a:endParaRPr lang="zh-CN" altLang="en-US" sz="2400">
+              <a:latin typeface="苹方-简" panose="020B0400000000000000" charset="-122"/>
+              <a:ea typeface="苹方-简" panose="020B0400000000000000" charset="-122"/>
+            </a:endParaRPr>
+          </a:p>
+        </p:txBody>
+      </p:sp>
+      <p:sp>
+        <p:nvSpPr>
+          <p:cNvPr id="4" name="文本框 3"/>
+          <p:cNvSpPr txBox="1"/>
+          <p:nvPr/>
+        </p:nvSpPr>
+        <p:spPr>
+          <a:xfrm>
+            <a:off x="838200" y="1242060"/>
+            <a:ext cx="10609580" cy="6462395"/>
+          </a:xfrm>
+          <a:prstGeom prst="rect">
+            <a:avLst/>
+          </a:prstGeom>
+          <a:noFill/>
+        </p:spPr>
+        <p:txBody>
+          <a:bodyPr wrap="square" rtlCol="0">
+            <a:spAutoFit/>
+          </a:bodyPr>
+          <a:p>
+            <a:pPr lvl="0"/>
+            <a:r>
+              <a:rPr lang="en-US" altLang="zh-CN" b="1">
+                <a:sym typeface="+mn-ea"/>
+              </a:rPr>
+              <a:t>host</a:t>
+            </a:r>
+            <a:r>
+              <a:rPr lang="zh-CN" altLang="en-US" b="1">
+                <a:sym typeface="+mn-ea"/>
+              </a:rPr>
+              <a:t>配置</a:t>
+            </a:r>
+            <a:endParaRPr lang="zh-CN" altLang="en-US"/>
+          </a:p>
+          <a:p>
+            <a:pPr lvl="0"/>
+            <a:r>
+              <a:rPr lang="en-US" altLang="zh-CN">
+                <a:sym typeface="+mn-ea"/>
+              </a:rPr>
+              <a:t>host</a:t>
+            </a:r>
+            <a:r>
+              <a:rPr lang="zh-CN" altLang="en-US">
+                <a:sym typeface="+mn-ea"/>
+              </a:rPr>
+              <a:t>概念</a:t>
+            </a:r>
+            <a:r>
+              <a:rPr lang="en-US" altLang="zh-CN">
+                <a:sym typeface="+mn-ea"/>
+              </a:rPr>
+              <a:t>:</a:t>
+            </a:r>
+            <a:endParaRPr lang="zh-CN" altLang="en-US"/>
+          </a:p>
+          <a:p>
+            <a:pPr lvl="0"/>
+            <a:r>
+              <a:rPr lang="en-US" altLang="zh-CN">
+                <a:sym typeface="+mn-ea"/>
+              </a:rPr>
+              <a:t>	</a:t>
+            </a:r>
+            <a:r>
+              <a:rPr lang="zh-CN" altLang="en-US">
+                <a:sym typeface="+mn-ea"/>
+              </a:rPr>
+              <a:t>用户在浏览器中输入一个网址时，系统会首先自动从Hosts文件中寻找对应的IP地址，一旦找到，系统会立即打开对应网页，如果没有找到，则系统再会将网址提交，进行DNS域名解析(比如常用的114.114.114.114),再获得相应的IP地址</a:t>
+            </a:r>
+            <a:endParaRPr lang="zh-CN" altLang="en-US"/>
+          </a:p>
+          <a:p>
+            <a:pPr lvl="0"/>
+            <a:r>
+              <a:rPr lang="en-US" altLang="zh-CN">
+                <a:sym typeface="+mn-ea"/>
+              </a:rPr>
+              <a:t>host</a:t>
+            </a:r>
+            <a:r>
+              <a:rPr lang="zh-CN" altLang="en-US">
+                <a:sym typeface="+mn-ea"/>
+              </a:rPr>
+              <a:t>工具：</a:t>
+            </a:r>
+            <a:endParaRPr lang="zh-CN" altLang="en-US"/>
+          </a:p>
+          <a:p>
+            <a:pPr lvl="0"/>
+            <a:r>
+              <a:rPr lang="en-US" altLang="zh-CN">
+                <a:sym typeface="+mn-ea"/>
+              </a:rPr>
+              <a:t>	</a:t>
+            </a:r>
+            <a:r>
+              <a:rPr lang="zh-CN" altLang="en-US">
+                <a:sym typeface="+mn-ea"/>
+              </a:rPr>
+              <a:t>https://github.com/oldj/SwitchHosts/releases</a:t>
+            </a:r>
+            <a:endParaRPr lang="zh-CN" altLang="en-US"/>
+          </a:p>
+          <a:p>
+            <a:pPr lvl="0"/>
+            <a:endParaRPr lang="zh-CN" altLang="en-US"/>
+          </a:p>
+          <a:p>
+            <a:pPr lvl="0"/>
+            <a:r>
+              <a:rPr lang="zh-CN" altLang="en-US" b="1">
+                <a:sym typeface="+mn-ea"/>
+              </a:rPr>
+              <a:t>代理设置</a:t>
+            </a:r>
+            <a:endParaRPr lang="zh-CN" altLang="en-US" b="1"/>
+          </a:p>
+          <a:p>
+            <a:pPr lvl="0"/>
+            <a:r>
+              <a:rPr lang="zh-CN" altLang="en-US">
+                <a:sym typeface="+mn-ea"/>
+              </a:rPr>
+              <a:t>代理概念：</a:t>
+            </a:r>
+            <a:endParaRPr lang="zh-CN" altLang="en-US"/>
+          </a:p>
+          <a:p>
+            <a:pPr lvl="0"/>
+            <a:r>
+              <a:rPr lang="en-US" altLang="zh-CN">
+                <a:sym typeface="+mn-ea"/>
+              </a:rPr>
+              <a:t>	在一般情况下，我们使用网络浏览器直接去连接其他Internet站点取得网络信息时，需送出Request信号来得到回答，然后对方再把信息以bit方式传送回来。代理服务器是介于浏览器和Web服务器之间的一台服务器，有了它之后，浏览器不是直接到Web服务器去取回网页而是向代理服务器发出请求， Request信号会先送到代理服务器，由代理服务器来取回浏览器所需要的信息并传送给你的浏览器。</a:t>
+            </a:r>
+            <a:endParaRPr lang="en-US" altLang="zh-CN"/>
+          </a:p>
+          <a:p>
+            <a:pPr lvl="0"/>
+            <a:endParaRPr lang="zh-CN" altLang="en-US"/>
+          </a:p>
+          <a:p>
+            <a:pPr lvl="0"/>
+            <a:r>
+              <a:rPr lang="zh-CN" altLang="en-US">
+                <a:sym typeface="+mn-ea"/>
+              </a:rPr>
+              <a:t>代理工具：</a:t>
+            </a:r>
+            <a:endParaRPr lang="zh-CN" altLang="en-US"/>
+          </a:p>
+          <a:p>
+            <a:pPr lvl="0"/>
+            <a:r>
+              <a:rPr lang="en-US" altLang="zh-CN">
+                <a:sym typeface="+mn-ea"/>
+              </a:rPr>
+              <a:t>	charles:https://www.charlesproxy.com/</a:t>
+            </a:r>
+            <a:endParaRPr lang="en-US" altLang="zh-CN">
+              <a:sym typeface="+mn-ea"/>
+            </a:endParaRPr>
+          </a:p>
+          <a:p>
+            <a:pPr lvl="0"/>
+            <a:endParaRPr lang="en-US" altLang="zh-CN">
+              <a:sym typeface="+mn-ea"/>
+            </a:endParaRPr>
+          </a:p>
+          <a:p>
+            <a:pPr lvl="0"/>
+            <a:r>
+              <a:rPr lang="zh-CN" altLang="en-US"/>
+              <a:t>手机和电脑同一局域网</a:t>
+            </a:r>
+            <a:endParaRPr lang="en-US" altLang="zh-CN"/>
+          </a:p>
+          <a:p>
+            <a:pPr lvl="0"/>
+            <a:endParaRPr lang="zh-CN" altLang="en-US"/>
+          </a:p>
+          <a:p>
+            <a:pPr lvl="0"/>
+            <a:endParaRPr lang="zh-CN" altLang="en-US"/>
+          </a:p>
+          <a:p>
+            <a:pPr lvl="0"/>
+            <a:endParaRPr lang="zh-CN" altLang="en-US"/>
+          </a:p>
+          <a:p>
+            <a:pPr lvl="0"/>
+            <a:endParaRPr lang="en-US" altLang="zh-CN">
+              <a:sym typeface="+mn-ea"/>
+            </a:endParaRPr>
+          </a:p>
+        </p:txBody>
+      </p:sp>
+    </p:spTree>
   </p:cSld>
   <p:clrMapOvr>
     <a:masterClrMapping/>
@@ -6168,6 +10618,409 @@
                 <a:srgbClr val="FF0000"/>
               </a:solidFill>
               <a:sym typeface="+mn-ea"/>
+            </a:endParaRPr>
+          </a:p>
+        </p:txBody>
+      </p:sp>
+    </p:spTree>
+  </p:cSld>
+  <p:clrMapOvr>
+    <a:masterClrMapping/>
+  </p:clrMapOvr>
+</p:sld>
+</file>
+
+<file path=ppt/slides/slide40.xml><?xml version="1.0" encoding="utf-8"?>
+<p:sld xmlns:a="http://schemas.openxmlformats.org/drawingml/2006/main" xmlns:r="http://schemas.openxmlformats.org/officeDocument/2006/relationships" xmlns:p="http://schemas.openxmlformats.org/presentationml/2006/main">
+  <p:cSld>
+    <p:spTree>
+      <p:nvGrpSpPr>
+        <p:cNvPr id="1" name=""/>
+        <p:cNvGrpSpPr/>
+        <p:nvPr/>
+      </p:nvGrpSpPr>
+      <p:grpSpPr/>
+      <p:sp>
+        <p:nvSpPr>
+          <p:cNvPr id="2" name="标题 1"/>
+          <p:cNvSpPr>
+            <a:spLocks noGrp="1"/>
+          </p:cNvSpPr>
+          <p:nvPr>
+            <p:ph type="title"/>
+          </p:nvPr>
+        </p:nvSpPr>
+        <p:spPr>
+          <a:xfrm>
+            <a:off x="838200" y="480695"/>
+            <a:ext cx="10515600" cy="761365"/>
+          </a:xfrm>
+        </p:spPr>
+        <p:txBody>
+          <a:bodyPr>
+            <a:normAutofit/>
+          </a:bodyPr>
+          <a:p>
+            <a:r>
+              <a:rPr lang="zh-CN" altLang="en-US" sz="2400">
+                <a:latin typeface="苹方-简" panose="020B0400000000000000" charset="-122"/>
+                <a:ea typeface="苹方-简" panose="020B0400000000000000" charset="-122"/>
+              </a:rPr>
+              <a:t>host配置及代理相关，小程序应用如何本地及真机调试，及</a:t>
+            </a:r>
+            <a:r>
+              <a:rPr lang="en-US" altLang="zh-CN" sz="2400">
+                <a:latin typeface="苹方-简" panose="020B0400000000000000" charset="-122"/>
+                <a:ea typeface="苹方-简" panose="020B0400000000000000" charset="-122"/>
+              </a:rPr>
+              <a:t>api</a:t>
+            </a:r>
+            <a:r>
+              <a:rPr lang="zh-CN" altLang="en-US" sz="2400">
+                <a:latin typeface="苹方-简" panose="020B0400000000000000" charset="-122"/>
+                <a:ea typeface="苹方-简" panose="020B0400000000000000" charset="-122"/>
+              </a:rPr>
+              <a:t>如何调试</a:t>
+            </a:r>
+            <a:endParaRPr lang="zh-CN" altLang="en-US" sz="2400">
+              <a:latin typeface="苹方-简" panose="020B0400000000000000" charset="-122"/>
+              <a:ea typeface="苹方-简" panose="020B0400000000000000" charset="-122"/>
+            </a:endParaRPr>
+          </a:p>
+        </p:txBody>
+      </p:sp>
+      <p:pic>
+        <p:nvPicPr>
+          <p:cNvPr id="3" name="图片 2" descr="屏幕快照 2021-11-14 下午10.21.41"/>
+          <p:cNvPicPr>
+            <a:picLocks noChangeAspect="1"/>
+          </p:cNvPicPr>
+          <p:nvPr/>
+        </p:nvPicPr>
+        <p:blipFill>
+          <a:blip r:embed="rId1"/>
+          <a:stretch>
+            <a:fillRect/>
+          </a:stretch>
+        </p:blipFill>
+        <p:spPr>
+          <a:xfrm>
+            <a:off x="969645" y="1310005"/>
+            <a:ext cx="10058400" cy="6301105"/>
+          </a:xfrm>
+          <a:prstGeom prst="rect">
+            <a:avLst/>
+          </a:prstGeom>
+        </p:spPr>
+      </p:pic>
+    </p:spTree>
+  </p:cSld>
+  <p:clrMapOvr>
+    <a:masterClrMapping/>
+  </p:clrMapOvr>
+</p:sld>
+</file>
+
+<file path=ppt/slides/slide41.xml><?xml version="1.0" encoding="utf-8"?>
+<p:sld xmlns:a="http://schemas.openxmlformats.org/drawingml/2006/main" xmlns:r="http://schemas.openxmlformats.org/officeDocument/2006/relationships" xmlns:p="http://schemas.openxmlformats.org/presentationml/2006/main">
+  <p:cSld>
+    <p:spTree>
+      <p:nvGrpSpPr>
+        <p:cNvPr id="1" name=""/>
+        <p:cNvGrpSpPr/>
+        <p:nvPr/>
+      </p:nvGrpSpPr>
+      <p:grpSpPr/>
+      <p:sp>
+        <p:nvSpPr>
+          <p:cNvPr id="2" name="标题 1"/>
+          <p:cNvSpPr>
+            <a:spLocks noGrp="1"/>
+          </p:cNvSpPr>
+          <p:nvPr>
+            <p:ph type="title"/>
+          </p:nvPr>
+        </p:nvSpPr>
+        <p:spPr>
+          <a:xfrm>
+            <a:off x="838200" y="480695"/>
+            <a:ext cx="10515600" cy="761365"/>
+          </a:xfrm>
+        </p:spPr>
+        <p:txBody>
+          <a:bodyPr>
+            <a:normAutofit/>
+          </a:bodyPr>
+          <a:p>
+            <a:r>
+              <a:rPr lang="en-US" altLang="zh-CN" sz="2400">
+                <a:latin typeface="苹方-简" panose="020B0400000000000000" charset="-122"/>
+                <a:ea typeface="苹方-简" panose="020B0400000000000000" charset="-122"/>
+              </a:rPr>
+              <a:t>ToB Dev</a:t>
+            </a:r>
+            <a:r>
+              <a:rPr lang="zh-CN" altLang="en-US" sz="2400">
+                <a:latin typeface="苹方-简" panose="020B0400000000000000" charset="-122"/>
+                <a:ea typeface="苹方-简" panose="020B0400000000000000" charset="-122"/>
+              </a:rPr>
+              <a:t>自建内部应用</a:t>
+            </a:r>
+            <a:r>
+              <a:rPr lang="en-US" altLang="zh-CN" sz="2400">
+                <a:latin typeface="苹方-简" panose="020B0400000000000000" charset="-122"/>
+                <a:ea typeface="苹方-简" panose="020B0400000000000000" charset="-122"/>
+              </a:rPr>
+              <a:t>Demo</a:t>
+            </a:r>
+            <a:r>
+              <a:rPr lang="zh-CN" altLang="en-US" sz="2400">
+                <a:latin typeface="苹方-简" panose="020B0400000000000000" charset="-122"/>
+                <a:ea typeface="苹方-简" panose="020B0400000000000000" charset="-122"/>
+              </a:rPr>
+              <a:t>源码地址、</a:t>
+            </a:r>
+            <a:r>
+              <a:rPr lang="en-US" altLang="zh-CN" sz="2400">
+                <a:latin typeface="苹方-简" panose="020B0400000000000000" charset="-122"/>
+                <a:ea typeface="苹方-简" panose="020B0400000000000000" charset="-122"/>
+              </a:rPr>
+              <a:t>Demo</a:t>
+            </a:r>
+            <a:r>
+              <a:rPr lang="zh-CN" altLang="en-US" sz="2400">
+                <a:latin typeface="苹方-简" panose="020B0400000000000000" charset="-122"/>
+                <a:ea typeface="苹方-简" panose="020B0400000000000000" charset="-122"/>
+                <a:sym typeface="+mn-ea"/>
+              </a:rPr>
+              <a:t>在线</a:t>
+            </a:r>
+            <a:r>
+              <a:rPr lang="zh-CN" altLang="en-US" sz="2400">
+                <a:latin typeface="苹方-简" panose="020B0400000000000000" charset="-122"/>
+                <a:ea typeface="苹方-简" panose="020B0400000000000000" charset="-122"/>
+              </a:rPr>
+              <a:t>地址</a:t>
+            </a:r>
+            <a:endParaRPr lang="zh-CN" altLang="en-US" sz="2400">
+              <a:latin typeface="苹方-简" panose="020B0400000000000000" charset="-122"/>
+              <a:ea typeface="苹方-简" panose="020B0400000000000000" charset="-122"/>
+            </a:endParaRPr>
+          </a:p>
+        </p:txBody>
+      </p:sp>
+      <p:sp>
+        <p:nvSpPr>
+          <p:cNvPr id="4" name="标题 1"/>
+          <p:cNvSpPr>
+            <a:spLocks noGrp="1"/>
+          </p:cNvSpPr>
+          <p:nvPr/>
+        </p:nvSpPr>
+        <p:spPr>
+          <a:xfrm>
+            <a:off x="965200" y="2238375"/>
+            <a:ext cx="10515600" cy="4045585"/>
+          </a:xfrm>
+          <a:prstGeom prst="rect">
+            <a:avLst/>
+          </a:prstGeom>
+        </p:spPr>
+        <p:txBody>
+          <a:bodyPr vert="horz" lIns="91440" tIns="45720" rIns="91440" bIns="45720" rtlCol="0" anchor="ctr">
+            <a:normAutofit/>
+          </a:bodyPr>
+          <a:lstStyle>
+            <a:lvl1pPr algn="l" defTabSz="914400" rtl="0" eaLnBrk="1" latinLnBrk="0" hangingPunct="1">
+              <a:lnSpc>
+                <a:spcPct val="90000"/>
+              </a:lnSpc>
+              <a:spcBef>
+                <a:spcPct val="0"/>
+              </a:spcBef>
+              <a:buNone/>
+              <a:defRPr sz="4400" kern="1200">
+                <a:solidFill>
+                  <a:schemeClr val="tx1"/>
+                </a:solidFill>
+                <a:latin typeface="+mj-lt"/>
+                <a:ea typeface="+mj-ea"/>
+                <a:cs typeface="+mj-cs"/>
+              </a:defRPr>
+            </a:lvl1pPr>
+          </a:lstStyle>
+          <a:p>
+            <a:r>
+              <a:rPr lang="zh-CN" altLang="en-US" sz="2400">
+                <a:latin typeface="苹方-简" panose="020B0400000000000000" charset="-122"/>
+                <a:ea typeface="苹方-简" panose="020B0400000000000000" charset="-122"/>
+              </a:rPr>
+              <a:t>自建内部应用</a:t>
+            </a:r>
+            <a:r>
+              <a:rPr lang="en-US" altLang="zh-CN" sz="2400">
+                <a:latin typeface="苹方-简" panose="020B0400000000000000" charset="-122"/>
+                <a:ea typeface="苹方-简" panose="020B0400000000000000" charset="-122"/>
+              </a:rPr>
+              <a:t>D</a:t>
+            </a:r>
+            <a:r>
+              <a:rPr lang="zh-CN" altLang="en-US" sz="2400">
+                <a:latin typeface="苹方-简" panose="020B0400000000000000" charset="-122"/>
+                <a:ea typeface="苹方-简" panose="020B0400000000000000" charset="-122"/>
+              </a:rPr>
+              <a:t>emo源码：</a:t>
+            </a:r>
+            <a:endParaRPr lang="zh-CN" altLang="en-US" sz="2400">
+              <a:latin typeface="苹方-简" panose="020B0400000000000000" charset="-122"/>
+              <a:ea typeface="苹方-简" panose="020B0400000000000000" charset="-122"/>
+            </a:endParaRPr>
+          </a:p>
+          <a:p>
+            <a:r>
+              <a:rPr lang="zh-CN" altLang="en-US" sz="2400">
+                <a:latin typeface="苹方-简" panose="020B0400000000000000" charset="-122"/>
+                <a:ea typeface="苹方-简" panose="020B0400000000000000" charset="-122"/>
+              </a:rPr>
+              <a:t>前端vite+vuejs:</a:t>
+            </a:r>
+            <a:endParaRPr lang="zh-CN" altLang="en-US" sz="2400">
+              <a:latin typeface="苹方-简" panose="020B0400000000000000" charset="-122"/>
+              <a:ea typeface="苹方-简" panose="020B0400000000000000" charset="-122"/>
+            </a:endParaRPr>
+          </a:p>
+          <a:p>
+            <a:r>
+              <a:rPr lang="zh-CN" altLang="en-US" sz="2400">
+                <a:latin typeface="苹方-简" panose="020B0400000000000000" charset="-122"/>
+                <a:ea typeface="苹方-简" panose="020B0400000000000000" charset="-122"/>
+              </a:rPr>
+              <a:t>https://github.com/liyuexi/qywx-vuejs</a:t>
+            </a:r>
+            <a:endParaRPr lang="zh-CN" altLang="en-US" sz="2400">
+              <a:latin typeface="苹方-简" panose="020B0400000000000000" charset="-122"/>
+              <a:ea typeface="苹方-简" panose="020B0400000000000000" charset="-122"/>
+            </a:endParaRPr>
+          </a:p>
+          <a:p>
+            <a:r>
+              <a:rPr lang="zh-CN" altLang="en-US" sz="2400">
+                <a:latin typeface="苹方-简" panose="020B0400000000000000" charset="-122"/>
+                <a:ea typeface="苹方-简" panose="020B0400000000000000" charset="-122"/>
+              </a:rPr>
+              <a:t>https://gitee.com/liyuexi/qywx-vuejs</a:t>
+            </a:r>
+            <a:endParaRPr lang="zh-CN" altLang="en-US" sz="2400">
+              <a:latin typeface="苹方-简" panose="020B0400000000000000" charset="-122"/>
+              <a:ea typeface="苹方-简" panose="020B0400000000000000" charset="-122"/>
+            </a:endParaRPr>
+          </a:p>
+          <a:p>
+            <a:r>
+              <a:rPr lang="zh-CN" altLang="en-US" sz="2400">
+                <a:latin typeface="苹方-简" panose="020B0400000000000000" charset="-122"/>
+                <a:ea typeface="苹方-简" panose="020B0400000000000000" charset="-122"/>
+              </a:rPr>
+              <a:t>后端java+springboot:</a:t>
+            </a:r>
+            <a:endParaRPr lang="zh-CN" altLang="en-US" sz="2400">
+              <a:latin typeface="苹方-简" panose="020B0400000000000000" charset="-122"/>
+              <a:ea typeface="苹方-简" panose="020B0400000000000000" charset="-122"/>
+            </a:endParaRPr>
+          </a:p>
+          <a:p>
+            <a:r>
+              <a:rPr lang="zh-CN" altLang="en-US" sz="2400">
+                <a:latin typeface="苹方-简" panose="020B0400000000000000" charset="-122"/>
+                <a:ea typeface="苹方-简" panose="020B0400000000000000" charset="-122"/>
+              </a:rPr>
+              <a:t>https://github.com/liyuexi/qywx-inner-java</a:t>
+            </a:r>
+            <a:endParaRPr lang="zh-CN" altLang="en-US" sz="2400">
+              <a:latin typeface="苹方-简" panose="020B0400000000000000" charset="-122"/>
+              <a:ea typeface="苹方-简" panose="020B0400000000000000" charset="-122"/>
+            </a:endParaRPr>
+          </a:p>
+          <a:p>
+            <a:r>
+              <a:rPr lang="zh-CN" altLang="en-US" sz="2400">
+                <a:latin typeface="苹方-简" panose="020B0400000000000000" charset="-122"/>
+                <a:ea typeface="苹方-简" panose="020B0400000000000000" charset="-122"/>
+              </a:rPr>
+              <a:t>https://gitee.com/liyuexi/qywx-inner-java</a:t>
+            </a:r>
+            <a:endParaRPr lang="zh-CN" altLang="en-US" sz="2400">
+              <a:latin typeface="苹方-简" panose="020B0400000000000000" charset="-122"/>
+              <a:ea typeface="苹方-简" panose="020B0400000000000000" charset="-122"/>
+            </a:endParaRPr>
+          </a:p>
+          <a:p>
+            <a:endParaRPr lang="zh-CN" altLang="en-US" sz="2400">
+              <a:latin typeface="苹方-简" panose="020B0400000000000000" charset="-122"/>
+              <a:ea typeface="苹方-简" panose="020B0400000000000000" charset="-122"/>
+            </a:endParaRPr>
+          </a:p>
+          <a:p>
+            <a:r>
+              <a:rPr lang="zh-CN" altLang="en-US" sz="2400">
+                <a:latin typeface="苹方-简" panose="020B0400000000000000" charset="-122"/>
+                <a:ea typeface="苹方-简" panose="020B0400000000000000" charset="-122"/>
+                <a:sym typeface="+mn-ea"/>
+              </a:rPr>
+              <a:t>自建内部应用</a:t>
+            </a:r>
+            <a:r>
+              <a:rPr lang="en-US" altLang="zh-CN" sz="2400">
+                <a:latin typeface="苹方-简" panose="020B0400000000000000" charset="-122"/>
+                <a:ea typeface="苹方-简" panose="020B0400000000000000" charset="-122"/>
+                <a:sym typeface="+mn-ea"/>
+              </a:rPr>
+              <a:t>D</a:t>
+            </a:r>
+            <a:r>
+              <a:rPr lang="zh-CN" altLang="en-US" sz="2400">
+                <a:latin typeface="苹方-简" panose="020B0400000000000000" charset="-122"/>
+                <a:ea typeface="苹方-简" panose="020B0400000000000000" charset="-122"/>
+                <a:sym typeface="+mn-ea"/>
+              </a:rPr>
+              <a:t>emo在线地址</a:t>
+            </a:r>
+            <a:endParaRPr lang="zh-CN" altLang="en-US" sz="2400">
+              <a:latin typeface="苹方-简" panose="020B0400000000000000" charset="-122"/>
+              <a:ea typeface="苹方-简" panose="020B0400000000000000" charset="-122"/>
+              <a:sym typeface="+mn-ea"/>
+            </a:endParaRPr>
+          </a:p>
+          <a:p>
+            <a:r>
+              <a:rPr lang="zh-CN" altLang="en-US" sz="2400">
+                <a:latin typeface="苹方-简" panose="020B0400000000000000" charset="-122"/>
+                <a:ea typeface="苹方-简" panose="020B0400000000000000" charset="-122"/>
+              </a:rPr>
+              <a:t>http://h5test.tobdev.com</a:t>
+            </a:r>
+            <a:endParaRPr lang="zh-CN" altLang="en-US" sz="2400">
+              <a:latin typeface="苹方-简" panose="020B0400000000000000" charset="-122"/>
+              <a:ea typeface="苹方-简" panose="020B0400000000000000" charset="-122"/>
+            </a:endParaRPr>
+          </a:p>
+          <a:p>
+            <a:r>
+              <a:rPr lang="zh-CN" altLang="en-US" sz="2400">
+                <a:latin typeface="苹方-简" panose="020B0400000000000000" charset="-122"/>
+                <a:ea typeface="苹方-简" panose="020B0400000000000000" charset="-122"/>
+              </a:rPr>
+              <a:t>自己创建测试公司，创建应用，设置应用参数即可使用</a:t>
+            </a:r>
+            <a:endParaRPr lang="zh-CN" altLang="en-US" sz="2400">
+              <a:latin typeface="苹方-简" panose="020B0400000000000000" charset="-122"/>
+              <a:ea typeface="苹方-简" panose="020B0400000000000000" charset="-122"/>
+            </a:endParaRPr>
+          </a:p>
+          <a:p>
+            <a:endParaRPr lang="zh-CN" altLang="en-US" sz="2400">
+              <a:latin typeface="苹方-简" panose="020B0400000000000000" charset="-122"/>
+              <a:ea typeface="苹方-简" panose="020B0400000000000000" charset="-122"/>
             </a:endParaRPr>
           </a:p>
         </p:txBody>

--- a/企业微信开发自建内部应用篇.pptx
+++ b/企业微信开发自建内部应用篇.pptx
@@ -46,6 +46,7 @@
     <p:sldId id="311" r:id="rId41"/>
     <p:sldId id="312" r:id="rId42"/>
     <p:sldId id="313" r:id="rId43"/>
+    <p:sldId id="314" r:id="rId44"/>
   </p:sldIdLst>
   <p:sldSz cx="12192000" cy="6858000"/>
   <p:notesSz cx="7103745" cy="10234295"/>
@@ -172,6 +173,9 @@
           </p:cNvSpPr>
           <p:nvPr>
             <p:ph type="ctrTitle"/>
+            <p:custDataLst>
+              <p:tags r:id="rId2"/>
+            </p:custDataLst>
           </p:nvPr>
         </p:nvSpPr>
         <p:spPr>
@@ -204,6 +208,9 @@
           </p:cNvSpPr>
           <p:nvPr>
             <p:ph type="subTitle" idx="1"/>
+            <p:custDataLst>
+              <p:tags r:id="rId3"/>
+            </p:custDataLst>
           </p:nvPr>
         </p:nvSpPr>
         <p:spPr>
@@ -269,6 +276,9 @@
           </p:cNvSpPr>
           <p:nvPr>
             <p:ph type="dt" sz="half" idx="10"/>
+            <p:custDataLst>
+              <p:tags r:id="rId4"/>
+            </p:custDataLst>
           </p:nvPr>
         </p:nvSpPr>
         <p:spPr/>
@@ -291,6 +301,9 @@
           </p:cNvSpPr>
           <p:nvPr>
             <p:ph type="ftr" sz="quarter" idx="11"/>
+            <p:custDataLst>
+              <p:tags r:id="rId5"/>
+            </p:custDataLst>
           </p:nvPr>
         </p:nvSpPr>
         <p:spPr/>
@@ -310,6 +323,9 @@
           </p:cNvSpPr>
           <p:nvPr>
             <p:ph type="sldNum" sz="quarter" idx="12"/>
+            <p:custDataLst>
+              <p:tags r:id="rId6"/>
+            </p:custDataLst>
           </p:nvPr>
         </p:nvSpPr>
         <p:spPr/>
@@ -506,6 +522,9 @@
           </p:cNvSpPr>
           <p:nvPr>
             <p:ph type="title"/>
+            <p:custDataLst>
+              <p:tags r:id="rId2"/>
+            </p:custDataLst>
           </p:nvPr>
         </p:nvSpPr>
         <p:spPr/>
@@ -529,6 +548,9 @@
           </p:cNvSpPr>
           <p:nvPr>
             <p:ph idx="1"/>
+            <p:custDataLst>
+              <p:tags r:id="rId3"/>
+            </p:custDataLst>
           </p:nvPr>
         </p:nvSpPr>
         <p:spPr/>
@@ -585,6 +607,9 @@
           </p:cNvSpPr>
           <p:nvPr>
             <p:ph type="dt" sz="half" idx="10"/>
+            <p:custDataLst>
+              <p:tags r:id="rId4"/>
+            </p:custDataLst>
           </p:nvPr>
         </p:nvSpPr>
         <p:spPr/>
@@ -607,6 +632,9 @@
           </p:cNvSpPr>
           <p:nvPr>
             <p:ph type="ftr" sz="quarter" idx="11"/>
+            <p:custDataLst>
+              <p:tags r:id="rId5"/>
+            </p:custDataLst>
           </p:nvPr>
         </p:nvSpPr>
         <p:spPr/>
@@ -626,6 +654,9 @@
           </p:cNvSpPr>
           <p:nvPr>
             <p:ph type="sldNum" sz="quarter" idx="12"/>
+            <p:custDataLst>
+              <p:tags r:id="rId6"/>
+            </p:custDataLst>
           </p:nvPr>
         </p:nvSpPr>
         <p:spPr/>
@@ -673,6 +704,9 @@
           </p:cNvSpPr>
           <p:nvPr>
             <p:ph type="title"/>
+            <p:custDataLst>
+              <p:tags r:id="rId2"/>
+            </p:custDataLst>
           </p:nvPr>
         </p:nvSpPr>
         <p:spPr>
@@ -705,6 +739,9 @@
           </p:cNvSpPr>
           <p:nvPr>
             <p:ph type="body" idx="1"/>
+            <p:custDataLst>
+              <p:tags r:id="rId3"/>
+            </p:custDataLst>
           </p:nvPr>
         </p:nvSpPr>
         <p:spPr>
@@ -825,6 +862,9 @@
           </p:cNvSpPr>
           <p:nvPr>
             <p:ph type="dt" sz="half" idx="10"/>
+            <p:custDataLst>
+              <p:tags r:id="rId4"/>
+            </p:custDataLst>
           </p:nvPr>
         </p:nvSpPr>
         <p:spPr/>
@@ -847,6 +887,9 @@
           </p:cNvSpPr>
           <p:nvPr>
             <p:ph type="ftr" sz="quarter" idx="11"/>
+            <p:custDataLst>
+              <p:tags r:id="rId5"/>
+            </p:custDataLst>
           </p:nvPr>
         </p:nvSpPr>
         <p:spPr/>
@@ -866,6 +909,9 @@
           </p:cNvSpPr>
           <p:nvPr>
             <p:ph type="sldNum" sz="quarter" idx="12"/>
+            <p:custDataLst>
+              <p:tags r:id="rId6"/>
+            </p:custDataLst>
           </p:nvPr>
         </p:nvSpPr>
         <p:spPr/>
@@ -913,6 +959,9 @@
           </p:cNvSpPr>
           <p:nvPr>
             <p:ph type="title"/>
+            <p:custDataLst>
+              <p:tags r:id="rId2"/>
+            </p:custDataLst>
           </p:nvPr>
         </p:nvSpPr>
         <p:spPr/>
@@ -936,6 +985,9 @@
           </p:cNvSpPr>
           <p:nvPr>
             <p:ph sz="half" idx="1"/>
+            <p:custDataLst>
+              <p:tags r:id="rId3"/>
+            </p:custDataLst>
           </p:nvPr>
         </p:nvSpPr>
         <p:spPr>
@@ -997,6 +1049,9 @@
           </p:cNvSpPr>
           <p:nvPr>
             <p:ph sz="half" idx="2"/>
+            <p:custDataLst>
+              <p:tags r:id="rId4"/>
+            </p:custDataLst>
           </p:nvPr>
         </p:nvSpPr>
         <p:spPr>
@@ -1058,6 +1113,9 @@
           </p:cNvSpPr>
           <p:nvPr>
             <p:ph type="dt" sz="half" idx="10"/>
+            <p:custDataLst>
+              <p:tags r:id="rId5"/>
+            </p:custDataLst>
           </p:nvPr>
         </p:nvSpPr>
         <p:spPr/>
@@ -1080,6 +1138,9 @@
           </p:cNvSpPr>
           <p:nvPr>
             <p:ph type="ftr" sz="quarter" idx="11"/>
+            <p:custDataLst>
+              <p:tags r:id="rId6"/>
+            </p:custDataLst>
           </p:nvPr>
         </p:nvSpPr>
         <p:spPr/>
@@ -1099,6 +1160,9 @@
           </p:cNvSpPr>
           <p:nvPr>
             <p:ph type="sldNum" sz="quarter" idx="12"/>
+            <p:custDataLst>
+              <p:tags r:id="rId7"/>
+            </p:custDataLst>
           </p:nvPr>
         </p:nvSpPr>
         <p:spPr/>
@@ -1146,6 +1210,9 @@
           </p:cNvSpPr>
           <p:nvPr>
             <p:ph type="title"/>
+            <p:custDataLst>
+              <p:tags r:id="rId2"/>
+            </p:custDataLst>
           </p:nvPr>
         </p:nvSpPr>
         <p:spPr>
@@ -1174,6 +1241,9 @@
           </p:cNvSpPr>
           <p:nvPr>
             <p:ph type="body" idx="1"/>
+            <p:custDataLst>
+              <p:tags r:id="rId3"/>
+            </p:custDataLst>
           </p:nvPr>
         </p:nvSpPr>
         <p:spPr>
@@ -1240,6 +1310,9 @@
           </p:cNvSpPr>
           <p:nvPr>
             <p:ph sz="half" idx="2"/>
+            <p:custDataLst>
+              <p:tags r:id="rId4"/>
+            </p:custDataLst>
           </p:nvPr>
         </p:nvSpPr>
         <p:spPr>
@@ -1301,6 +1374,9 @@
           </p:cNvSpPr>
           <p:nvPr>
             <p:ph type="body" sz="quarter" idx="3"/>
+            <p:custDataLst>
+              <p:tags r:id="rId5"/>
+            </p:custDataLst>
           </p:nvPr>
         </p:nvSpPr>
         <p:spPr>
@@ -1367,6 +1443,9 @@
           </p:cNvSpPr>
           <p:nvPr>
             <p:ph sz="quarter" idx="4"/>
+            <p:custDataLst>
+              <p:tags r:id="rId6"/>
+            </p:custDataLst>
           </p:nvPr>
         </p:nvSpPr>
         <p:spPr>
@@ -1428,6 +1507,9 @@
           </p:cNvSpPr>
           <p:nvPr>
             <p:ph type="dt" sz="half" idx="10"/>
+            <p:custDataLst>
+              <p:tags r:id="rId7"/>
+            </p:custDataLst>
           </p:nvPr>
         </p:nvSpPr>
         <p:spPr/>
@@ -1450,6 +1532,9 @@
           </p:cNvSpPr>
           <p:nvPr>
             <p:ph type="ftr" sz="quarter" idx="11"/>
+            <p:custDataLst>
+              <p:tags r:id="rId8"/>
+            </p:custDataLst>
           </p:nvPr>
         </p:nvSpPr>
         <p:spPr/>
@@ -1469,6 +1554,9 @@
           </p:cNvSpPr>
           <p:nvPr>
             <p:ph type="sldNum" sz="quarter" idx="12"/>
+            <p:custDataLst>
+              <p:tags r:id="rId9"/>
+            </p:custDataLst>
           </p:nvPr>
         </p:nvSpPr>
         <p:spPr/>
@@ -1516,6 +1604,9 @@
           </p:cNvSpPr>
           <p:nvPr>
             <p:ph type="title"/>
+            <p:custDataLst>
+              <p:tags r:id="rId2"/>
+            </p:custDataLst>
           </p:nvPr>
         </p:nvSpPr>
         <p:spPr/>
@@ -1539,6 +1630,9 @@
           </p:cNvSpPr>
           <p:nvPr>
             <p:ph type="dt" sz="half" idx="10"/>
+            <p:custDataLst>
+              <p:tags r:id="rId3"/>
+            </p:custDataLst>
           </p:nvPr>
         </p:nvSpPr>
         <p:spPr/>
@@ -1561,6 +1655,9 @@
           </p:cNvSpPr>
           <p:nvPr>
             <p:ph type="ftr" sz="quarter" idx="11"/>
+            <p:custDataLst>
+              <p:tags r:id="rId4"/>
+            </p:custDataLst>
           </p:nvPr>
         </p:nvSpPr>
         <p:spPr/>
@@ -1580,6 +1677,9 @@
           </p:cNvSpPr>
           <p:nvPr>
             <p:ph type="sldNum" sz="quarter" idx="12"/>
+            <p:custDataLst>
+              <p:tags r:id="rId5"/>
+            </p:custDataLst>
           </p:nvPr>
         </p:nvSpPr>
         <p:spPr/>
@@ -1627,6 +1727,9 @@
           </p:cNvSpPr>
           <p:nvPr>
             <p:ph type="dt" sz="half" idx="10"/>
+            <p:custDataLst>
+              <p:tags r:id="rId2"/>
+            </p:custDataLst>
           </p:nvPr>
         </p:nvSpPr>
         <p:spPr/>
@@ -1649,6 +1752,9 @@
           </p:cNvSpPr>
           <p:nvPr>
             <p:ph type="ftr" sz="quarter" idx="11"/>
+            <p:custDataLst>
+              <p:tags r:id="rId3"/>
+            </p:custDataLst>
           </p:nvPr>
         </p:nvSpPr>
         <p:spPr/>
@@ -1668,6 +1774,9 @@
           </p:cNvSpPr>
           <p:nvPr>
             <p:ph type="sldNum" sz="quarter" idx="12"/>
+            <p:custDataLst>
+              <p:tags r:id="rId4"/>
+            </p:custDataLst>
           </p:nvPr>
         </p:nvSpPr>
         <p:spPr/>
@@ -1715,6 +1824,9 @@
           </p:cNvSpPr>
           <p:nvPr>
             <p:ph type="title"/>
+            <p:custDataLst>
+              <p:tags r:id="rId2"/>
+            </p:custDataLst>
           </p:nvPr>
         </p:nvSpPr>
         <p:spPr>
@@ -1747,6 +1859,9 @@
           </p:cNvSpPr>
           <p:nvPr>
             <p:ph type="pic" idx="1"/>
+            <p:custDataLst>
+              <p:tags r:id="rId3"/>
+            </p:custDataLst>
           </p:nvPr>
         </p:nvSpPr>
         <p:spPr>
@@ -1808,6 +1923,9 @@
           </p:cNvSpPr>
           <p:nvPr>
             <p:ph type="body" sz="half" idx="2"/>
+            <p:custDataLst>
+              <p:tags r:id="rId4"/>
+            </p:custDataLst>
           </p:nvPr>
         </p:nvSpPr>
         <p:spPr>
@@ -1874,6 +1992,9 @@
           </p:cNvSpPr>
           <p:nvPr>
             <p:ph type="dt" sz="half" idx="10"/>
+            <p:custDataLst>
+              <p:tags r:id="rId5"/>
+            </p:custDataLst>
           </p:nvPr>
         </p:nvSpPr>
         <p:spPr/>
@@ -1896,6 +2017,9 @@
           </p:cNvSpPr>
           <p:nvPr>
             <p:ph type="ftr" sz="quarter" idx="11"/>
+            <p:custDataLst>
+              <p:tags r:id="rId6"/>
+            </p:custDataLst>
           </p:nvPr>
         </p:nvSpPr>
         <p:spPr/>
@@ -1915,6 +2039,9 @@
           </p:cNvSpPr>
           <p:nvPr>
             <p:ph type="sldNum" sz="quarter" idx="12"/>
+            <p:custDataLst>
+              <p:tags r:id="rId7"/>
+            </p:custDataLst>
           </p:nvPr>
         </p:nvSpPr>
         <p:spPr/>
@@ -1962,6 +2089,9 @@
           </p:cNvSpPr>
           <p:nvPr>
             <p:ph type="title" orient="vert"/>
+            <p:custDataLst>
+              <p:tags r:id="rId2"/>
+            </p:custDataLst>
           </p:nvPr>
         </p:nvSpPr>
         <p:spPr>
@@ -1990,6 +2120,9 @@
           </p:cNvSpPr>
           <p:nvPr>
             <p:ph type="body" orient="vert" idx="1"/>
+            <p:custDataLst>
+              <p:tags r:id="rId3"/>
+            </p:custDataLst>
           </p:nvPr>
         </p:nvSpPr>
         <p:spPr>
@@ -2051,6 +2184,9 @@
           </p:cNvSpPr>
           <p:nvPr>
             <p:ph type="dt" sz="half" idx="10"/>
+            <p:custDataLst>
+              <p:tags r:id="rId4"/>
+            </p:custDataLst>
           </p:nvPr>
         </p:nvSpPr>
         <p:spPr/>
@@ -2073,6 +2209,9 @@
           </p:cNvSpPr>
           <p:nvPr>
             <p:ph type="ftr" sz="quarter" idx="11"/>
+            <p:custDataLst>
+              <p:tags r:id="rId5"/>
+            </p:custDataLst>
           </p:nvPr>
         </p:nvSpPr>
         <p:spPr/>
@@ -2092,6 +2231,9 @@
           </p:cNvSpPr>
           <p:nvPr>
             <p:ph type="sldNum" sz="quarter" idx="12"/>
+            <p:custDataLst>
+              <p:tags r:id="rId6"/>
+            </p:custDataLst>
           </p:nvPr>
         </p:nvSpPr>
         <p:spPr/>
@@ -2144,6 +2286,9 @@
           </p:cNvSpPr>
           <p:nvPr>
             <p:ph type="title"/>
+            <p:custDataLst>
+              <p:tags r:id="rId11"/>
+            </p:custDataLst>
           </p:nvPr>
         </p:nvSpPr>
         <p:spPr>
@@ -2177,6 +2322,9 @@
           </p:cNvSpPr>
           <p:nvPr>
             <p:ph type="body" idx="1"/>
+            <p:custDataLst>
+              <p:tags r:id="rId12"/>
+            </p:custDataLst>
           </p:nvPr>
         </p:nvSpPr>
         <p:spPr>
@@ -2243,6 +2391,9 @@
           </p:cNvSpPr>
           <p:nvPr>
             <p:ph type="dt" sz="half" idx="2"/>
+            <p:custDataLst>
+              <p:tags r:id="rId13"/>
+            </p:custDataLst>
           </p:nvPr>
         </p:nvSpPr>
         <p:spPr>
@@ -2283,6 +2434,9 @@
           </p:cNvSpPr>
           <p:nvPr>
             <p:ph type="ftr" sz="quarter" idx="3"/>
+            <p:custDataLst>
+              <p:tags r:id="rId14"/>
+            </p:custDataLst>
           </p:nvPr>
         </p:nvSpPr>
         <p:spPr>
@@ -2320,6 +2474,9 @@
           </p:cNvSpPr>
           <p:nvPr>
             <p:ph type="sldNum" sz="quarter" idx="4"/>
+            <p:custDataLst>
+              <p:tags r:id="rId15"/>
+            </p:custDataLst>
           </p:nvPr>
         </p:nvSpPr>
         <p:spPr>
@@ -11018,6 +11175,533 @@
             </a:endParaRPr>
           </a:p>
           <a:p>
+            <a:endParaRPr lang="zh-CN" altLang="en-US" sz="2400">
+              <a:latin typeface="苹方-简" panose="020B0400000000000000" charset="-122"/>
+              <a:ea typeface="苹方-简" panose="020B0400000000000000" charset="-122"/>
+            </a:endParaRPr>
+          </a:p>
+        </p:txBody>
+      </p:sp>
+    </p:spTree>
+  </p:cSld>
+  <p:clrMapOvr>
+    <a:masterClrMapping/>
+  </p:clrMapOvr>
+</p:sld>
+</file>
+
+<file path=ppt/slides/slide42.xml><?xml version="1.0" encoding="utf-8"?>
+<p:sld xmlns:a="http://schemas.openxmlformats.org/drawingml/2006/main" xmlns:r="http://schemas.openxmlformats.org/officeDocument/2006/relationships" xmlns:p="http://schemas.openxmlformats.org/presentationml/2006/main">
+  <p:cSld>
+    <p:spTree>
+      <p:nvGrpSpPr>
+        <p:cNvPr id="1" name=""/>
+        <p:cNvGrpSpPr/>
+        <p:nvPr/>
+      </p:nvGrpSpPr>
+      <p:grpSpPr/>
+      <p:sp>
+        <p:nvSpPr>
+          <p:cNvPr id="2" name="标题 1"/>
+          <p:cNvSpPr>
+            <a:spLocks noGrp="1"/>
+          </p:cNvSpPr>
+          <p:nvPr>
+            <p:ph type="title"/>
+            <p:custDataLst>
+              <p:tags r:id="rId1"/>
+            </p:custDataLst>
+          </p:nvPr>
+        </p:nvSpPr>
+        <p:spPr>
+          <a:xfrm>
+            <a:off x="621665" y="149860"/>
+            <a:ext cx="10515600" cy="761365"/>
+          </a:xfrm>
+        </p:spPr>
+        <p:txBody>
+          <a:bodyPr>
+            <a:normAutofit/>
+          </a:bodyPr>
+          <a:p>
+            <a:r>
+              <a:rPr lang="en-US" altLang="zh-CN" sz="2400">
+                <a:latin typeface="苹方-简" panose="020B0400000000000000" charset="-122"/>
+                <a:ea typeface="苹方-简" panose="020B0400000000000000" charset="-122"/>
+              </a:rPr>
+              <a:t>ToB Dev </a:t>
+            </a:r>
+            <a:r>
+              <a:rPr lang="zh-CN" altLang="en-US" sz="2400">
+                <a:latin typeface="苹方-简" panose="020B0400000000000000" charset="-122"/>
+                <a:ea typeface="苹方-简" panose="020B0400000000000000" charset="-122"/>
+              </a:rPr>
+              <a:t>调试，</a:t>
+            </a:r>
+            <a:r>
+              <a:rPr lang="zh-CN" altLang="en-US" sz="2400">
+                <a:latin typeface="苹方-简" panose="020B0400000000000000" charset="-122"/>
+                <a:ea typeface="苹方-简" panose="020B0400000000000000" charset="-122"/>
+                <a:sym typeface="+mn-ea"/>
+              </a:rPr>
+              <a:t>http://h5test.tobdev.com</a:t>
+            </a:r>
+            <a:endParaRPr lang="zh-CN" altLang="en-US" sz="2400">
+              <a:latin typeface="苹方-简" panose="020B0400000000000000" charset="-122"/>
+              <a:ea typeface="苹方-简" panose="020B0400000000000000" charset="-122"/>
+            </a:endParaRPr>
+          </a:p>
+        </p:txBody>
+      </p:sp>
+      <p:sp>
+        <p:nvSpPr>
+          <p:cNvPr id="4" name="标题 1"/>
+          <p:cNvSpPr>
+            <a:spLocks noGrp="1"/>
+          </p:cNvSpPr>
+          <p:nvPr>
+            <p:custDataLst>
+              <p:tags r:id="rId2"/>
+            </p:custDataLst>
+          </p:nvPr>
+        </p:nvSpPr>
+        <p:spPr>
+          <a:xfrm>
+            <a:off x="701040" y="813435"/>
+            <a:ext cx="10789285" cy="5823585"/>
+          </a:xfrm>
+          <a:prstGeom prst="rect">
+            <a:avLst/>
+          </a:prstGeom>
+        </p:spPr>
+        <p:txBody>
+          <a:bodyPr vert="horz" lIns="91440" tIns="45720" rIns="91440" bIns="45720" rtlCol="0" anchor="ctr">
+            <a:normAutofit lnSpcReduction="10000"/>
+          </a:bodyPr>
+          <a:lstStyle>
+            <a:lvl1pPr algn="l" defTabSz="914400" rtl="0" eaLnBrk="1" latinLnBrk="0" hangingPunct="1">
+              <a:lnSpc>
+                <a:spcPct val="90000"/>
+              </a:lnSpc>
+              <a:spcBef>
+                <a:spcPct val="0"/>
+              </a:spcBef>
+              <a:buNone/>
+              <a:defRPr sz="4400" kern="1200">
+                <a:solidFill>
+                  <a:schemeClr val="tx1"/>
+                </a:solidFill>
+                <a:latin typeface="+mj-lt"/>
+                <a:ea typeface="+mj-ea"/>
+                <a:cs typeface="+mj-cs"/>
+              </a:defRPr>
+            </a:lvl1pPr>
+          </a:lstStyle>
+          <a:p>
+            <a:r>
+              <a:rPr lang="zh-CN" altLang="en-US" sz="2400">
+                <a:latin typeface="苹方-简" panose="020B0400000000000000" charset="-122"/>
+                <a:ea typeface="苹方-简" panose="020B0400000000000000" charset="-122"/>
+              </a:rPr>
+              <a:t>在线</a:t>
+            </a:r>
+            <a:r>
+              <a:rPr lang="en-US" altLang="zh-CN" sz="2400">
+                <a:latin typeface="苹方-简" panose="020B0400000000000000" charset="-122"/>
+                <a:ea typeface="苹方-简" panose="020B0400000000000000" charset="-122"/>
+              </a:rPr>
+              <a:t>Demo</a:t>
+            </a:r>
+            <a:r>
+              <a:rPr lang="zh-CN" altLang="en-US" sz="2400">
+                <a:latin typeface="苹方-简" panose="020B0400000000000000" charset="-122"/>
+                <a:ea typeface="苹方-简" panose="020B0400000000000000" charset="-122"/>
+              </a:rPr>
+              <a:t>用于解决的问题：</a:t>
+            </a:r>
+            <a:endParaRPr lang="zh-CN" altLang="en-US" sz="2400">
+              <a:latin typeface="苹方-简" panose="020B0400000000000000" charset="-122"/>
+              <a:ea typeface="苹方-简" panose="020B0400000000000000" charset="-122"/>
+            </a:endParaRPr>
+          </a:p>
+          <a:p>
+            <a:endParaRPr lang="zh-CN" altLang="en-US" sz="2400">
+              <a:latin typeface="苹方-简" panose="020B0400000000000000" charset="-122"/>
+              <a:ea typeface="苹方-简" panose="020B0400000000000000" charset="-122"/>
+            </a:endParaRPr>
+          </a:p>
+          <a:p>
+            <a:r>
+              <a:rPr lang="zh-CN" altLang="en-US" sz="2400">
+                <a:latin typeface="苹方-简" panose="020B0400000000000000" charset="-122"/>
+                <a:ea typeface="苹方-简" panose="020B0400000000000000" charset="-122"/>
+              </a:rPr>
+              <a:t>创建测试公司创建一个应用配置下就可快速体验在线</a:t>
+            </a:r>
+            <a:r>
+              <a:rPr lang="en-US" altLang="zh-CN" sz="2400">
+                <a:latin typeface="苹方-简" panose="020B0400000000000000" charset="-122"/>
+                <a:ea typeface="苹方-简" panose="020B0400000000000000" charset="-122"/>
+                <a:sym typeface="+mn-ea"/>
+              </a:rPr>
+              <a:t>Demo</a:t>
+            </a:r>
+            <a:r>
+              <a:rPr lang="zh-CN" altLang="en-US" sz="2400">
+                <a:latin typeface="苹方-简" panose="020B0400000000000000" charset="-122"/>
+                <a:ea typeface="苹方-简" panose="020B0400000000000000" charset="-122"/>
+              </a:rPr>
+              <a:t>，了解流程；</a:t>
+            </a:r>
+            <a:endParaRPr lang="zh-CN" altLang="en-US" sz="2400">
+              <a:latin typeface="苹方-简" panose="020B0400000000000000" charset="-122"/>
+              <a:ea typeface="苹方-简" panose="020B0400000000000000" charset="-122"/>
+            </a:endParaRPr>
+          </a:p>
+          <a:p>
+            <a:r>
+              <a:rPr lang="zh-CN" altLang="en-US" sz="2400">
+                <a:latin typeface="苹方-简" panose="020B0400000000000000" charset="-122"/>
+                <a:ea typeface="苹方-简" panose="020B0400000000000000" charset="-122"/>
+              </a:rPr>
+              <a:t>通过一半在线一半本地</a:t>
+            </a:r>
+            <a:r>
+              <a:rPr lang="en-US" altLang="zh-CN" sz="2400">
+                <a:latin typeface="苹方-简" panose="020B0400000000000000" charset="-122"/>
+                <a:ea typeface="苹方-简" panose="020B0400000000000000" charset="-122"/>
+              </a:rPr>
+              <a:t>,</a:t>
+            </a:r>
+            <a:r>
+              <a:rPr lang="zh-CN" altLang="en-US" sz="2400">
+                <a:latin typeface="苹方-简" panose="020B0400000000000000" charset="-122"/>
+                <a:ea typeface="苹方-简" panose="020B0400000000000000" charset="-122"/>
+              </a:rPr>
+              <a:t>或者全部本地，用于帮助开发调试；</a:t>
+            </a:r>
+            <a:endParaRPr lang="zh-CN" altLang="en-US" sz="2400">
+              <a:latin typeface="苹方-简" panose="020B0400000000000000" charset="-122"/>
+              <a:ea typeface="苹方-简" panose="020B0400000000000000" charset="-122"/>
+            </a:endParaRPr>
+          </a:p>
+          <a:p>
+            <a:endParaRPr lang="zh-CN" altLang="en-US" sz="2400">
+              <a:latin typeface="苹方-简" panose="020B0400000000000000" charset="-122"/>
+              <a:ea typeface="苹方-简" panose="020B0400000000000000" charset="-122"/>
+            </a:endParaRPr>
+          </a:p>
+          <a:p>
+            <a:r>
+              <a:rPr lang="zh-CN" altLang="en-US" sz="2400">
+                <a:latin typeface="苹方-简" panose="020B0400000000000000" charset="-122"/>
+                <a:ea typeface="苹方-简" panose="020B0400000000000000" charset="-122"/>
+              </a:rPr>
+              <a:t>如</a:t>
+            </a:r>
+            <a:r>
+              <a:rPr lang="en-US" altLang="zh-CN" sz="2400">
+                <a:latin typeface="苹方-简" panose="020B0400000000000000" charset="-122"/>
+                <a:ea typeface="苹方-简" panose="020B0400000000000000" charset="-122"/>
+              </a:rPr>
+              <a:t>Oauth </a:t>
+            </a:r>
+            <a:r>
+              <a:rPr lang="zh-CN" altLang="en-US" sz="2400">
+                <a:latin typeface="苹方-简" panose="020B0400000000000000" charset="-122"/>
+                <a:ea typeface="苹方-简" panose="020B0400000000000000" charset="-122"/>
+              </a:rPr>
+              <a:t>授权登录的域名校验问题，</a:t>
+            </a:r>
+            <a:r>
+              <a:rPr lang="en-US" altLang="zh-CN" sz="2400">
+                <a:latin typeface="苹方-简" panose="020B0400000000000000" charset="-122"/>
+                <a:ea typeface="苹方-简" panose="020B0400000000000000" charset="-122"/>
+              </a:rPr>
+              <a:t>jssdk config,agentconfig</a:t>
+            </a:r>
+            <a:r>
+              <a:rPr lang="zh-CN" altLang="en-US" sz="2400">
+                <a:latin typeface="苹方-简" panose="020B0400000000000000" charset="-122"/>
+                <a:ea typeface="苹方-简" panose="020B0400000000000000" charset="-122"/>
+              </a:rPr>
+              <a:t>等签名错误</a:t>
+            </a:r>
+            <a:endParaRPr lang="zh-CN" altLang="en-US" sz="2400">
+              <a:latin typeface="苹方-简" panose="020B0400000000000000" charset="-122"/>
+              <a:ea typeface="苹方-简" panose="020B0400000000000000" charset="-122"/>
+            </a:endParaRPr>
+          </a:p>
+          <a:p>
+            <a:endParaRPr lang="zh-CN" altLang="en-US" sz="2400">
+              <a:latin typeface="苹方-简" panose="020B0400000000000000" charset="-122"/>
+              <a:ea typeface="苹方-简" panose="020B0400000000000000" charset="-122"/>
+            </a:endParaRPr>
+          </a:p>
+          <a:p>
+            <a:r>
+              <a:rPr lang="en-US" altLang="zh-CN" sz="2400">
+                <a:latin typeface="苹方-简" panose="020B0400000000000000" charset="-122"/>
+                <a:ea typeface="苹方-简" panose="020B0400000000000000" charset="-122"/>
+                <a:sym typeface="+mn-ea"/>
+              </a:rPr>
+              <a:t>1</a:t>
+            </a:r>
+            <a:r>
+              <a:rPr lang="zh-CN" altLang="en-US" sz="2400">
+                <a:latin typeface="苹方-简" panose="020B0400000000000000" charset="-122"/>
+                <a:ea typeface="苹方-简" panose="020B0400000000000000" charset="-122"/>
+                <a:sym typeface="+mn-ea"/>
+              </a:rPr>
+              <a:t>，使用线上</a:t>
+            </a:r>
+            <a:r>
+              <a:rPr lang="en-US" altLang="zh-CN" sz="2400">
+                <a:latin typeface="苹方-简" panose="020B0400000000000000" charset="-122"/>
+                <a:ea typeface="苹方-简" panose="020B0400000000000000" charset="-122"/>
+                <a:sym typeface="+mn-ea"/>
+              </a:rPr>
+              <a:t>Demo</a:t>
+            </a:r>
+            <a:r>
+              <a:rPr lang="zh-CN" altLang="en-US" sz="2400">
+                <a:latin typeface="苹方-简" panose="020B0400000000000000" charset="-122"/>
+                <a:ea typeface="苹方-简" panose="020B0400000000000000" charset="-122"/>
+                <a:sym typeface="+mn-ea"/>
+              </a:rPr>
+              <a:t>后端，使用本地前端</a:t>
+            </a:r>
+            <a:endParaRPr lang="zh-CN" altLang="en-US" sz="2400">
+              <a:latin typeface="苹方-简" panose="020B0400000000000000" charset="-122"/>
+              <a:ea typeface="苹方-简" panose="020B0400000000000000" charset="-122"/>
+            </a:endParaRPr>
+          </a:p>
+          <a:p>
+            <a:r>
+              <a:rPr lang="zh-CN" altLang="en-US" sz="2400">
+                <a:latin typeface="苹方-简" panose="020B0400000000000000" charset="-122"/>
+                <a:ea typeface="苹方-简" panose="020B0400000000000000" charset="-122"/>
+                <a:sym typeface="+mn-ea"/>
+              </a:rPr>
+              <a:t>     本地指定</a:t>
+            </a:r>
+            <a:r>
+              <a:rPr lang="en-US" altLang="zh-CN" sz="2400">
+                <a:latin typeface="苹方-简" panose="020B0400000000000000" charset="-122"/>
+                <a:ea typeface="苹方-简" panose="020B0400000000000000" charset="-122"/>
+                <a:sym typeface="+mn-ea"/>
+              </a:rPr>
+              <a:t>Host</a:t>
+            </a:r>
+            <a:r>
+              <a:rPr lang="zh-CN" altLang="en-US" sz="2400">
+                <a:latin typeface="苹方-简" panose="020B0400000000000000" charset="-122"/>
+                <a:ea typeface="苹方-简" panose="020B0400000000000000" charset="-122"/>
+                <a:sym typeface="+mn-ea"/>
+              </a:rPr>
+              <a:t>：如前端域名与</a:t>
+            </a:r>
+            <a:r>
+              <a:rPr lang="en-US" altLang="zh-CN" sz="2400">
+                <a:latin typeface="苹方-简" panose="020B0400000000000000" charset="-122"/>
+                <a:ea typeface="苹方-简" panose="020B0400000000000000" charset="-122"/>
+                <a:sym typeface="+mn-ea"/>
+              </a:rPr>
+              <a:t>ToB Dev</a:t>
+            </a:r>
+            <a:r>
+              <a:rPr lang="zh-CN" altLang="en-US" sz="2400">
+                <a:latin typeface="苹方-简" panose="020B0400000000000000" charset="-122"/>
+                <a:ea typeface="苹方-简" panose="020B0400000000000000" charset="-122"/>
+                <a:sym typeface="+mn-ea"/>
+              </a:rPr>
+              <a:t>线上域名一致，在线上</a:t>
+            </a:r>
+            <a:r>
+              <a:rPr lang="en-US" altLang="zh-CN" sz="2400">
+                <a:latin typeface="苹方-简" panose="020B0400000000000000" charset="-122"/>
+                <a:ea typeface="苹方-简" panose="020B0400000000000000" charset="-122"/>
+                <a:sym typeface="+mn-ea"/>
+              </a:rPr>
+              <a:t>Demo</a:t>
+            </a:r>
+            <a:r>
+              <a:rPr lang="zh-CN" altLang="en-US" sz="2400">
+                <a:latin typeface="苹方-简" panose="020B0400000000000000" charset="-122"/>
+                <a:ea typeface="苹方-简" panose="020B0400000000000000" charset="-122"/>
+                <a:sym typeface="+mn-ea"/>
+              </a:rPr>
+              <a:t>上传验证文件即可；不一致域名需要自己在对应域名上传</a:t>
+            </a:r>
+            <a:r>
+              <a:rPr lang="en-US" altLang="zh-CN" sz="2400">
+                <a:latin typeface="苹方-简" panose="020B0400000000000000" charset="-122"/>
+                <a:ea typeface="苹方-简" panose="020B0400000000000000" charset="-122"/>
+                <a:sym typeface="+mn-ea"/>
+              </a:rPr>
+              <a:t>oauth</a:t>
+            </a:r>
+            <a:r>
+              <a:rPr lang="zh-CN" altLang="en-US" sz="2400">
+                <a:latin typeface="苹方-简" panose="020B0400000000000000" charset="-122"/>
+                <a:ea typeface="苹方-简" panose="020B0400000000000000" charset="-122"/>
+                <a:sym typeface="+mn-ea"/>
+              </a:rPr>
+              <a:t>、</a:t>
+            </a:r>
+            <a:r>
+              <a:rPr lang="en-US" altLang="zh-CN" sz="2400">
+                <a:latin typeface="苹方-简" panose="020B0400000000000000" charset="-122"/>
+                <a:ea typeface="苹方-简" panose="020B0400000000000000" charset="-122"/>
+                <a:sym typeface="+mn-ea"/>
+              </a:rPr>
+              <a:t>jssdk</a:t>
+            </a:r>
+            <a:r>
+              <a:rPr lang="zh-CN" altLang="en-US" sz="2400">
+                <a:latin typeface="苹方-简" panose="020B0400000000000000" charset="-122"/>
+                <a:ea typeface="苹方-简" panose="020B0400000000000000" charset="-122"/>
+                <a:sym typeface="+mn-ea"/>
+              </a:rPr>
+              <a:t>验证文件</a:t>
+            </a:r>
+            <a:endParaRPr lang="zh-CN" altLang="en-US" sz="2400">
+              <a:latin typeface="苹方-简" panose="020B0400000000000000" charset="-122"/>
+              <a:ea typeface="苹方-简" panose="020B0400000000000000" charset="-122"/>
+              <a:sym typeface="+mn-ea"/>
+            </a:endParaRPr>
+          </a:p>
+          <a:p>
+            <a:endParaRPr lang="zh-CN" altLang="en-US" sz="2400">
+              <a:latin typeface="苹方-简" panose="020B0400000000000000" charset="-122"/>
+              <a:ea typeface="苹方-简" panose="020B0400000000000000" charset="-122"/>
+            </a:endParaRPr>
+          </a:p>
+          <a:p>
+            <a:r>
+              <a:rPr lang="en-US" altLang="zh-CN" sz="2400">
+                <a:latin typeface="PingFang SC" panose="020B0400000000000000" charset="-122"/>
+                <a:ea typeface="PingFang SC" panose="020B0400000000000000" charset="-122"/>
+                <a:cs typeface="PingFang SC" panose="020B0400000000000000" charset="-122"/>
+              </a:rPr>
+              <a:t>2</a:t>
+            </a:r>
+            <a:r>
+              <a:rPr lang="zh-CN" altLang="en-US" sz="2400">
+                <a:latin typeface="PingFang SC" panose="020B0400000000000000" charset="-122"/>
+                <a:ea typeface="PingFang SC" panose="020B0400000000000000" charset="-122"/>
+                <a:cs typeface="PingFang SC" panose="020B0400000000000000" charset="-122"/>
+              </a:rPr>
+              <a:t>，使用线上</a:t>
+            </a:r>
+            <a:r>
+              <a:rPr lang="en-US" altLang="zh-CN" sz="2400">
+                <a:latin typeface="PingFang SC" panose="020B0400000000000000" charset="-122"/>
+                <a:ea typeface="PingFang SC" panose="020B0400000000000000" charset="-122"/>
+                <a:cs typeface="PingFang SC" panose="020B0400000000000000" charset="-122"/>
+              </a:rPr>
+              <a:t>Demo</a:t>
+            </a:r>
+            <a:r>
+              <a:rPr lang="zh-CN" altLang="en-US" sz="2400">
+                <a:latin typeface="PingFang SC" panose="020B0400000000000000" charset="-122"/>
+                <a:ea typeface="PingFang SC" panose="020B0400000000000000" charset="-122"/>
+                <a:cs typeface="PingFang SC" panose="020B0400000000000000" charset="-122"/>
+              </a:rPr>
+              <a:t>的前端，使用本地的后端</a:t>
+            </a:r>
+            <a:endParaRPr lang="zh-CN" altLang="en-US" sz="2400">
+              <a:latin typeface="PingFang SC" panose="020B0400000000000000" charset="-122"/>
+              <a:ea typeface="PingFang SC" panose="020B0400000000000000" charset="-122"/>
+              <a:cs typeface="PingFang SC" panose="020B0400000000000000" charset="-122"/>
+            </a:endParaRPr>
+          </a:p>
+          <a:p>
+            <a:r>
+              <a:rPr lang="zh-CN" altLang="en-US" sz="2400">
+                <a:latin typeface="PingFang SC" panose="020B0400000000000000" charset="-122"/>
+                <a:ea typeface="PingFang SC" panose="020B0400000000000000" charset="-122"/>
+                <a:cs typeface="PingFang SC" panose="020B0400000000000000" charset="-122"/>
+              </a:rPr>
+              <a:t>     先设置后端地址为线上，上传</a:t>
+            </a:r>
+            <a:r>
+              <a:rPr lang="en-US" altLang="zh-CN" sz="2400">
+                <a:latin typeface="PingFang SC" panose="020B0400000000000000" charset="-122"/>
+                <a:ea typeface="PingFang SC" panose="020B0400000000000000" charset="-122"/>
+                <a:cs typeface="PingFang SC" panose="020B0400000000000000" charset="-122"/>
+                <a:sym typeface="+mn-ea"/>
+              </a:rPr>
+              <a:t>oauth</a:t>
+            </a:r>
+            <a:r>
+              <a:rPr lang="zh-CN" altLang="en-US" sz="2400">
+                <a:latin typeface="PingFang SC" panose="020B0400000000000000" charset="-122"/>
+                <a:ea typeface="PingFang SC" panose="020B0400000000000000" charset="-122"/>
+                <a:cs typeface="PingFang SC" panose="020B0400000000000000" charset="-122"/>
+                <a:sym typeface="+mn-ea"/>
+              </a:rPr>
+              <a:t>、</a:t>
+            </a:r>
+            <a:r>
+              <a:rPr lang="en-US" altLang="zh-CN" sz="2400">
+                <a:latin typeface="PingFang SC" panose="020B0400000000000000" charset="-122"/>
+                <a:ea typeface="PingFang SC" panose="020B0400000000000000" charset="-122"/>
+                <a:cs typeface="PingFang SC" panose="020B0400000000000000" charset="-122"/>
+                <a:sym typeface="+mn-ea"/>
+              </a:rPr>
+              <a:t>jssdk</a:t>
+            </a:r>
+            <a:r>
+              <a:rPr lang="zh-CN" altLang="en-US" sz="2400">
+                <a:latin typeface="PingFang SC" panose="020B0400000000000000" charset="-122"/>
+                <a:ea typeface="PingFang SC" panose="020B0400000000000000" charset="-122"/>
+                <a:cs typeface="PingFang SC" panose="020B0400000000000000" charset="-122"/>
+                <a:sym typeface="+mn-ea"/>
+              </a:rPr>
+              <a:t>验证文件；然后再修改后端地址为自己本地地址，别忘记指定</a:t>
+            </a:r>
+            <a:r>
+              <a:rPr lang="en-US" altLang="zh-CN" sz="2400">
+                <a:latin typeface="PingFang SC" panose="020B0400000000000000" charset="-122"/>
+                <a:ea typeface="PingFang SC" panose="020B0400000000000000" charset="-122"/>
+                <a:cs typeface="PingFang SC" panose="020B0400000000000000" charset="-122"/>
+                <a:sym typeface="+mn-ea"/>
+              </a:rPr>
+              <a:t>host</a:t>
+            </a:r>
+            <a:endParaRPr lang="zh-CN" altLang="en-US" sz="2400">
+              <a:latin typeface="苹方-简" panose="020B0400000000000000" charset="-122"/>
+              <a:ea typeface="苹方-简" panose="020B0400000000000000" charset="-122"/>
+            </a:endParaRPr>
+          </a:p>
+          <a:p>
+            <a:endParaRPr lang="en-US" altLang="zh-CN" sz="2400">
+              <a:latin typeface="苹方-简" panose="020B0400000000000000" charset="-122"/>
+              <a:ea typeface="苹方-简" panose="020B0400000000000000" charset="-122"/>
+            </a:endParaRPr>
+          </a:p>
+          <a:p>
+            <a:endParaRPr lang="zh-CN" altLang="en-US" sz="2400">
+              <a:latin typeface="苹方-简" panose="020B0400000000000000" charset="-122"/>
+              <a:ea typeface="苹方-简" panose="020B0400000000000000" charset="-122"/>
+            </a:endParaRPr>
+          </a:p>
+          <a:p>
+            <a:r>
+              <a:rPr lang="en-US" altLang="zh-CN" sz="2400">
+                <a:latin typeface="苹方-简" panose="020B0400000000000000" charset="-122"/>
+                <a:ea typeface="苹方-简" panose="020B0400000000000000" charset="-122"/>
+              </a:rPr>
+              <a:t>3</a:t>
+            </a:r>
+            <a:r>
+              <a:rPr lang="zh-CN" altLang="en-US" sz="2400">
+                <a:latin typeface="苹方-简" panose="020B0400000000000000" charset="-122"/>
+                <a:ea typeface="苹方-简" panose="020B0400000000000000" charset="-122"/>
+              </a:rPr>
+              <a:t>，全部本地调试，自己配置即可</a:t>
+            </a:r>
             <a:endParaRPr lang="zh-CN" altLang="en-US" sz="2400">
               <a:latin typeface="苹方-简" panose="020B0400000000000000" charset="-122"/>
               <a:ea typeface="苹方-简" panose="020B0400000000000000" charset="-122"/>
@@ -13555,13 +14239,391 @@
 
 <file path=ppt/tags/tag1.xml><?xml version="1.0" encoding="utf-8"?>
 <p:tagLst xmlns:p="http://schemas.openxmlformats.org/presentationml/2006/main">
-  <p:tag name="KSO_WM_SLIDE_MODEL_TYPE" val="cover"/>
+  <p:tag name="MH_OLD_SHAPE_ID" val="2"/>
+  <p:tag name="REFSHAPE" val="105553120108216"/>
+</p:tagLst>
+</file>
+
+<file path=ppt/tags/tag10.xml><?xml version="1.0" encoding="utf-8"?>
+<p:tagLst xmlns:p="http://schemas.openxmlformats.org/presentationml/2006/main">
+  <p:tag name="MH_OLD_SHAPE_ID" val="6"/>
+  <p:tag name="REFSHAPE" val="105827997975512"/>
+</p:tagLst>
+</file>
+
+<file path=ppt/tags/tag11.xml><?xml version="1.0" encoding="utf-8"?>
+<p:tagLst xmlns:p="http://schemas.openxmlformats.org/presentationml/2006/main">
+  <p:tag name="MH_OLD_SHAPE_ID" val="2"/>
+  <p:tag name="REFSHAPE" val="105553120108664"/>
+</p:tagLst>
+</file>
+
+<file path=ppt/tags/tag12.xml><?xml version="1.0" encoding="utf-8"?>
+<p:tagLst xmlns:p="http://schemas.openxmlformats.org/presentationml/2006/main">
+  <p:tag name="MH_OLD_SHAPE_ID" val="3"/>
+  <p:tag name="REFSHAPE" val="105553120108888"/>
+</p:tagLst>
+</file>
+
+<file path=ppt/tags/tag13.xml><?xml version="1.0" encoding="utf-8"?>
+<p:tagLst xmlns:p="http://schemas.openxmlformats.org/presentationml/2006/main">
+  <p:tag name="MH_OLD_SHAPE_ID" val="4"/>
+  <p:tag name="REFSHAPE" val="105553120109112"/>
+</p:tagLst>
+</file>
+
+<file path=ppt/tags/tag14.xml><?xml version="1.0" encoding="utf-8"?>
+<p:tagLst xmlns:p="http://schemas.openxmlformats.org/presentationml/2006/main">
+  <p:tag name="MH_OLD_SHAPE_ID" val="5"/>
+  <p:tag name="REFSHAPE" val="105553120109336"/>
+</p:tagLst>
+</file>
+
+<file path=ppt/tags/tag15.xml><?xml version="1.0" encoding="utf-8"?>
+<p:tagLst xmlns:p="http://schemas.openxmlformats.org/presentationml/2006/main">
+  <p:tag name="MH_OLD_SHAPE_ID" val="6"/>
+  <p:tag name="REFSHAPE" val="105553120109560"/>
+</p:tagLst>
+</file>
+
+<file path=ppt/tags/tag16.xml><?xml version="1.0" encoding="utf-8"?>
+<p:tagLst xmlns:p="http://schemas.openxmlformats.org/presentationml/2006/main">
+  <p:tag name="MH_OLD_SHAPE_ID" val="2"/>
+  <p:tag name="REFSHAPE" val="105827997975736"/>
+</p:tagLst>
+</file>
+
+<file path=ppt/tags/tag17.xml><?xml version="1.0" encoding="utf-8"?>
+<p:tagLst xmlns:p="http://schemas.openxmlformats.org/presentationml/2006/main">
+  <p:tag name="MH_OLD_SHAPE_ID" val="3"/>
+  <p:tag name="REFSHAPE" val="105827997975960"/>
+</p:tagLst>
+</file>
+
+<file path=ppt/tags/tag18.xml><?xml version="1.0" encoding="utf-8"?>
+<p:tagLst xmlns:p="http://schemas.openxmlformats.org/presentationml/2006/main">
+  <p:tag name="MH_OLD_SHAPE_ID" val="4"/>
+  <p:tag name="REFSHAPE" val="105827997976184"/>
+</p:tagLst>
+</file>
+
+<file path=ppt/tags/tag19.xml><?xml version="1.0" encoding="utf-8"?>
+<p:tagLst xmlns:p="http://schemas.openxmlformats.org/presentationml/2006/main">
+  <p:tag name="MH_OLD_SHAPE_ID" val="5"/>
+  <p:tag name="REFSHAPE" val="105827997976408"/>
 </p:tagLst>
 </file>
 
 <file path=ppt/tags/tag2.xml><?xml version="1.0" encoding="utf-8"?>
 <p:tagLst xmlns:p="http://schemas.openxmlformats.org/presentationml/2006/main">
+  <p:tag name="MH_OLD_SHAPE_ID" val="3"/>
+  <p:tag name="REFSHAPE" val="105553120108440"/>
+</p:tagLst>
+</file>
+
+<file path=ppt/tags/tag20.xml><?xml version="1.0" encoding="utf-8"?>
+<p:tagLst xmlns:p="http://schemas.openxmlformats.org/presentationml/2006/main">
+  <p:tag name="MH_OLD_SHAPE_ID" val="6"/>
+  <p:tag name="REFSHAPE" val="105827997976632"/>
+</p:tagLst>
+</file>
+
+<file path=ppt/tags/tag21.xml><?xml version="1.0" encoding="utf-8"?>
+<p:tagLst xmlns:p="http://schemas.openxmlformats.org/presentationml/2006/main">
+  <p:tag name="MH_OLD_SHAPE_ID" val="7"/>
+  <p:tag name="REFSHAPE" val="105827997976856"/>
+</p:tagLst>
+</file>
+
+<file path=ppt/tags/tag22.xml><?xml version="1.0" encoding="utf-8"?>
+<p:tagLst xmlns:p="http://schemas.openxmlformats.org/presentationml/2006/main">
+  <p:tag name="MH_OLD_SHAPE_ID" val="2"/>
+  <p:tag name="REFSHAPE" val="105827997977080"/>
+</p:tagLst>
+</file>
+
+<file path=ppt/tags/tag23.xml><?xml version="1.0" encoding="utf-8"?>
+<p:tagLst xmlns:p="http://schemas.openxmlformats.org/presentationml/2006/main">
+  <p:tag name="MH_OLD_SHAPE_ID" val="3"/>
+  <p:tag name="REFSHAPE" val="105827997977304"/>
+</p:tagLst>
+</file>
+
+<file path=ppt/tags/tag24.xml><?xml version="1.0" encoding="utf-8"?>
+<p:tagLst xmlns:p="http://schemas.openxmlformats.org/presentationml/2006/main">
+  <p:tag name="MH_OLD_SHAPE_ID" val="4"/>
+  <p:tag name="REFSHAPE" val="105827997978200"/>
+</p:tagLst>
+</file>
+
+<file path=ppt/tags/tag25.xml><?xml version="1.0" encoding="utf-8"?>
+<p:tagLst xmlns:p="http://schemas.openxmlformats.org/presentationml/2006/main">
+  <p:tag name="MH_OLD_SHAPE_ID" val="5"/>
+  <p:tag name="REFSHAPE" val="105827997979320"/>
+</p:tagLst>
+</file>
+
+<file path=ppt/tags/tag26.xml><?xml version="1.0" encoding="utf-8"?>
+<p:tagLst xmlns:p="http://schemas.openxmlformats.org/presentationml/2006/main">
+  <p:tag name="MH_OLD_SHAPE_ID" val="6"/>
+  <p:tag name="REFSHAPE" val="105827997979992"/>
+</p:tagLst>
+</file>
+
+<file path=ppt/tags/tag27.xml><?xml version="1.0" encoding="utf-8"?>
+<p:tagLst xmlns:p="http://schemas.openxmlformats.org/presentationml/2006/main">
+  <p:tag name="MH_OLD_SHAPE_ID" val="7"/>
+  <p:tag name="REFSHAPE" val="105827997980216"/>
+</p:tagLst>
+</file>
+
+<file path=ppt/tags/tag28.xml><?xml version="1.0" encoding="utf-8"?>
+<p:tagLst xmlns:p="http://schemas.openxmlformats.org/presentationml/2006/main">
+  <p:tag name="MH_OLD_SHAPE_ID" val="8"/>
+  <p:tag name="REFSHAPE" val="105827996003576"/>
+</p:tagLst>
+</file>
+
+<file path=ppt/tags/tag29.xml><?xml version="1.0" encoding="utf-8"?>
+<p:tagLst xmlns:p="http://schemas.openxmlformats.org/presentationml/2006/main">
+  <p:tag name="MH_OLD_SHAPE_ID" val="9"/>
+  <p:tag name="REFSHAPE" val="105827995981400"/>
+</p:tagLst>
+</file>
+
+<file path=ppt/tags/tag3.xml><?xml version="1.0" encoding="utf-8"?>
+<p:tagLst xmlns:p="http://schemas.openxmlformats.org/presentationml/2006/main">
+  <p:tag name="MH_OLD_SHAPE_ID" val="4"/>
+  <p:tag name="REFSHAPE" val="105827996007832"/>
+</p:tagLst>
+</file>
+
+<file path=ppt/tags/tag30.xml><?xml version="1.0" encoding="utf-8"?>
+<p:tagLst xmlns:p="http://schemas.openxmlformats.org/presentationml/2006/main">
+  <p:tag name="MH_OLD_SHAPE_ID" val="2"/>
+  <p:tag name="REFSHAPE" val="105827997981336"/>
+</p:tagLst>
+</file>
+
+<file path=ppt/tags/tag31.xml><?xml version="1.0" encoding="utf-8"?>
+<p:tagLst xmlns:p="http://schemas.openxmlformats.org/presentationml/2006/main">
+  <p:tag name="MH_OLD_SHAPE_ID" val="3"/>
+  <p:tag name="REFSHAPE" val="105827997982008"/>
+</p:tagLst>
+</file>
+
+<file path=ppt/tags/tag32.xml><?xml version="1.0" encoding="utf-8"?>
+<p:tagLst xmlns:p="http://schemas.openxmlformats.org/presentationml/2006/main">
+  <p:tag name="MH_OLD_SHAPE_ID" val="4"/>
+  <p:tag name="REFSHAPE" val="105827997983576"/>
+</p:tagLst>
+</file>
+
+<file path=ppt/tags/tag33.xml><?xml version="1.0" encoding="utf-8"?>
+<p:tagLst xmlns:p="http://schemas.openxmlformats.org/presentationml/2006/main">
+  <p:tag name="MH_OLD_SHAPE_ID" val="5"/>
+  <p:tag name="REFSHAPE" val="105827997978424"/>
+</p:tagLst>
+</file>
+
+<file path=ppt/tags/tag34.xml><?xml version="1.0" encoding="utf-8"?>
+<p:tagLst xmlns:p="http://schemas.openxmlformats.org/presentationml/2006/main">
+  <p:tag name="MH_OLD_SHAPE_ID" val="2"/>
+  <p:tag name="REFSHAPE" val="105827997981784"/>
+</p:tagLst>
+</file>
+
+<file path=ppt/tags/tag35.xml><?xml version="1.0" encoding="utf-8"?>
+<p:tagLst xmlns:p="http://schemas.openxmlformats.org/presentationml/2006/main">
+  <p:tag name="MH_OLD_SHAPE_ID" val="3"/>
+  <p:tag name="REFSHAPE" val="105827997977752"/>
+</p:tagLst>
+</file>
+
+<file path=ppt/tags/tag36.xml><?xml version="1.0" encoding="utf-8"?>
+<p:tagLst xmlns:p="http://schemas.openxmlformats.org/presentationml/2006/main">
+  <p:tag name="MH_OLD_SHAPE_ID" val="4"/>
+  <p:tag name="REFSHAPE" val="105827995992152"/>
+</p:tagLst>
+</file>
+
+<file path=ppt/tags/tag37.xml><?xml version="1.0" encoding="utf-8"?>
+<p:tagLst xmlns:p="http://schemas.openxmlformats.org/presentationml/2006/main">
+  <p:tag name="MH_OLD_SHAPE_ID" val="2"/>
+  <p:tag name="REFSHAPE" val="105827997977976"/>
+</p:tagLst>
+</file>
+
+<file path=ppt/tags/tag38.xml><?xml version="1.0" encoding="utf-8"?>
+<p:tagLst xmlns:p="http://schemas.openxmlformats.org/presentationml/2006/main">
+  <p:tag name="MH_OLD_SHAPE_ID" val="3"/>
+  <p:tag name="REFSHAPE" val="105827997979544"/>
+</p:tagLst>
+</file>
+
+<file path=ppt/tags/tag39.xml><?xml version="1.0" encoding="utf-8"?>
+<p:tagLst xmlns:p="http://schemas.openxmlformats.org/presentationml/2006/main">
+  <p:tag name="MH_OLD_SHAPE_ID" val="4"/>
+  <p:tag name="REFSHAPE" val="105827997982232"/>
+</p:tagLst>
+</file>
+
+<file path=ppt/tags/tag4.xml><?xml version="1.0" encoding="utf-8"?>
+<p:tagLst xmlns:p="http://schemas.openxmlformats.org/presentationml/2006/main">
+  <p:tag name="MH_OLD_SHAPE_ID" val="5"/>
+  <p:tag name="REFSHAPE" val="105827997977528"/>
+</p:tagLst>
+</file>
+
+<file path=ppt/tags/tag40.xml><?xml version="1.0" encoding="utf-8"?>
+<p:tagLst xmlns:p="http://schemas.openxmlformats.org/presentationml/2006/main">
+  <p:tag name="MH_OLD_SHAPE_ID" val="5"/>
+  <p:tag name="REFSHAPE" val="105827997983352"/>
+</p:tagLst>
+</file>
+
+<file path=ppt/tags/tag41.xml><?xml version="1.0" encoding="utf-8"?>
+<p:tagLst xmlns:p="http://schemas.openxmlformats.org/presentationml/2006/main">
+  <p:tag name="MH_OLD_SHAPE_ID" val="6"/>
+  <p:tag name="REFSHAPE" val="105827997983128"/>
+</p:tagLst>
+</file>
+
+<file path=ppt/tags/tag42.xml><?xml version="1.0" encoding="utf-8"?>
+<p:tagLst xmlns:p="http://schemas.openxmlformats.org/presentationml/2006/main">
+  <p:tag name="MH_OLD_SHAPE_ID" val="7"/>
+  <p:tag name="REFSHAPE" val="105827997984472"/>
+</p:tagLst>
+</file>
+
+<file path=ppt/tags/tag43.xml><?xml version="1.0" encoding="utf-8"?>
+<p:tagLst xmlns:p="http://schemas.openxmlformats.org/presentationml/2006/main">
+  <p:tag name="MH_OLD_SHAPE_ID" val="2"/>
+  <p:tag name="REFSHAPE" val="105827997984248"/>
+</p:tagLst>
+</file>
+
+<file path=ppt/tags/tag44.xml><?xml version="1.0" encoding="utf-8"?>
+<p:tagLst xmlns:p="http://schemas.openxmlformats.org/presentationml/2006/main">
+  <p:tag name="MH_OLD_SHAPE_ID" val="3"/>
+  <p:tag name="REFSHAPE" val="105827997983800"/>
+</p:tagLst>
+</file>
+
+<file path=ppt/tags/tag45.xml><?xml version="1.0" encoding="utf-8"?>
+<p:tagLst xmlns:p="http://schemas.openxmlformats.org/presentationml/2006/main">
+  <p:tag name="MH_OLD_SHAPE_ID" val="4"/>
+  <p:tag name="REFSHAPE" val="105827997984024"/>
+</p:tagLst>
+</file>
+
+<file path=ppt/tags/tag46.xml><?xml version="1.0" encoding="utf-8"?>
+<p:tagLst xmlns:p="http://schemas.openxmlformats.org/presentationml/2006/main">
+  <p:tag name="MH_OLD_SHAPE_ID" val="5"/>
+  <p:tag name="REFSHAPE" val="105827997982680"/>
+</p:tagLst>
+</file>
+
+<file path=ppt/tags/tag47.xml><?xml version="1.0" encoding="utf-8"?>
+<p:tagLst xmlns:p="http://schemas.openxmlformats.org/presentationml/2006/main">
+  <p:tag name="MH_OLD_SHAPE_ID" val="6"/>
+  <p:tag name="REFSHAPE" val="105827997982904"/>
+</p:tagLst>
+</file>
+
+<file path=ppt/tags/tag48.xml><?xml version="1.0" encoding="utf-8"?>
+<p:tagLst xmlns:p="http://schemas.openxmlformats.org/presentationml/2006/main">
+  <p:tag name="MH_OLD_SHAPE_ID" val="2"/>
+  <p:tag name="REFSHAPE" val="105827996007160"/>
+</p:tagLst>
+</file>
+
+<file path=ppt/tags/tag49.xml><?xml version="1.0" encoding="utf-8"?>
+<p:tagLst xmlns:p="http://schemas.openxmlformats.org/presentationml/2006/main">
+  <p:tag name="MH_OLD_SHAPE_ID" val="3"/>
+  <p:tag name="REFSHAPE" val="105827996008056"/>
+</p:tagLst>
+</file>
+
+<file path=ppt/tags/tag5.xml><?xml version="1.0" encoding="utf-8"?>
+<p:tagLst xmlns:p="http://schemas.openxmlformats.org/presentationml/2006/main">
+  <p:tag name="MH_OLD_SHAPE_ID" val="6"/>
+  <p:tag name="REFSHAPE" val="105827996006712"/>
+</p:tagLst>
+</file>
+
+<file path=ppt/tags/tag50.xml><?xml version="1.0" encoding="utf-8"?>
+<p:tagLst xmlns:p="http://schemas.openxmlformats.org/presentationml/2006/main">
+  <p:tag name="MH_OLD_SHAPE_ID" val="4"/>
+  <p:tag name="REFSHAPE" val="105827995949144"/>
+</p:tagLst>
+</file>
+
+<file path=ppt/tags/tag51.xml><?xml version="1.0" encoding="utf-8"?>
+<p:tagLst xmlns:p="http://schemas.openxmlformats.org/presentationml/2006/main">
+  <p:tag name="MH_OLD_SHAPE_ID" val="5"/>
+  <p:tag name="REFSHAPE" val="105827996008280"/>
+</p:tagLst>
+</file>
+
+<file path=ppt/tags/tag52.xml><?xml version="1.0" encoding="utf-8"?>
+<p:tagLst xmlns:p="http://schemas.openxmlformats.org/presentationml/2006/main">
+  <p:tag name="MH_OLD_SHAPE_ID" val="6"/>
+  <p:tag name="REFSHAPE" val="105827996007608"/>
+</p:tagLst>
+</file>
+
+<file path=ppt/tags/tag53.xml><?xml version="1.0" encoding="utf-8"?>
+<p:tagLst xmlns:p="http://schemas.openxmlformats.org/presentationml/2006/main">
+  <p:tag name="KSO_WM_SLIDE_MODEL_TYPE" val="cover"/>
+</p:tagLst>
+</file>
+
+<file path=ppt/tags/tag54.xml><?xml version="1.0" encoding="utf-8"?>
+<p:tagLst xmlns:p="http://schemas.openxmlformats.org/presentationml/2006/main">
   <p:tag name="KSO_WM_SLIDE_MODEL_TYPE" val="numdgm"/>
+</p:tagLst>
+</file>
+
+<file path=ppt/tags/tag55.xml><?xml version="1.0" encoding="utf-8"?>
+<p:tagLst xmlns:p="http://schemas.openxmlformats.org/presentationml/2006/main">
+  <p:tag name="MH_OLD_SHAPE_ID" val="2"/>
+  <p:tag name="REFSHAPE" val="105827998043160"/>
+</p:tagLst>
+</file>
+
+<file path=ppt/tags/tag56.xml><?xml version="1.0" encoding="utf-8"?>
+<p:tagLst xmlns:p="http://schemas.openxmlformats.org/presentationml/2006/main">
+  <p:tag name="MH_OLD_SHAPE_ID" val="4"/>
+  <p:tag name="REFSHAPE" val="105827998042712"/>
+</p:tagLst>
+</file>
+
+<file path=ppt/tags/tag6.xml><?xml version="1.0" encoding="utf-8"?>
+<p:tagLst xmlns:p="http://schemas.openxmlformats.org/presentationml/2006/main">
+  <p:tag name="MH_OLD_SHAPE_ID" val="2"/>
+  <p:tag name="REFSHAPE" val="105827997982456"/>
+</p:tagLst>
+</file>
+
+<file path=ppt/tags/tag7.xml><?xml version="1.0" encoding="utf-8"?>
+<p:tagLst xmlns:p="http://schemas.openxmlformats.org/presentationml/2006/main">
+  <p:tag name="MH_OLD_SHAPE_ID" val="3"/>
+  <p:tag name="REFSHAPE" val="105827997979768"/>
+</p:tagLst>
+</file>
+
+<file path=ppt/tags/tag8.xml><?xml version="1.0" encoding="utf-8"?>
+<p:tagLst xmlns:p="http://schemas.openxmlformats.org/presentationml/2006/main">
+  <p:tag name="MH_OLD_SHAPE_ID" val="4"/>
+  <p:tag name="REFSHAPE" val="105827997975064"/>
+</p:tagLst>
+</file>
+
+<file path=ppt/tags/tag9.xml><?xml version="1.0" encoding="utf-8"?>
+<p:tagLst xmlns:p="http://schemas.openxmlformats.org/presentationml/2006/main">
+  <p:tag name="MH_OLD_SHAPE_ID" val="5"/>
+  <p:tag name="REFSHAPE" val="105827997975288"/>
 </p:tagLst>
 </file>
 

--- a/企业微信开发自建内部应用篇.pptx
+++ b/企业微信开发自建内部应用篇.pptx
@@ -47,6 +47,7 @@
     <p:sldId id="312" r:id="rId42"/>
     <p:sldId id="313" r:id="rId43"/>
     <p:sldId id="314" r:id="rId44"/>
+    <p:sldId id="315" r:id="rId45"/>
   </p:sldIdLst>
   <p:sldSz cx="12192000" cy="6858000"/>
   <p:notesSz cx="7103745" cy="10234295"/>
@@ -11703,6 +11704,317 @@
               <a:t>，全部本地调试，自己配置即可</a:t>
             </a:r>
             <a:endParaRPr lang="zh-CN" altLang="en-US" sz="2400">
+              <a:latin typeface="苹方-简" panose="020B0400000000000000" charset="-122"/>
+              <a:ea typeface="苹方-简" panose="020B0400000000000000" charset="-122"/>
+            </a:endParaRPr>
+          </a:p>
+        </p:txBody>
+      </p:sp>
+    </p:spTree>
+  </p:cSld>
+  <p:clrMapOvr>
+    <a:masterClrMapping/>
+  </p:clrMapOvr>
+</p:sld>
+</file>
+
+<file path=ppt/slides/slide43.xml><?xml version="1.0" encoding="utf-8"?>
+<p:sld xmlns:a="http://schemas.openxmlformats.org/drawingml/2006/main" xmlns:r="http://schemas.openxmlformats.org/officeDocument/2006/relationships" xmlns:p="http://schemas.openxmlformats.org/presentationml/2006/main">
+  <p:cSld>
+    <p:spTree>
+      <p:nvGrpSpPr>
+        <p:cNvPr id="1" name=""/>
+        <p:cNvGrpSpPr/>
+        <p:nvPr/>
+      </p:nvGrpSpPr>
+      <p:grpSpPr/>
+      <p:sp>
+        <p:nvSpPr>
+          <p:cNvPr id="2" name="标题 1"/>
+          <p:cNvSpPr>
+            <a:spLocks noGrp="1"/>
+          </p:cNvSpPr>
+          <p:nvPr>
+            <p:ph type="title"/>
+            <p:custDataLst>
+              <p:tags r:id="rId1"/>
+            </p:custDataLst>
+          </p:nvPr>
+        </p:nvSpPr>
+        <p:spPr>
+          <a:xfrm>
+            <a:off x="621665" y="149860"/>
+            <a:ext cx="10515600" cy="761365"/>
+          </a:xfrm>
+        </p:spPr>
+        <p:txBody>
+          <a:bodyPr>
+            <a:normAutofit/>
+          </a:bodyPr>
+          <a:p>
+            <a:r>
+              <a:rPr lang="en-US" altLang="zh-CN" sz="2400">
+                <a:latin typeface="苹方-简" panose="020B0400000000000000" charset="-122"/>
+                <a:ea typeface="苹方-简" panose="020B0400000000000000" charset="-122"/>
+              </a:rPr>
+              <a:t>ToB Dev </a:t>
+            </a:r>
+            <a:r>
+              <a:rPr lang="zh-CN" altLang="en-US" sz="2400">
+                <a:latin typeface="苹方-简" panose="020B0400000000000000" charset="-122"/>
+                <a:ea typeface="苹方-简" panose="020B0400000000000000" charset="-122"/>
+              </a:rPr>
+              <a:t>调试，</a:t>
+            </a:r>
+            <a:r>
+              <a:rPr lang="zh-CN" altLang="en-US" sz="2400">
+                <a:latin typeface="苹方-简" panose="020B0400000000000000" charset="-122"/>
+                <a:ea typeface="苹方-简" panose="020B0400000000000000" charset="-122"/>
+                <a:sym typeface="+mn-ea"/>
+              </a:rPr>
+              <a:t>http://h5test.tobdev.com</a:t>
+            </a:r>
+            <a:endParaRPr lang="zh-CN" altLang="en-US" sz="2400">
+              <a:latin typeface="苹方-简" panose="020B0400000000000000" charset="-122"/>
+              <a:ea typeface="苹方-简" panose="020B0400000000000000" charset="-122"/>
+            </a:endParaRPr>
+          </a:p>
+        </p:txBody>
+      </p:sp>
+      <p:sp>
+        <p:nvSpPr>
+          <p:cNvPr id="4" name="标题 1"/>
+          <p:cNvSpPr>
+            <a:spLocks noGrp="1"/>
+          </p:cNvSpPr>
+          <p:nvPr>
+            <p:custDataLst>
+              <p:tags r:id="rId2"/>
+            </p:custDataLst>
+          </p:nvPr>
+        </p:nvSpPr>
+        <p:spPr>
+          <a:xfrm>
+            <a:off x="701040" y="813435"/>
+            <a:ext cx="10789285" cy="5823585"/>
+          </a:xfrm>
+          <a:prstGeom prst="rect">
+            <a:avLst/>
+          </a:prstGeom>
+        </p:spPr>
+        <p:txBody>
+          <a:bodyPr vert="horz" lIns="91440" tIns="45720" rIns="91440" bIns="45720" rtlCol="0" anchor="ctr">
+            <a:normAutofit lnSpcReduction="10000"/>
+          </a:bodyPr>
+          <a:lstStyle>
+            <a:lvl1pPr algn="l" defTabSz="914400" rtl="0" eaLnBrk="1" latinLnBrk="0" hangingPunct="1">
+              <a:lnSpc>
+                <a:spcPct val="90000"/>
+              </a:lnSpc>
+              <a:spcBef>
+                <a:spcPct val="0"/>
+              </a:spcBef>
+              <a:buNone/>
+              <a:defRPr sz="4400" kern="1200">
+                <a:solidFill>
+                  <a:schemeClr val="tx1"/>
+                </a:solidFill>
+                <a:latin typeface="+mj-lt"/>
+                <a:ea typeface="+mj-ea"/>
+                <a:cs typeface="+mj-cs"/>
+              </a:defRPr>
+            </a:lvl1pPr>
+          </a:lstStyle>
+          <a:p>
+            <a:r>
+              <a:rPr lang="zh-CN" altLang="en-US" sz="2400">
+                <a:latin typeface="苹方-简" panose="020B0400000000000000" charset="-122"/>
+                <a:ea typeface="苹方-简" panose="020B0400000000000000" charset="-122"/>
+              </a:rPr>
+              <a:t>自建应用小程序调试：</a:t>
+            </a:r>
+            <a:endParaRPr lang="zh-CN" altLang="en-US" sz="2400">
+              <a:latin typeface="苹方-简" panose="020B0400000000000000" charset="-122"/>
+              <a:ea typeface="苹方-简" panose="020B0400000000000000" charset="-122"/>
+            </a:endParaRPr>
+          </a:p>
+          <a:p>
+            <a:endParaRPr lang="zh-CN" altLang="en-US" sz="2400">
+              <a:latin typeface="苹方-简" panose="020B0400000000000000" charset="-122"/>
+              <a:ea typeface="苹方-简" panose="020B0400000000000000" charset="-122"/>
+            </a:endParaRPr>
+          </a:p>
+          <a:p>
+            <a:r>
+              <a:rPr lang="zh-CN" altLang="en-US" sz="2400">
+                <a:latin typeface="苹方-简" panose="020B0400000000000000" charset="-122"/>
+                <a:ea typeface="苹方-简" panose="020B0400000000000000" charset="-122"/>
+              </a:rPr>
+              <a:t>https://gitee.com/liyuexi/qywx-xcx</a:t>
+            </a:r>
+            <a:endParaRPr lang="zh-CN" altLang="en-US" sz="2400">
+              <a:latin typeface="苹方-简" panose="020B0400000000000000" charset="-122"/>
+              <a:ea typeface="苹方-简" panose="020B0400000000000000" charset="-122"/>
+            </a:endParaRPr>
+          </a:p>
+          <a:p>
+            <a:endParaRPr lang="zh-CN" altLang="en-US" sz="2400">
+              <a:latin typeface="苹方-简" panose="020B0400000000000000" charset="-122"/>
+              <a:ea typeface="苹方-简" panose="020B0400000000000000" charset="-122"/>
+            </a:endParaRPr>
+          </a:p>
+          <a:p>
+            <a:r>
+              <a:rPr lang="zh-CN" altLang="en-US" sz="2400">
+                <a:latin typeface="苹方-简" panose="020B0400000000000000" charset="-122"/>
+                <a:ea typeface="苹方-简" panose="020B0400000000000000" charset="-122"/>
+              </a:rPr>
+              <a:t>目前自建应用小程序较为简单主要为环境判断，小程序企业微信环境下登录</a:t>
+            </a:r>
+            <a:endParaRPr lang="zh-CN" altLang="en-US" sz="2400">
+              <a:latin typeface="苹方-简" panose="020B0400000000000000" charset="-122"/>
+              <a:ea typeface="苹方-简" panose="020B0400000000000000" charset="-122"/>
+            </a:endParaRPr>
+          </a:p>
+          <a:p>
+            <a:endParaRPr lang="zh-CN" altLang="en-US" sz="2400">
+              <a:latin typeface="苹方-简" panose="020B0400000000000000" charset="-122"/>
+              <a:ea typeface="苹方-简" panose="020B0400000000000000" charset="-122"/>
+            </a:endParaRPr>
+          </a:p>
+          <a:p>
+            <a:endParaRPr lang="zh-CN" altLang="en-US" sz="2400">
+              <a:latin typeface="苹方-简" panose="020B0400000000000000" charset="-122"/>
+              <a:ea typeface="苹方-简" panose="020B0400000000000000" charset="-122"/>
+            </a:endParaRPr>
+          </a:p>
+          <a:p>
+            <a:endParaRPr lang="zh-CN" altLang="en-US" sz="2400">
+              <a:latin typeface="苹方-简" panose="020B0400000000000000" charset="-122"/>
+              <a:ea typeface="苹方-简" panose="020B0400000000000000" charset="-122"/>
+            </a:endParaRPr>
+          </a:p>
+          <a:p>
+            <a:r>
+              <a:rPr lang="en-US" altLang="zh-CN" sz="2400">
+                <a:latin typeface="苹方-简" panose="020B0400000000000000" charset="-122"/>
+                <a:ea typeface="苹方-简" panose="020B0400000000000000" charset="-122"/>
+                <a:sym typeface="+mn-ea"/>
+              </a:rPr>
+              <a:t>1</a:t>
+            </a:r>
+            <a:r>
+              <a:rPr lang="zh-CN" altLang="en-US" sz="2400">
+                <a:latin typeface="苹方-简" panose="020B0400000000000000" charset="-122"/>
+                <a:ea typeface="苹方-简" panose="020B0400000000000000" charset="-122"/>
+                <a:sym typeface="+mn-ea"/>
+              </a:rPr>
+              <a:t>，使用线上</a:t>
+            </a:r>
+            <a:r>
+              <a:rPr lang="en-US" altLang="zh-CN" sz="2400">
+                <a:latin typeface="苹方-简" panose="020B0400000000000000" charset="-122"/>
+                <a:ea typeface="苹方-简" panose="020B0400000000000000" charset="-122"/>
+                <a:sym typeface="+mn-ea"/>
+              </a:rPr>
+              <a:t>Demo</a:t>
+            </a:r>
+            <a:r>
+              <a:rPr lang="zh-CN" altLang="en-US" sz="2400">
+                <a:latin typeface="苹方-简" panose="020B0400000000000000" charset="-122"/>
+                <a:ea typeface="苹方-简" panose="020B0400000000000000" charset="-122"/>
+                <a:sym typeface="+mn-ea"/>
+              </a:rPr>
+              <a:t>后端</a:t>
+            </a:r>
+            <a:endParaRPr lang="zh-CN" altLang="en-US" sz="2400">
+              <a:latin typeface="苹方-简" panose="020B0400000000000000" charset="-122"/>
+              <a:ea typeface="苹方-简" panose="020B0400000000000000" charset="-122"/>
+              <a:sym typeface="+mn-ea"/>
+            </a:endParaRPr>
+          </a:p>
+          <a:p>
+            <a:endParaRPr lang="zh-CN" altLang="en-US" sz="2400">
+              <a:latin typeface="苹方-简" panose="020B0400000000000000" charset="-122"/>
+              <a:ea typeface="苹方-简" panose="020B0400000000000000" charset="-122"/>
+              <a:sym typeface="+mn-ea"/>
+            </a:endParaRPr>
+          </a:p>
+          <a:p>
+            <a:r>
+              <a:rPr lang="zh-CN" altLang="en-US" sz="2400">
+                <a:latin typeface="苹方-简" panose="020B0400000000000000" charset="-122"/>
+                <a:ea typeface="苹方-简" panose="020B0400000000000000" charset="-122"/>
+              </a:rPr>
+              <a:t>    设置公司应用信息即可</a:t>
+            </a:r>
+            <a:endParaRPr lang="zh-CN" altLang="en-US" sz="2400">
+              <a:latin typeface="苹方-简" panose="020B0400000000000000" charset="-122"/>
+              <a:ea typeface="苹方-简" panose="020B0400000000000000" charset="-122"/>
+            </a:endParaRPr>
+          </a:p>
+          <a:p>
+            <a:r>
+              <a:rPr lang="zh-CN" altLang="en-US" sz="2400">
+                <a:latin typeface="苹方-简" panose="020B0400000000000000" charset="-122"/>
+                <a:ea typeface="苹方-简" panose="020B0400000000000000" charset="-122"/>
+                <a:sym typeface="+mn-ea"/>
+              </a:rPr>
+              <a:t>     </a:t>
+            </a:r>
+            <a:endParaRPr lang="zh-CN" altLang="en-US" sz="2400">
+              <a:latin typeface="苹方-简" panose="020B0400000000000000" charset="-122"/>
+              <a:ea typeface="苹方-简" panose="020B0400000000000000" charset="-122"/>
+              <a:sym typeface="+mn-ea"/>
+            </a:endParaRPr>
+          </a:p>
+          <a:p>
+            <a:r>
+              <a:rPr lang="en-US" altLang="zh-CN" sz="2400">
+                <a:latin typeface="PingFang SC" panose="020B0400000000000000" charset="-122"/>
+                <a:ea typeface="PingFang SC" panose="020B0400000000000000" charset="-122"/>
+                <a:cs typeface="PingFang SC" panose="020B0400000000000000" charset="-122"/>
+              </a:rPr>
+              <a:t>2</a:t>
+            </a:r>
+            <a:r>
+              <a:rPr lang="zh-CN" altLang="en-US" sz="2400">
+                <a:latin typeface="PingFang SC" panose="020B0400000000000000" charset="-122"/>
+                <a:ea typeface="PingFang SC" panose="020B0400000000000000" charset="-122"/>
+                <a:cs typeface="PingFang SC" panose="020B0400000000000000" charset="-122"/>
+              </a:rPr>
+              <a:t>，下载</a:t>
+            </a:r>
+            <a:r>
+              <a:rPr lang="en-US" altLang="zh-CN" sz="2400">
+                <a:latin typeface="PingFang SC" panose="020B0400000000000000" charset="-122"/>
+                <a:ea typeface="PingFang SC" panose="020B0400000000000000" charset="-122"/>
+                <a:cs typeface="PingFang SC" panose="020B0400000000000000" charset="-122"/>
+              </a:rPr>
+              <a:t>Demo</a:t>
+            </a:r>
+            <a:r>
+              <a:rPr lang="zh-CN" altLang="en-US" sz="2400">
+                <a:latin typeface="PingFang SC" panose="020B0400000000000000" charset="-122"/>
+                <a:ea typeface="PingFang SC" panose="020B0400000000000000" charset="-122"/>
+                <a:cs typeface="PingFang SC" panose="020B0400000000000000" charset="-122"/>
+              </a:rPr>
+              <a:t>本地运行后端</a:t>
+            </a:r>
+            <a:endParaRPr lang="zh-CN" altLang="en-US" sz="2400">
+              <a:latin typeface="PingFang SC" panose="020B0400000000000000" charset="-122"/>
+              <a:ea typeface="PingFang SC" panose="020B0400000000000000" charset="-122"/>
+              <a:cs typeface="PingFang SC" panose="020B0400000000000000" charset="-122"/>
+            </a:endParaRPr>
+          </a:p>
+          <a:p>
+            <a:endParaRPr lang="zh-CN" altLang="en-US" sz="2400">
+              <a:latin typeface="苹方-简" panose="020B0400000000000000" charset="-122"/>
+              <a:ea typeface="苹方-简" panose="020B0400000000000000" charset="-122"/>
+            </a:endParaRPr>
+          </a:p>
+          <a:p>
+            <a:endParaRPr lang="en-US" altLang="zh-CN" sz="2400">
               <a:latin typeface="苹方-简" panose="020B0400000000000000" charset="-122"/>
               <a:ea typeface="苹方-简" panose="020B0400000000000000" charset="-122"/>
             </a:endParaRPr>
@@ -14599,6 +14911,20 @@
 </p:tagLst>
 </file>
 
+<file path=ppt/tags/tag57.xml><?xml version="1.0" encoding="utf-8"?>
+<p:tagLst xmlns:p="http://schemas.openxmlformats.org/presentationml/2006/main">
+  <p:tag name="MH_OLD_SHAPE_ID" val="2"/>
+  <p:tag name="REFSHAPE" val="105827998043160"/>
+</p:tagLst>
+</file>
+
+<file path=ppt/tags/tag58.xml><?xml version="1.0" encoding="utf-8"?>
+<p:tagLst xmlns:p="http://schemas.openxmlformats.org/presentationml/2006/main">
+  <p:tag name="MH_OLD_SHAPE_ID" val="4"/>
+  <p:tag name="REFSHAPE" val="105827998042712"/>
+</p:tagLst>
+</file>
+
 <file path=ppt/tags/tag6.xml><?xml version="1.0" encoding="utf-8"?>
 <p:tagLst xmlns:p="http://schemas.openxmlformats.org/presentationml/2006/main">
   <p:tag name="MH_OLD_SHAPE_ID" val="2"/>
